--- a/Java-TetrisTest-master/documentation/Presentation - Group.pptx
+++ b/Java-TetrisTest-master/documentation/Presentation - Group.pptx
@@ -5,23 +5,28 @@
     <p:sldMasterId id="2147483680" r:id="rId1"/>
   </p:sldMasterIdLst>
   <p:notesMasterIdLst>
-    <p:notesMasterId r:id="rId8"/>
+    <p:notesMasterId r:id="rId13"/>
   </p:notesMasterIdLst>
   <p:sldIdLst>
     <p:sldId id="256" r:id="rId2"/>
-    <p:sldId id="261" r:id="rId3"/>
-    <p:sldId id="257" r:id="rId4"/>
-    <p:sldId id="258" r:id="rId5"/>
-    <p:sldId id="259" r:id="rId6"/>
-    <p:sldId id="260" r:id="rId7"/>
+    <p:sldId id="267" r:id="rId3"/>
+    <p:sldId id="261" r:id="rId4"/>
+    <p:sldId id="257" r:id="rId5"/>
+    <p:sldId id="258" r:id="rId6"/>
+    <p:sldId id="266" r:id="rId7"/>
+    <p:sldId id="264" r:id="rId8"/>
+    <p:sldId id="262" r:id="rId9"/>
+    <p:sldId id="265" r:id="rId10"/>
+    <p:sldId id="263" r:id="rId11"/>
+    <p:sldId id="260" r:id="rId12"/>
   </p:sldIdLst>
   <p:sldSz cx="9144000" cy="5143500" type="screen16x9"/>
   <p:notesSz cx="6858000" cy="9144000"/>
   <p:embeddedFontLst>
     <p:embeddedFont>
       <p:font typeface="Franklin Gothic Book" panose="020B0503020102020204" pitchFamily="34" charset="0"/>
-      <p:regular r:id="rId9"/>
-      <p:italic r:id="rId10"/>
+      <p:regular r:id="rId14"/>
+      <p:italic r:id="rId15"/>
     </p:embeddedFont>
   </p:embeddedFontLst>
   <p:defaultTextStyle>
@@ -684,6 +689,72 @@
 </file>
 
 <file path=ppt/notesSlides/notesSlide2.xml><?xml version="1.0" encoding="utf-8"?>
+<p:notes xmlns:a="http://schemas.openxmlformats.org/drawingml/2006/main" xmlns:r="http://schemas.openxmlformats.org/officeDocument/2006/relationships" xmlns:p="http://schemas.openxmlformats.org/presentationml/2006/main">
+  <p:cSld>
+    <p:spTree>
+      <p:nvGrpSpPr>
+        <p:cNvPr id="1" name=""/>
+        <p:cNvGrpSpPr/>
+        <p:nvPr/>
+      </p:nvGrpSpPr>
+      <p:grpSpPr>
+        <a:xfrm>
+          <a:off x="0" y="0"/>
+          <a:ext cx="0" cy="0"/>
+          <a:chOff x="0" y="0"/>
+          <a:chExt cx="0" cy="0"/>
+        </a:xfrm>
+      </p:grpSpPr>
+      <p:sp>
+        <p:nvSpPr>
+          <p:cNvPr id="2" name="Slide Image Placeholder 1"/>
+          <p:cNvSpPr>
+            <a:spLocks noGrp="1" noRot="1" noChangeAspect="1"/>
+          </p:cNvSpPr>
+          <p:nvPr>
+            <p:ph type="sldImg"/>
+          </p:nvPr>
+        </p:nvSpPr>
+        <p:spPr>
+          <a:xfrm>
+            <a:off x="381000" y="685800"/>
+            <a:ext cx="6096000" cy="3429000"/>
+          </a:xfrm>
+        </p:spPr>
+      </p:sp>
+      <p:sp>
+        <p:nvSpPr>
+          <p:cNvPr id="3" name="Notes Placeholder 2"/>
+          <p:cNvSpPr>
+            <a:spLocks noGrp="1"/>
+          </p:cNvSpPr>
+          <p:nvPr>
+            <p:ph type="body" idx="1"/>
+          </p:nvPr>
+        </p:nvSpPr>
+        <p:spPr/>
+        <p:txBody>
+          <a:bodyPr/>
+          <a:lstStyle/>
+          <a:p>
+            <a:endParaRPr lang="en-US" dirty="0"/>
+          </a:p>
+        </p:txBody>
+      </p:sp>
+    </p:spTree>
+    <p:extLst>
+      <p:ext uri="{BB962C8B-B14F-4D97-AF65-F5344CB8AC3E}">
+        <p14:creationId xmlns:p14="http://schemas.microsoft.com/office/powerpoint/2010/main" val="3717392412"/>
+      </p:ext>
+    </p:extLst>
+  </p:cSld>
+  <p:clrMapOvr>
+    <a:masterClrMapping/>
+  </p:clrMapOvr>
+</p:notes>
+</file>
+
+<file path=ppt/notesSlides/notesSlide3.xml><?xml version="1.0" encoding="utf-8"?>
 <p:notes xmlns:a="http://schemas.openxmlformats.org/drawingml/2006/main" xmlns:r="http://schemas.openxmlformats.org/officeDocument/2006/relationships" xmlns:p="http://schemas.openxmlformats.org/presentationml/2006/main" showMasterSp="0" showMasterPhAnim="0">
   <p:cSld>
     <p:spTree>
@@ -956,7 +1027,7 @@
           <a:p>
             <a:fld id="{48A87A34-81AB-432B-8DAE-1953F412C126}" type="datetimeFigureOut">
               <a:rPr lang="en-US" smtClean="0"/>
-              <a:t>5/27/2020</a:t>
+              <a:t>5/30/2020</a:t>
             </a:fld>
             <a:endParaRPr lang="en-US" dirty="0"/>
           </a:p>
@@ -1296,7 +1367,7 @@
           <a:p>
             <a:fld id="{48A87A34-81AB-432B-8DAE-1953F412C126}" type="datetimeFigureOut">
               <a:rPr lang="en-US" smtClean="0"/>
-              <a:t>5/27/2020</a:t>
+              <a:t>5/30/2020</a:t>
             </a:fld>
             <a:endParaRPr lang="en-US" dirty="0"/>
           </a:p>
@@ -1486,7 +1557,7 @@
           <a:p>
             <a:fld id="{48A87A34-81AB-432B-8DAE-1953F412C126}" type="datetimeFigureOut">
               <a:rPr lang="en-US" smtClean="0"/>
-              <a:t>5/27/2020</a:t>
+              <a:t>5/30/2020</a:t>
             </a:fld>
             <a:endParaRPr lang="en-US" dirty="0"/>
           </a:p>
@@ -2350,7 +2421,7 @@
           <a:p>
             <a:fld id="{48A87A34-81AB-432B-8DAE-1953F412C126}" type="datetimeFigureOut">
               <a:rPr lang="en-US" smtClean="0"/>
-              <a:t>5/27/2020</a:t>
+              <a:t>5/30/2020</a:t>
             </a:fld>
             <a:endParaRPr lang="en-US" dirty="0"/>
           </a:p>
@@ -2637,7 +2708,7 @@
           <a:p>
             <a:fld id="{48A87A34-81AB-432B-8DAE-1953F412C126}" type="datetimeFigureOut">
               <a:rPr lang="en-US" smtClean="0"/>
-              <a:t>5/27/2020</a:t>
+              <a:t>5/30/2020</a:t>
             </a:fld>
             <a:endParaRPr lang="en-US" dirty="0"/>
           </a:p>
@@ -3041,7 +3112,7 @@
           <a:p>
             <a:fld id="{48A87A34-81AB-432B-8DAE-1953F412C126}" type="datetimeFigureOut">
               <a:rPr lang="en-US" smtClean="0"/>
-              <a:t>5/27/2020</a:t>
+              <a:t>5/30/2020</a:t>
             </a:fld>
             <a:endParaRPr lang="en-US" dirty="0"/>
           </a:p>
@@ -3528,7 +3599,7 @@
           <a:p>
             <a:fld id="{48A87A34-81AB-432B-8DAE-1953F412C126}" type="datetimeFigureOut">
               <a:rPr lang="en-US" smtClean="0"/>
-              <a:t>5/27/2020</a:t>
+              <a:t>5/30/2020</a:t>
             </a:fld>
             <a:endParaRPr lang="en-US" dirty="0"/>
           </a:p>
@@ -3656,7 +3727,7 @@
           <a:p>
             <a:fld id="{48A87A34-81AB-432B-8DAE-1953F412C126}" type="datetimeFigureOut">
               <a:rPr lang="en-US" smtClean="0"/>
-              <a:t>5/27/2020</a:t>
+              <a:t>5/30/2020</a:t>
             </a:fld>
             <a:endParaRPr lang="en-US" dirty="0"/>
           </a:p>
@@ -3761,7 +3832,7 @@
           <a:p>
             <a:fld id="{48A87A34-81AB-432B-8DAE-1953F412C126}" type="datetimeFigureOut">
               <a:rPr lang="en-US" smtClean="0"/>
-              <a:t>5/27/2020</a:t>
+              <a:t>5/30/2020</a:t>
             </a:fld>
             <a:endParaRPr lang="en-US" dirty="0"/>
           </a:p>
@@ -4116,7 +4187,7 @@
           <a:p>
             <a:fld id="{48A87A34-81AB-432B-8DAE-1953F412C126}" type="datetimeFigureOut">
               <a:rPr lang="en-US" smtClean="0"/>
-              <a:t>5/27/2020</a:t>
+              <a:t>5/30/2020</a:t>
             </a:fld>
             <a:endParaRPr lang="en-US" dirty="0"/>
           </a:p>
@@ -4514,7 +4585,7 @@
           <a:p>
             <a:fld id="{48A87A34-81AB-432B-8DAE-1953F412C126}" type="datetimeFigureOut">
               <a:rPr lang="en-US" smtClean="0"/>
-              <a:t>5/27/2020</a:t>
+              <a:t>5/30/2020</a:t>
             </a:fld>
             <a:endParaRPr lang="en-US" dirty="0"/>
           </a:p>
@@ -4803,7 +4874,7 @@
             <a:fld id="{48A87A34-81AB-432B-8DAE-1953F412C126}" type="datetimeFigureOut">
               <a:rPr lang="en-US" smtClean="0"/>
               <a:pPr/>
-              <a:t>5/27/2020</a:t>
+              <a:t>5/30/2020</a:t>
             </a:fld>
             <a:endParaRPr lang="en-US" dirty="0"/>
           </a:p>
@@ -5389,7 +5460,7 @@
         <p:spPr>
           <a:xfrm>
             <a:off x="1108892" y="3603637"/>
-            <a:ext cx="4258660" cy="814678"/>
+            <a:ext cx="4415928" cy="814678"/>
           </a:xfrm>
           <a:prstGeom prst="rect">
             <a:avLst/>
@@ -5411,35 +5482,65 @@
               <a:buNone/>
             </a:pPr>
             <a:r>
-              <a:rPr lang="en-US">
+              <a:rPr lang="en-US" dirty="0">
                 <a:solidFill>
                   <a:schemeClr val="tx1">
                     <a:alpha val="85000"/>
                   </a:schemeClr>
                 </a:solidFill>
+                <a:latin typeface="+mj-lt"/>
               </a:rPr>
               <a:t>Group 6 </a:t>
             </a:r>
             <a:r>
-              <a:rPr lang="en-US">
+              <a:rPr lang="en-US" dirty="0" err="1">
                 <a:solidFill>
                   <a:schemeClr val="tx1">
                     <a:alpha val="85000"/>
                   </a:schemeClr>
                 </a:solidFill>
-                <a:latin typeface="Times New Roman"/>
+                <a:latin typeface="+mj-lt"/>
                 <a:ea typeface="Times New Roman"/>
                 <a:cs typeface="Times New Roman"/>
                 <a:sym typeface="Times New Roman"/>
               </a:rPr>
-              <a:t>Khanh Phan, Shaista Usman, Yi Niu</a:t>
+              <a:t>Khanh</a:t>
             </a:r>
-            <a:endParaRPr lang="en-US">
+            <a:r>
+              <a:rPr lang="en-US" dirty="0">
+                <a:solidFill>
+                  <a:schemeClr val="tx1">
+                    <a:alpha val="85000"/>
+                  </a:schemeClr>
+                </a:solidFill>
+                <a:latin typeface="+mj-lt"/>
+                <a:ea typeface="Times New Roman"/>
+                <a:cs typeface="Times New Roman"/>
+                <a:sym typeface="Times New Roman"/>
+              </a:rPr>
+              <a:t> Phan, Shaista Usman, Yi </a:t>
+            </a:r>
+            <a:r>
+              <a:rPr lang="en-US" dirty="0" err="1">
+                <a:solidFill>
+                  <a:schemeClr val="tx1">
+                    <a:alpha val="85000"/>
+                  </a:schemeClr>
+                </a:solidFill>
+                <a:latin typeface="+mj-lt"/>
+                <a:ea typeface="Times New Roman"/>
+                <a:cs typeface="Times New Roman"/>
+                <a:sym typeface="Times New Roman"/>
+              </a:rPr>
+              <a:t>Niu</a:t>
+            </a:r>
+            <a:endParaRPr lang="en-US" dirty="0">
               <a:solidFill>
                 <a:schemeClr val="tx1">
                   <a:alpha val="85000"/>
                 </a:schemeClr>
               </a:solidFill>
+              <a:latin typeface="+mj-lt"/>
             </a:endParaRPr>
           </a:p>
         </p:txBody>
@@ -5615,7 +5716,374 @@
 </p:sld>
 </file>
 
-<file path=ppt/slides/slide2.xml><?xml version="1.0" encoding="utf-8"?>
+<file path=ppt/slides/slide10.xml><?xml version="1.0" encoding="utf-8"?>
+<p:sld xmlns:a="http://schemas.openxmlformats.org/drawingml/2006/main" xmlns:r="http://schemas.openxmlformats.org/officeDocument/2006/relationships" xmlns:p="http://schemas.openxmlformats.org/presentationml/2006/main">
+  <p:cSld>
+    <p:bg>
+      <p:bgPr>
+        <a:solidFill>
+          <a:schemeClr val="bg2"/>
+        </a:solidFill>
+        <a:effectLst/>
+      </p:bgPr>
+    </p:bg>
+    <p:spTree>
+      <p:nvGrpSpPr>
+        <p:cNvPr id="1" name=""/>
+        <p:cNvGrpSpPr/>
+        <p:nvPr/>
+      </p:nvGrpSpPr>
+      <p:grpSpPr>
+        <a:xfrm>
+          <a:off x="0" y="0"/>
+          <a:ext cx="0" cy="0"/>
+          <a:chOff x="0" y="0"/>
+          <a:chExt cx="0" cy="0"/>
+        </a:xfrm>
+      </p:grpSpPr>
+      <p:sp>
+        <p:nvSpPr>
+          <p:cNvPr id="8" name="Rectangle 7">
+            <a:extLst>
+              <a:ext uri="{FF2B5EF4-FFF2-40B4-BE49-F238E27FC236}">
+                <a16:creationId xmlns:a16="http://schemas.microsoft.com/office/drawing/2014/main" id="{2A97F59D-628C-4053-B41F-489D0045FD5C}"/>
+              </a:ext>
+              <a:ext uri="{C183D7F6-B498-43B3-948B-1728B52AA6E4}">
+                <adec:decorative xmlns:adec="http://schemas.microsoft.com/office/drawing/2017/decorative" val="1"/>
+              </a:ext>
+            </a:extLst>
+          </p:cNvPr>
+          <p:cNvSpPr>
+            <a:spLocks noGrp="1" noRot="1" noChangeAspect="1" noMove="1" noResize="1" noEditPoints="1" noAdjustHandles="1" noChangeArrowheads="1" noChangeShapeType="1" noTextEdit="1"/>
+          </p:cNvSpPr>
+          <p:nvPr>
+            <p:extLst>
+              <p:ext uri="{386F3935-93C4-4BCD-93E2-E3B085C9AB24}">
+                <p16:designElem xmlns:p16="http://schemas.microsoft.com/office/powerpoint/2015/main" val="1"/>
+              </p:ext>
+            </p:extLst>
+          </p:nvPr>
+        </p:nvSpPr>
+        <p:spPr>
+          <a:xfrm>
+            <a:off x="358571" y="282"/>
+            <a:ext cx="171450" cy="5143500"/>
+          </a:xfrm>
+          <a:prstGeom prst="rect">
+            <a:avLst/>
+          </a:prstGeom>
+          <a:solidFill>
+            <a:schemeClr val="tx2"/>
+          </a:solidFill>
+          <a:ln>
+            <a:noFill/>
+          </a:ln>
+        </p:spPr>
+        <p:style>
+          <a:lnRef idx="2">
+            <a:schemeClr val="accent1">
+              <a:shade val="50000"/>
+            </a:schemeClr>
+          </a:lnRef>
+          <a:fillRef idx="1">
+            <a:schemeClr val="accent1"/>
+          </a:fillRef>
+          <a:effectRef idx="0">
+            <a:schemeClr val="accent1"/>
+          </a:effectRef>
+          <a:fontRef idx="minor">
+            <a:schemeClr val="lt1"/>
+          </a:fontRef>
+        </p:style>
+      </p:sp>
+      <p:sp useBgFill="1">
+        <p:nvSpPr>
+          <p:cNvPr id="10" name="Rectangle 9">
+            <a:extLst>
+              <a:ext uri="{FF2B5EF4-FFF2-40B4-BE49-F238E27FC236}">
+                <a16:creationId xmlns:a16="http://schemas.microsoft.com/office/drawing/2014/main" id="{C3638F2F-4688-4030-B1CC-802724443B77}"/>
+              </a:ext>
+              <a:ext uri="{C183D7F6-B498-43B3-948B-1728B52AA6E4}">
+                <adec:decorative xmlns:adec="http://schemas.microsoft.com/office/drawing/2017/decorative" val="1"/>
+              </a:ext>
+            </a:extLst>
+          </p:cNvPr>
+          <p:cNvSpPr>
+            <a:spLocks noGrp="1" noRot="1" noChangeAspect="1" noMove="1" noResize="1" noEditPoints="1" noAdjustHandles="1" noChangeArrowheads="1" noChangeShapeType="1" noTextEdit="1"/>
+          </p:cNvSpPr>
+          <p:nvPr>
+            <p:extLst>
+              <p:ext uri="{386F3935-93C4-4BCD-93E2-E3B085C9AB24}">
+                <p16:designElem xmlns:p16="http://schemas.microsoft.com/office/powerpoint/2015/main" val="1"/>
+              </p:ext>
+            </p:extLst>
+          </p:nvPr>
+        </p:nvSpPr>
+        <p:spPr>
+          <a:xfrm>
+            <a:off x="0" y="0"/>
+            <a:ext cx="9144000" cy="5143500"/>
+          </a:xfrm>
+          <a:prstGeom prst="rect">
+            <a:avLst/>
+          </a:prstGeom>
+          <a:ln>
+            <a:noFill/>
+          </a:ln>
+        </p:spPr>
+        <p:style>
+          <a:lnRef idx="2">
+            <a:schemeClr val="accent1">
+              <a:shade val="50000"/>
+            </a:schemeClr>
+          </a:lnRef>
+          <a:fillRef idx="1001">
+            <a:schemeClr val="lt2"/>
+          </a:fillRef>
+          <a:effectRef idx="0">
+            <a:schemeClr val="accent1"/>
+          </a:effectRef>
+          <a:fontRef idx="minor">
+            <a:schemeClr val="lt1"/>
+          </a:fontRef>
+        </p:style>
+        <p:txBody>
+          <a:bodyPr rtlCol="0" anchor="ctr"/>
+          <a:lstStyle/>
+          <a:p>
+            <a:pPr algn="ctr"/>
+            <a:endParaRPr lang="en-US"/>
+          </a:p>
+        </p:txBody>
+      </p:sp>
+      <p:sp>
+        <p:nvSpPr>
+          <p:cNvPr id="12" name="Freeform 6">
+            <a:extLst>
+              <a:ext uri="{FF2B5EF4-FFF2-40B4-BE49-F238E27FC236}">
+                <a16:creationId xmlns:a16="http://schemas.microsoft.com/office/drawing/2014/main" id="{48C811F0-0ED8-4A7B-BFDE-6433C690ED4F}"/>
+              </a:ext>
+              <a:ext uri="{C183D7F6-B498-43B3-948B-1728B52AA6E4}">
+                <adec:decorative xmlns:adec="http://schemas.microsoft.com/office/drawing/2017/decorative" val="1"/>
+              </a:ext>
+            </a:extLst>
+          </p:cNvPr>
+          <p:cNvSpPr>
+            <a:spLocks noGrp="1" noRot="1" noChangeAspect="1" noMove="1" noResize="1" noEditPoints="1" noAdjustHandles="1" noChangeArrowheads="1" noChangeShapeType="1" noTextEdit="1"/>
+          </p:cNvSpPr>
+          <p:nvPr>
+            <p:extLst>
+              <p:ext uri="{386F3935-93C4-4BCD-93E2-E3B085C9AB24}">
+                <p16:designElem xmlns:p16="http://schemas.microsoft.com/office/powerpoint/2015/main" val="1"/>
+              </p:ext>
+            </p:extLst>
+          </p:nvPr>
+        </p:nvSpPr>
+        <p:spPr bwMode="auto">
+          <a:xfrm rot="5400000" flipH="1">
+            <a:off x="730313" y="227922"/>
+            <a:ext cx="1432577" cy="1928003"/>
+          </a:xfrm>
+          <a:custGeom>
+            <a:avLst/>
+            <a:gdLst/>
+            <a:ahLst/>
+            <a:cxnLst/>
+            <a:rect l="l" t="t" r="r" b="b"/>
+            <a:pathLst>
+              <a:path w="10002" h="10000">
+                <a:moveTo>
+                  <a:pt x="8763" y="0"/>
+                </a:moveTo>
+                <a:lnTo>
+                  <a:pt x="10002" y="0"/>
+                </a:lnTo>
+                <a:lnTo>
+                  <a:pt x="10002" y="10000"/>
+                </a:lnTo>
+                <a:lnTo>
+                  <a:pt x="2" y="10000"/>
+                </a:lnTo>
+                <a:cubicBezTo>
+                  <a:pt x="-2" y="9698"/>
+                  <a:pt x="4" y="9427"/>
+                  <a:pt x="0" y="9125"/>
+                </a:cubicBezTo>
+                <a:lnTo>
+                  <a:pt x="8763" y="9128"/>
+                </a:lnTo>
+                <a:lnTo>
+                  <a:pt x="8763" y="0"/>
+                </a:lnTo>
+                <a:close/>
+              </a:path>
+            </a:pathLst>
+          </a:custGeom>
+          <a:solidFill>
+            <a:schemeClr val="tx2"/>
+          </a:solidFill>
+          <a:ln w="0">
+            <a:noFill/>
+            <a:prstDash val="solid"/>
+            <a:round/>
+            <a:headEnd/>
+            <a:tailEnd/>
+          </a:ln>
+        </p:spPr>
+      </p:sp>
+      <p:sp>
+        <p:nvSpPr>
+          <p:cNvPr id="2" name="Title 1">
+            <a:extLst>
+              <a:ext uri="{FF2B5EF4-FFF2-40B4-BE49-F238E27FC236}">
+                <a16:creationId xmlns:a16="http://schemas.microsoft.com/office/drawing/2014/main" id="{6E77FE9A-EDB0-4420-9FDE-99751123FB71}"/>
+              </a:ext>
+            </a:extLst>
+          </p:cNvPr>
+          <p:cNvSpPr>
+            <a:spLocks noGrp="1"/>
+          </p:cNvSpPr>
+          <p:nvPr>
+            <p:ph type="title"/>
+          </p:nvPr>
+        </p:nvSpPr>
+        <p:spPr>
+          <a:xfrm>
+            <a:off x="940323" y="995516"/>
+            <a:ext cx="2669568" cy="3361923"/>
+          </a:xfrm>
+        </p:spPr>
+        <p:txBody>
+          <a:bodyPr vert="horz" lIns="91440" tIns="45720" rIns="91440" bIns="45720" rtlCol="0" anchor="t">
+            <a:normAutofit/>
+          </a:bodyPr>
+          <a:lstStyle/>
+          <a:p>
+            <a:pPr defTabSz="914400">
+              <a:spcBef>
+                <a:spcPct val="0"/>
+              </a:spcBef>
+            </a:pPr>
+            <a:r>
+              <a:rPr lang="en-US" sz="4400" dirty="0"/>
+              <a:t>STRESS TESTING</a:t>
+            </a:r>
+          </a:p>
+        </p:txBody>
+      </p:sp>
+      <p:sp>
+        <p:nvSpPr>
+          <p:cNvPr id="3" name="Text Placeholder 2">
+            <a:extLst>
+              <a:ext uri="{FF2B5EF4-FFF2-40B4-BE49-F238E27FC236}">
+                <a16:creationId xmlns:a16="http://schemas.microsoft.com/office/drawing/2014/main" id="{60F54155-5EFD-4C24-82F4-0281F514485E}"/>
+              </a:ext>
+            </a:extLst>
+          </p:cNvPr>
+          <p:cNvSpPr>
+            <a:spLocks noGrp="1"/>
+          </p:cNvSpPr>
+          <p:nvPr>
+            <p:ph type="body" idx="1"/>
+          </p:nvPr>
+        </p:nvSpPr>
+        <p:spPr>
+          <a:xfrm>
+            <a:off x="4575092" y="995517"/>
+            <a:ext cx="3654508" cy="3361923"/>
+          </a:xfrm>
+        </p:spPr>
+        <p:txBody>
+          <a:bodyPr vert="horz" lIns="91440" tIns="45720" rIns="91440" bIns="45720" rtlCol="0">
+            <a:normAutofit/>
+          </a:bodyPr>
+          <a:lstStyle/>
+          <a:p>
+            <a:pPr indent="-384048" defTabSz="914400">
+              <a:spcAft>
+                <a:spcPts val="200"/>
+              </a:spcAft>
+            </a:pPr>
+            <a:endParaRPr lang="en-US"/>
+          </a:p>
+        </p:txBody>
+      </p:sp>
+      <p:sp>
+        <p:nvSpPr>
+          <p:cNvPr id="14" name="Rectangle 13">
+            <a:extLst>
+              <a:ext uri="{FF2B5EF4-FFF2-40B4-BE49-F238E27FC236}">
+                <a16:creationId xmlns:a16="http://schemas.microsoft.com/office/drawing/2014/main" id="{AAC19CEE-435E-4643-849E-5194A57437C0}"/>
+              </a:ext>
+              <a:ext uri="{C183D7F6-B498-43B3-948B-1728B52AA6E4}">
+                <adec:decorative xmlns:adec="http://schemas.microsoft.com/office/drawing/2017/decorative" val="1"/>
+              </a:ext>
+            </a:extLst>
+          </p:cNvPr>
+          <p:cNvSpPr>
+            <a:spLocks noGrp="1" noRot="1" noChangeAspect="1" noMove="1" noResize="1" noEditPoints="1" noAdjustHandles="1" noChangeArrowheads="1" noChangeShapeType="1" noTextEdit="1"/>
+          </p:cNvSpPr>
+          <p:nvPr>
+            <p:extLst>
+              <p:ext uri="{386F3935-93C4-4BCD-93E2-E3B085C9AB24}">
+                <p16:designElem xmlns:p16="http://schemas.microsoft.com/office/powerpoint/2015/main" val="1"/>
+              </p:ext>
+            </p:extLst>
+          </p:nvPr>
+        </p:nvSpPr>
+        <p:spPr>
+          <a:xfrm>
+            <a:off x="1" y="4840039"/>
+            <a:ext cx="9143999" cy="303461"/>
+          </a:xfrm>
+          <a:prstGeom prst="rect">
+            <a:avLst/>
+          </a:prstGeom>
+          <a:solidFill>
+            <a:schemeClr val="accent1"/>
+          </a:solidFill>
+          <a:ln>
+            <a:noFill/>
+          </a:ln>
+        </p:spPr>
+        <p:style>
+          <a:lnRef idx="2">
+            <a:schemeClr val="accent1">
+              <a:shade val="50000"/>
+            </a:schemeClr>
+          </a:lnRef>
+          <a:fillRef idx="1">
+            <a:schemeClr val="accent1"/>
+          </a:fillRef>
+          <a:effectRef idx="0">
+            <a:schemeClr val="accent1"/>
+          </a:effectRef>
+          <a:fontRef idx="minor">
+            <a:schemeClr val="lt1"/>
+          </a:fontRef>
+        </p:style>
+        <p:txBody>
+          <a:bodyPr/>
+          <a:lstStyle/>
+          <a:p>
+            <a:endParaRPr lang="en-US" dirty="0"/>
+          </a:p>
+        </p:txBody>
+      </p:sp>
+    </p:spTree>
+    <p:extLst>
+      <p:ext uri="{BB962C8B-B14F-4D97-AF65-F5344CB8AC3E}">
+        <p14:creationId xmlns:p14="http://schemas.microsoft.com/office/powerpoint/2010/main" val="3456001388"/>
+      </p:ext>
+    </p:extLst>
+  </p:cSld>
+  <p:clrMapOvr>
+    <a:overrideClrMapping bg1="dk1" tx1="lt1" bg2="dk2" tx2="lt2" accent1="accent1" accent2="accent2" accent3="accent3" accent4="accent4" accent5="accent5" accent6="accent6" hlink="hlink" folHlink="folHlink"/>
+  </p:clrMapOvr>
+</p:sld>
+</file>
+
+<file path=ppt/slides/slide11.xml><?xml version="1.0" encoding="utf-8"?>
 <p:sld xmlns:a="http://schemas.openxmlformats.org/drawingml/2006/main" xmlns:r="http://schemas.openxmlformats.org/officeDocument/2006/relationships" xmlns:p="http://schemas.openxmlformats.org/presentationml/2006/main">
   <p:cSld>
     <p:bg>
@@ -5642,7 +6110,7 @@
       </p:grpSpPr>
       <p:grpSp>
         <p:nvGrpSpPr>
-          <p:cNvPr id="21" name="Group 20">
+          <p:cNvPr id="8" name="Group 7">
             <a:extLst>
               <a:ext uri="{FF2B5EF4-FFF2-40B4-BE49-F238E27FC236}">
                 <a16:creationId xmlns:a16="http://schemas.microsoft.com/office/drawing/2014/main" id="{8C89EA62-F38E-4285-A105-C5E1BD360093}"/>
@@ -5673,7 +6141,7 @@
         </p:grpSpPr>
         <p:sp>
           <p:nvSpPr>
-            <p:cNvPr id="22" name="Freeform 6">
+            <p:cNvPr id="9" name="Freeform 6">
               <a:extLst>
                 <a:ext uri="{FF2B5EF4-FFF2-40B4-BE49-F238E27FC236}">
                   <a16:creationId xmlns:a16="http://schemas.microsoft.com/office/drawing/2014/main" id="{2CF6E46A-CCCD-4728-B011-E147B23629A3}"/>
@@ -5744,7 +6212,7 @@
         </p:sp>
         <p:sp>
           <p:nvSpPr>
-            <p:cNvPr id="23" name="Freeform 6">
+            <p:cNvPr id="10" name="Freeform 6">
               <a:extLst>
                 <a:ext uri="{FF2B5EF4-FFF2-40B4-BE49-F238E27FC236}">
                   <a16:creationId xmlns:a16="http://schemas.microsoft.com/office/drawing/2014/main" id="{2E2C684B-30C9-4689-A529-EBF1B8ADB215}"/>
@@ -5818,10 +6286,10 @@
       </p:grpSp>
       <p:sp useBgFill="1">
         <p:nvSpPr>
-          <p:cNvPr id="25" name="Rectangle 24">
+          <p:cNvPr id="12" name="Rectangle 11">
             <a:extLst>
               <a:ext uri="{FF2B5EF4-FFF2-40B4-BE49-F238E27FC236}">
-                <a16:creationId xmlns:a16="http://schemas.microsoft.com/office/drawing/2014/main" id="{5ABA7F3F-D56F-4C06-84AC-03FC83B0642E}"/>
+                <a16:creationId xmlns:a16="http://schemas.microsoft.com/office/drawing/2014/main" id="{51D149FF-24EA-4575-93C6-D58A02586552}"/>
               </a:ext>
               <a:ext uri="{C183D7F6-B498-43B3-948B-1728B52AA6E4}">
                 <adec:decorative xmlns:adec="http://schemas.microsoft.com/office/drawing/2017/decorative" val="1"/>
@@ -5876,9 +6344,931 @@
           </a:p>
         </p:txBody>
       </p:sp>
+      <p:sp>
+        <p:nvSpPr>
+          <p:cNvPr id="3" name="Text Placeholder 2">
+            <a:extLst>
+              <a:ext uri="{FF2B5EF4-FFF2-40B4-BE49-F238E27FC236}">
+                <a16:creationId xmlns:a16="http://schemas.microsoft.com/office/drawing/2014/main" id="{7DF96B2D-85A1-4180-BCF2-62C506E0E75D}"/>
+              </a:ext>
+            </a:extLst>
+          </p:cNvPr>
+          <p:cNvSpPr>
+            <a:spLocks noGrp="1"/>
+          </p:cNvSpPr>
+          <p:nvPr>
+            <p:ph type="title"/>
+          </p:nvPr>
+        </p:nvSpPr>
+        <p:spPr>
+          <a:xfrm>
+            <a:off x="1919217" y="1110697"/>
+            <a:ext cx="3731775" cy="2754020"/>
+          </a:xfrm>
+        </p:spPr>
+        <p:txBody>
+          <a:bodyPr vert="horz" lIns="91440" tIns="45720" rIns="91440" bIns="45720" rtlCol="0" anchor="ctr">
+            <a:normAutofit/>
+          </a:bodyPr>
+          <a:lstStyle/>
+          <a:p>
+            <a:pPr algn="r" defTabSz="914400">
+              <a:spcBef>
+                <a:spcPct val="0"/>
+              </a:spcBef>
+            </a:pPr>
+            <a:r>
+              <a:rPr lang="en-US" sz="3600" cap="all">
+                <a:solidFill>
+                  <a:schemeClr val="tx2"/>
+                </a:solidFill>
+              </a:rPr>
+              <a:t>Thank You!</a:t>
+            </a:r>
+          </a:p>
+        </p:txBody>
+      </p:sp>
+      <p:sp>
+        <p:nvSpPr>
+          <p:cNvPr id="14" name="Rectangle 13">
+            <a:extLst>
+              <a:ext uri="{FF2B5EF4-FFF2-40B4-BE49-F238E27FC236}">
+                <a16:creationId xmlns:a16="http://schemas.microsoft.com/office/drawing/2014/main" id="{CC965133-69F4-4869-A4C0-97C9B2B600FB}"/>
+              </a:ext>
+              <a:ext uri="{C183D7F6-B498-43B3-948B-1728B52AA6E4}">
+                <adec:decorative xmlns:adec="http://schemas.microsoft.com/office/drawing/2017/decorative" val="1"/>
+              </a:ext>
+            </a:extLst>
+          </p:cNvPr>
+          <p:cNvSpPr>
+            <a:spLocks noGrp="1" noRot="1" noChangeAspect="1" noMove="1" noResize="1" noEditPoints="1" noAdjustHandles="1" noChangeArrowheads="1" noChangeShapeType="1" noTextEdit="1"/>
+          </p:cNvSpPr>
+          <p:nvPr>
+            <p:extLst>
+              <p:ext uri="{386F3935-93C4-4BCD-93E2-E3B085C9AB24}">
+                <p16:designElem xmlns:p16="http://schemas.microsoft.com/office/powerpoint/2015/main" val="1"/>
+              </p:ext>
+            </p:extLst>
+          </p:nvPr>
+        </p:nvSpPr>
+        <p:spPr>
+          <a:xfrm>
+            <a:off x="0" y="282"/>
+            <a:ext cx="1581319" cy="5143218"/>
+          </a:xfrm>
+          <a:prstGeom prst="rect">
+            <a:avLst/>
+          </a:prstGeom>
+          <a:solidFill>
+            <a:schemeClr val="accent2"/>
+          </a:solidFill>
+          <a:ln>
+            <a:noFill/>
+          </a:ln>
+        </p:spPr>
+        <p:style>
+          <a:lnRef idx="2">
+            <a:schemeClr val="accent1">
+              <a:shade val="50000"/>
+            </a:schemeClr>
+          </a:lnRef>
+          <a:fillRef idx="1">
+            <a:schemeClr val="accent1"/>
+          </a:fillRef>
+          <a:effectRef idx="0">
+            <a:schemeClr val="accent1"/>
+          </a:effectRef>
+          <a:fontRef idx="minor">
+            <a:schemeClr val="lt1"/>
+          </a:fontRef>
+        </p:style>
+        <p:txBody>
+          <a:bodyPr/>
+          <a:lstStyle/>
+          <a:p>
+            <a:endParaRPr lang="en-US" dirty="0"/>
+          </a:p>
+        </p:txBody>
+      </p:sp>
+      <p:sp>
+        <p:nvSpPr>
+          <p:cNvPr id="16" name="Freeform 6">
+            <a:extLst>
+              <a:ext uri="{FF2B5EF4-FFF2-40B4-BE49-F238E27FC236}">
+                <a16:creationId xmlns:a16="http://schemas.microsoft.com/office/drawing/2014/main" id="{43FEB8E0-28C6-45D4-B8D7-F36F09074E43}"/>
+              </a:ext>
+              <a:ext uri="{C183D7F6-B498-43B3-948B-1728B52AA6E4}">
+                <adec:decorative xmlns:adec="http://schemas.microsoft.com/office/drawing/2017/decorative" val="1"/>
+              </a:ext>
+            </a:extLst>
+          </p:cNvPr>
+          <p:cNvSpPr>
+            <a:spLocks noGrp="1" noRot="1" noChangeAspect="1" noMove="1" noResize="1" noEditPoints="1" noAdjustHandles="1" noChangeArrowheads="1" noChangeShapeType="1" noTextEdit="1"/>
+          </p:cNvSpPr>
+          <p:nvPr>
+            <p:extLst>
+              <p:ext uri="{386F3935-93C4-4BCD-93E2-E3B085C9AB24}">
+                <p16:designElem xmlns:p16="http://schemas.microsoft.com/office/powerpoint/2015/main" val="1"/>
+              </p:ext>
+            </p:extLst>
+          </p:nvPr>
+        </p:nvSpPr>
+        <p:spPr bwMode="auto">
+          <a:xfrm flipH="1" flipV="1">
+            <a:off x="843949" y="558351"/>
+            <a:ext cx="2456751" cy="3306366"/>
+          </a:xfrm>
+          <a:custGeom>
+            <a:avLst/>
+            <a:gdLst/>
+            <a:ahLst/>
+            <a:cxnLst/>
+            <a:rect l="l" t="t" r="r" b="b"/>
+            <a:pathLst>
+              <a:path w="10002" h="10000">
+                <a:moveTo>
+                  <a:pt x="8763" y="0"/>
+                </a:moveTo>
+                <a:lnTo>
+                  <a:pt x="10002" y="0"/>
+                </a:lnTo>
+                <a:lnTo>
+                  <a:pt x="10002" y="10000"/>
+                </a:lnTo>
+                <a:lnTo>
+                  <a:pt x="2" y="10000"/>
+                </a:lnTo>
+                <a:cubicBezTo>
+                  <a:pt x="-2" y="9698"/>
+                  <a:pt x="4" y="9427"/>
+                  <a:pt x="0" y="9125"/>
+                </a:cubicBezTo>
+                <a:lnTo>
+                  <a:pt x="8763" y="9128"/>
+                </a:lnTo>
+                <a:lnTo>
+                  <a:pt x="8763" y="0"/>
+                </a:lnTo>
+                <a:close/>
+              </a:path>
+            </a:pathLst>
+          </a:custGeom>
+          <a:solidFill>
+            <a:schemeClr val="tx2"/>
+          </a:solidFill>
+          <a:ln w="0">
+            <a:noFill/>
+            <a:prstDash val="solid"/>
+            <a:round/>
+            <a:headEnd/>
+            <a:tailEnd/>
+          </a:ln>
+        </p:spPr>
+      </p:sp>
+      <p:cxnSp>
+        <p:nvCxnSpPr>
+          <p:cNvPr id="18" name="Straight Connector 17">
+            <a:extLst>
+              <a:ext uri="{FF2B5EF4-FFF2-40B4-BE49-F238E27FC236}">
+                <a16:creationId xmlns:a16="http://schemas.microsoft.com/office/drawing/2014/main" id="{409EBF91-BD5B-4CA7-8B07-993751CD3975}"/>
+              </a:ext>
+              <a:ext uri="{C183D7F6-B498-43B3-948B-1728B52AA6E4}">
+                <adec:decorative xmlns:adec="http://schemas.microsoft.com/office/drawing/2017/decorative" val="1"/>
+              </a:ext>
+            </a:extLst>
+          </p:cNvPr>
+          <p:cNvCxnSpPr>
+            <a:cxnSpLocks noGrp="1" noRot="1" noChangeAspect="1" noMove="1" noResize="1" noEditPoints="1" noAdjustHandles="1" noChangeArrowheads="1" noChangeShapeType="1"/>
+          </p:cNvCxnSpPr>
+          <p:nvPr>
+            <p:extLst>
+              <p:ext uri="{386F3935-93C4-4BCD-93E2-E3B085C9AB24}">
+                <p16:designElem xmlns:p16="http://schemas.microsoft.com/office/powerpoint/2015/main" val="1"/>
+              </p:ext>
+            </p:extLst>
+          </p:nvPr>
+        </p:nvCxnSpPr>
+        <p:spPr>
+          <a:xfrm>
+            <a:off x="6087267" y="1847565"/>
+            <a:ext cx="0" cy="1525137"/>
+          </a:xfrm>
+          <a:prstGeom prst="line">
+            <a:avLst/>
+          </a:prstGeom>
+          <a:ln w="19050">
+            <a:solidFill>
+              <a:schemeClr val="tx2"/>
+            </a:solidFill>
+          </a:ln>
+        </p:spPr>
+        <p:style>
+          <a:lnRef idx="1">
+            <a:schemeClr val="accent1"/>
+          </a:lnRef>
+          <a:fillRef idx="0">
+            <a:schemeClr val="accent1"/>
+          </a:fillRef>
+          <a:effectRef idx="0">
+            <a:schemeClr val="accent1"/>
+          </a:effectRef>
+          <a:fontRef idx="minor">
+            <a:schemeClr val="tx1"/>
+          </a:fontRef>
+        </p:style>
+      </p:cxnSp>
+    </p:spTree>
+    <p:extLst>
+      <p:ext uri="{BB962C8B-B14F-4D97-AF65-F5344CB8AC3E}">
+        <p14:creationId xmlns:p14="http://schemas.microsoft.com/office/powerpoint/2010/main" val="3810431213"/>
+      </p:ext>
+    </p:extLst>
+  </p:cSld>
+  <p:clrMapOvr>
+    <a:overrideClrMapping bg1="dk1" tx1="lt1" bg2="dk2" tx2="lt2" accent1="accent1" accent2="accent2" accent3="accent3" accent4="accent4" accent5="accent5" accent6="accent6" hlink="hlink" folHlink="folHlink"/>
+  </p:clrMapOvr>
+</p:sld>
+</file>
+
+<file path=ppt/slides/slide2.xml><?xml version="1.0" encoding="utf-8"?>
+<p:sld xmlns:a="http://schemas.openxmlformats.org/drawingml/2006/main" xmlns:r="http://schemas.openxmlformats.org/officeDocument/2006/relationships" xmlns:p="http://schemas.openxmlformats.org/presentationml/2006/main">
+  <p:cSld>
+    <p:bg>
+      <p:bgPr>
+        <a:solidFill>
+          <a:schemeClr val="bg2"/>
+        </a:solidFill>
+        <a:effectLst/>
+      </p:bgPr>
+    </p:bg>
+    <p:spTree>
+      <p:nvGrpSpPr>
+        <p:cNvPr id="1" name=""/>
+        <p:cNvGrpSpPr/>
+        <p:nvPr/>
+      </p:nvGrpSpPr>
+      <p:grpSpPr>
+        <a:xfrm>
+          <a:off x="0" y="0"/>
+          <a:ext cx="0" cy="0"/>
+          <a:chOff x="0" y="0"/>
+          <a:chExt cx="0" cy="0"/>
+        </a:xfrm>
+      </p:grpSpPr>
       <p:grpSp>
         <p:nvGrpSpPr>
-          <p:cNvPr id="27" name="Group 26">
+          <p:cNvPr id="9" name="Group 8">
+            <a:extLst>
+              <a:ext uri="{FF2B5EF4-FFF2-40B4-BE49-F238E27FC236}">
+                <a16:creationId xmlns:a16="http://schemas.microsoft.com/office/drawing/2014/main" id="{9D9D6BF1-DFF2-4526-9D13-BF339D8C4163}"/>
+              </a:ext>
+              <a:ext uri="{C183D7F6-B498-43B3-948B-1728B52AA6E4}">
+                <adec:decorative xmlns:adec="http://schemas.microsoft.com/office/drawing/2017/decorative" val="1"/>
+              </a:ext>
+            </a:extLst>
+          </p:cNvPr>
+          <p:cNvGrpSpPr>
+            <a:grpSpLocks noGrp="1" noUngrp="1" noRot="1" noChangeAspect="1" noMove="1" noResize="1"/>
+          </p:cNvGrpSpPr>
+          <p:nvPr>
+            <p:extLst>
+              <p:ext uri="{386F3935-93C4-4BCD-93E2-E3B085C9AB24}">
+                <p16:designElem xmlns:p16="http://schemas.microsoft.com/office/powerpoint/2015/main" val="1"/>
+              </p:ext>
+            </p:extLst>
+          </p:nvPr>
+        </p:nvGrpSpPr>
+        <p:grpSpPr>
+          <a:xfrm>
+            <a:off x="564643" y="558351"/>
+            <a:ext cx="8005589" cy="4012254"/>
+            <a:chOff x="752858" y="744469"/>
+            <a:chExt cx="10674117" cy="5349671"/>
+          </a:xfrm>
+        </p:grpSpPr>
+        <p:sp>
+          <p:nvSpPr>
+            <p:cNvPr id="12" name="Freeform 6">
+              <a:extLst>
+                <a:ext uri="{FF2B5EF4-FFF2-40B4-BE49-F238E27FC236}">
+                  <a16:creationId xmlns:a16="http://schemas.microsoft.com/office/drawing/2014/main" id="{A54D4DB6-FB18-4CAE-8905-E0053C92569E}"/>
+                </a:ext>
+                <a:ext uri="{C183D7F6-B498-43B3-948B-1728B52AA6E4}">
+                  <adec:decorative xmlns:adec="http://schemas.microsoft.com/office/drawing/2017/decorative" val="1"/>
+                </a:ext>
+              </a:extLst>
+            </p:cNvPr>
+            <p:cNvSpPr/>
+            <p:nvPr>
+              <p:extLst>
+                <p:ext uri="{386F3935-93C4-4BCD-93E2-E3B085C9AB24}">
+                  <p16:designElem xmlns:p16="http://schemas.microsoft.com/office/powerpoint/2015/main" val="1"/>
+                </p:ext>
+              </p:extLst>
+            </p:nvPr>
+          </p:nvSpPr>
+          <p:spPr bwMode="auto">
+            <a:xfrm>
+              <a:off x="8151962" y="1685652"/>
+              <a:ext cx="3275013" cy="4408488"/>
+            </a:xfrm>
+            <a:custGeom>
+              <a:avLst/>
+              <a:gdLst/>
+              <a:ahLst/>
+              <a:cxnLst/>
+              <a:rect l="l" t="t" r="r" b="b"/>
+              <a:pathLst>
+                <a:path w="10000" h="10000">
+                  <a:moveTo>
+                    <a:pt x="8761" y="0"/>
+                  </a:moveTo>
+                  <a:lnTo>
+                    <a:pt x="10000" y="0"/>
+                  </a:lnTo>
+                  <a:lnTo>
+                    <a:pt x="10000" y="10000"/>
+                  </a:lnTo>
+                  <a:lnTo>
+                    <a:pt x="0" y="10000"/>
+                  </a:lnTo>
+                  <a:lnTo>
+                    <a:pt x="0" y="9126"/>
+                  </a:lnTo>
+                  <a:lnTo>
+                    <a:pt x="8761" y="9127"/>
+                  </a:lnTo>
+                  <a:lnTo>
+                    <a:pt x="8761" y="0"/>
+                  </a:lnTo>
+                  <a:close/>
+                </a:path>
+              </a:pathLst>
+            </a:custGeom>
+            <a:solidFill>
+              <a:schemeClr val="tx2"/>
+            </a:solidFill>
+            <a:ln w="0">
+              <a:noFill/>
+              <a:prstDash val="solid"/>
+              <a:round/>
+              <a:headEnd/>
+              <a:tailEnd/>
+            </a:ln>
+          </p:spPr>
+        </p:sp>
+        <p:sp>
+          <p:nvSpPr>
+            <p:cNvPr id="11" name="Freeform 6">
+              <a:extLst>
+                <a:ext uri="{FF2B5EF4-FFF2-40B4-BE49-F238E27FC236}">
+                  <a16:creationId xmlns:a16="http://schemas.microsoft.com/office/drawing/2014/main" id="{1DBD6488-9429-4FFA-8AE8-C4022C39B0F2}"/>
+                </a:ext>
+                <a:ext uri="{C183D7F6-B498-43B3-948B-1728B52AA6E4}">
+                  <adec:decorative xmlns:adec="http://schemas.microsoft.com/office/drawing/2017/decorative" val="1"/>
+                </a:ext>
+              </a:extLst>
+            </p:cNvPr>
+            <p:cNvSpPr/>
+            <p:nvPr>
+              <p:extLst>
+                <p:ext uri="{386F3935-93C4-4BCD-93E2-E3B085C9AB24}">
+                  <p16:designElem xmlns:p16="http://schemas.microsoft.com/office/powerpoint/2015/main" val="1"/>
+                </p:ext>
+              </p:extLst>
+            </p:nvPr>
+          </p:nvSpPr>
+          <p:spPr bwMode="auto">
+            <a:xfrm flipH="1" flipV="1">
+              <a:off x="752858" y="744469"/>
+              <a:ext cx="3275668" cy="4408488"/>
+            </a:xfrm>
+            <a:custGeom>
+              <a:avLst/>
+              <a:gdLst/>
+              <a:ahLst/>
+              <a:cxnLst/>
+              <a:rect l="l" t="t" r="r" b="b"/>
+              <a:pathLst>
+                <a:path w="10002" h="10000">
+                  <a:moveTo>
+                    <a:pt x="8763" y="0"/>
+                  </a:moveTo>
+                  <a:lnTo>
+                    <a:pt x="10002" y="0"/>
+                  </a:lnTo>
+                  <a:lnTo>
+                    <a:pt x="10002" y="10000"/>
+                  </a:lnTo>
+                  <a:lnTo>
+                    <a:pt x="2" y="10000"/>
+                  </a:lnTo>
+                  <a:cubicBezTo>
+                    <a:pt x="-2" y="9698"/>
+                    <a:pt x="4" y="9427"/>
+                    <a:pt x="0" y="9125"/>
+                  </a:cubicBezTo>
+                  <a:lnTo>
+                    <a:pt x="8763" y="9128"/>
+                  </a:lnTo>
+                  <a:lnTo>
+                    <a:pt x="8763" y="0"/>
+                  </a:lnTo>
+                  <a:close/>
+                </a:path>
+              </a:pathLst>
+            </a:custGeom>
+            <a:solidFill>
+              <a:schemeClr val="tx2"/>
+            </a:solidFill>
+            <a:ln w="0">
+              <a:noFill/>
+              <a:prstDash val="solid"/>
+              <a:round/>
+              <a:headEnd/>
+              <a:tailEnd/>
+            </a:ln>
+          </p:spPr>
+        </p:sp>
+      </p:grpSp>
+      <p:sp useBgFill="1">
+        <p:nvSpPr>
+          <p:cNvPr id="13" name="Rectangle 12">
+            <a:extLst>
+              <a:ext uri="{FF2B5EF4-FFF2-40B4-BE49-F238E27FC236}">
+                <a16:creationId xmlns:a16="http://schemas.microsoft.com/office/drawing/2014/main" id="{A77A6167-FCC5-49E8-B280-CECAF151ED9F}"/>
+              </a:ext>
+              <a:ext uri="{C183D7F6-B498-43B3-948B-1728B52AA6E4}">
+                <adec:decorative xmlns:adec="http://schemas.microsoft.com/office/drawing/2017/decorative" val="1"/>
+              </a:ext>
+            </a:extLst>
+          </p:cNvPr>
+          <p:cNvSpPr>
+            <a:spLocks noGrp="1" noRot="1" noChangeAspect="1" noMove="1" noResize="1" noEditPoints="1" noAdjustHandles="1" noChangeArrowheads="1" noChangeShapeType="1" noTextEdit="1"/>
+          </p:cNvSpPr>
+          <p:nvPr>
+            <p:extLst>
+              <p:ext uri="{386F3935-93C4-4BCD-93E2-E3B085C9AB24}">
+                <p16:designElem xmlns:p16="http://schemas.microsoft.com/office/powerpoint/2015/main" val="1"/>
+              </p:ext>
+            </p:extLst>
+          </p:nvPr>
+        </p:nvSpPr>
+        <p:spPr bwMode="grayWhite">
+          <a:xfrm>
+            <a:off x="0" y="0"/>
+            <a:ext cx="9144000" cy="5143500"/>
+          </a:xfrm>
+          <a:prstGeom prst="rect">
+            <a:avLst/>
+          </a:prstGeom>
+          <a:ln>
+            <a:noFill/>
+          </a:ln>
+        </p:spPr>
+        <p:style>
+          <a:lnRef idx="2">
+            <a:schemeClr val="accent1">
+              <a:shade val="50000"/>
+            </a:schemeClr>
+          </a:lnRef>
+          <a:fillRef idx="1">
+            <a:schemeClr val="accent1"/>
+          </a:fillRef>
+          <a:effectRef idx="0">
+            <a:schemeClr val="accent1"/>
+          </a:effectRef>
+          <a:fontRef idx="minor">
+            <a:schemeClr val="lt1"/>
+          </a:fontRef>
+        </p:style>
+        <p:txBody>
+          <a:bodyPr rtlCol="0" anchor="ctr"/>
+          <a:lstStyle/>
+          <a:p>
+            <a:pPr algn="ctr"/>
+            <a:endParaRPr lang="en-US"/>
+          </a:p>
+        </p:txBody>
+      </p:sp>
+      <p:sp>
+        <p:nvSpPr>
+          <p:cNvPr id="15" name="Freeform 6">
+            <a:extLst>
+              <a:ext uri="{FF2B5EF4-FFF2-40B4-BE49-F238E27FC236}">
+                <a16:creationId xmlns:a16="http://schemas.microsoft.com/office/drawing/2014/main" id="{F84046EA-4273-437E-9DE5-5AEE713C35E2}"/>
+              </a:ext>
+              <a:ext uri="{C183D7F6-B498-43B3-948B-1728B52AA6E4}">
+                <adec:decorative xmlns:adec="http://schemas.microsoft.com/office/drawing/2017/decorative" val="1"/>
+              </a:ext>
+            </a:extLst>
+          </p:cNvPr>
+          <p:cNvSpPr>
+            <a:spLocks noGrp="1" noRot="1" noChangeAspect="1" noMove="1" noResize="1" noEditPoints="1" noAdjustHandles="1" noChangeArrowheads="1" noChangeShapeType="1" noTextEdit="1"/>
+          </p:cNvSpPr>
+          <p:nvPr>
+            <p:extLst>
+              <p:ext uri="{386F3935-93C4-4BCD-93E2-E3B085C9AB24}">
+                <p16:designElem xmlns:p16="http://schemas.microsoft.com/office/powerpoint/2015/main" val="1"/>
+              </p:ext>
+            </p:extLst>
+          </p:nvPr>
+        </p:nvSpPr>
+        <p:spPr bwMode="auto">
+          <a:xfrm flipH="1" flipV="1">
+            <a:off x="564643" y="558351"/>
+            <a:ext cx="2456751" cy="3306366"/>
+          </a:xfrm>
+          <a:custGeom>
+            <a:avLst/>
+            <a:gdLst/>
+            <a:ahLst/>
+            <a:cxnLst/>
+            <a:rect l="l" t="t" r="r" b="b"/>
+            <a:pathLst>
+              <a:path w="10002" h="10000">
+                <a:moveTo>
+                  <a:pt x="8763" y="0"/>
+                </a:moveTo>
+                <a:lnTo>
+                  <a:pt x="10002" y="0"/>
+                </a:lnTo>
+                <a:lnTo>
+                  <a:pt x="10002" y="10000"/>
+                </a:lnTo>
+                <a:lnTo>
+                  <a:pt x="2" y="10000"/>
+                </a:lnTo>
+                <a:cubicBezTo>
+                  <a:pt x="-2" y="9698"/>
+                  <a:pt x="4" y="9427"/>
+                  <a:pt x="0" y="9125"/>
+                </a:cubicBezTo>
+                <a:lnTo>
+                  <a:pt x="8763" y="9128"/>
+                </a:lnTo>
+                <a:lnTo>
+                  <a:pt x="8763" y="0"/>
+                </a:lnTo>
+                <a:close/>
+              </a:path>
+            </a:pathLst>
+          </a:custGeom>
+          <a:solidFill>
+            <a:schemeClr val="tx2"/>
+          </a:solidFill>
+          <a:ln w="0">
+            <a:noFill/>
+            <a:prstDash val="solid"/>
+            <a:round/>
+            <a:headEnd/>
+            <a:tailEnd/>
+          </a:ln>
+        </p:spPr>
+      </p:sp>
+      <p:sp>
+        <p:nvSpPr>
+          <p:cNvPr id="2" name="Title 1">
+            <a:extLst>
+              <a:ext uri="{FF2B5EF4-FFF2-40B4-BE49-F238E27FC236}">
+                <a16:creationId xmlns:a16="http://schemas.microsoft.com/office/drawing/2014/main" id="{D97CB687-8DA2-4688-B23F-0E8908249E97}"/>
+              </a:ext>
+            </a:extLst>
+          </p:cNvPr>
+          <p:cNvSpPr>
+            <a:spLocks noGrp="1"/>
+          </p:cNvSpPr>
+          <p:nvPr>
+            <p:ph type="title"/>
+          </p:nvPr>
+        </p:nvSpPr>
+        <p:spPr>
+          <a:xfrm>
+            <a:off x="1108891" y="1110697"/>
+            <a:ext cx="3975854" cy="2440741"/>
+          </a:xfrm>
+        </p:spPr>
+        <p:txBody>
+          <a:bodyPr vert="horz" lIns="91440" tIns="45720" rIns="91440" bIns="45720" rtlCol="0" anchor="b">
+            <a:normAutofit/>
+          </a:bodyPr>
+          <a:lstStyle/>
+          <a:p>
+            <a:pPr defTabSz="914400"/>
+            <a:r>
+              <a:rPr lang="en-US" sz="5000" cap="all"/>
+              <a:t>Tetris Game</a:t>
+            </a:r>
+          </a:p>
+        </p:txBody>
+      </p:sp>
+      <p:pic>
+        <p:nvPicPr>
+          <p:cNvPr id="6" name="Picture 5" descr="A screen shot of a building&#10;&#10;Description automatically generated">
+            <a:extLst>
+              <a:ext uri="{FF2B5EF4-FFF2-40B4-BE49-F238E27FC236}">
+                <a16:creationId xmlns:a16="http://schemas.microsoft.com/office/drawing/2014/main" id="{0CBFDF58-665B-449B-A659-9AC8B8700509}"/>
+              </a:ext>
+            </a:extLst>
+          </p:cNvPr>
+          <p:cNvPicPr>
+            <a:picLocks noChangeAspect="1"/>
+          </p:cNvPicPr>
+          <p:nvPr/>
+        </p:nvPicPr>
+        <p:blipFill>
+          <a:blip r:embed="rId3"/>
+          <a:stretch>
+            <a:fillRect/>
+          </a:stretch>
+        </p:blipFill>
+        <p:spPr>
+          <a:xfrm>
+            <a:off x="6627116" y="0"/>
+            <a:ext cx="2508250" cy="5143500"/>
+          </a:xfrm>
+          <a:prstGeom prst="rect">
+            <a:avLst/>
+          </a:prstGeom>
+        </p:spPr>
+      </p:pic>
+    </p:spTree>
+    <p:extLst>
+      <p:ext uri="{BB962C8B-B14F-4D97-AF65-F5344CB8AC3E}">
+        <p14:creationId xmlns:p14="http://schemas.microsoft.com/office/powerpoint/2010/main" val="184132195"/>
+      </p:ext>
+    </p:extLst>
+  </p:cSld>
+  <p:clrMapOvr>
+    <a:overrideClrMapping bg1="dk1" tx1="lt1" bg2="dk2" tx2="lt2" accent1="accent1" accent2="accent2" accent3="accent3" accent4="accent4" accent5="accent5" accent6="accent6" hlink="hlink" folHlink="folHlink"/>
+  </p:clrMapOvr>
+</p:sld>
+</file>
+
+<file path=ppt/slides/slide3.xml><?xml version="1.0" encoding="utf-8"?>
+<p:sld xmlns:a="http://schemas.openxmlformats.org/drawingml/2006/main" xmlns:r="http://schemas.openxmlformats.org/officeDocument/2006/relationships" xmlns:p="http://schemas.openxmlformats.org/presentationml/2006/main">
+  <p:cSld>
+    <p:bg>
+      <p:bgPr>
+        <a:solidFill>
+          <a:schemeClr val="bg2"/>
+        </a:solidFill>
+        <a:effectLst/>
+      </p:bgPr>
+    </p:bg>
+    <p:spTree>
+      <p:nvGrpSpPr>
+        <p:cNvPr id="1" name=""/>
+        <p:cNvGrpSpPr/>
+        <p:nvPr/>
+      </p:nvGrpSpPr>
+      <p:grpSpPr>
+        <a:xfrm>
+          <a:off x="0" y="0"/>
+          <a:ext cx="0" cy="0"/>
+          <a:chOff x="0" y="0"/>
+          <a:chExt cx="0" cy="0"/>
+        </a:xfrm>
+      </p:grpSpPr>
+      <p:grpSp>
+        <p:nvGrpSpPr>
+          <p:cNvPr id="61" name="Group 48">
+            <a:extLst>
+              <a:ext uri="{FF2B5EF4-FFF2-40B4-BE49-F238E27FC236}">
+                <a16:creationId xmlns:a16="http://schemas.microsoft.com/office/drawing/2014/main" id="{8C89EA62-F38E-4285-A105-C5E1BD360093}"/>
+              </a:ext>
+              <a:ext uri="{C183D7F6-B498-43B3-948B-1728B52AA6E4}">
+                <adec:decorative xmlns:adec="http://schemas.microsoft.com/office/drawing/2017/decorative" val="1"/>
+              </a:ext>
+            </a:extLst>
+          </p:cNvPr>
+          <p:cNvGrpSpPr>
+            <a:grpSpLocks noGrp="1" noUngrp="1" noRot="1" noChangeAspect="1" noMove="1" noResize="1"/>
+          </p:cNvGrpSpPr>
+          <p:nvPr>
+            <p:extLst>
+              <p:ext uri="{386F3935-93C4-4BCD-93E2-E3B085C9AB24}">
+                <p16:designElem xmlns:p16="http://schemas.microsoft.com/office/powerpoint/2015/main" val="1"/>
+              </p:ext>
+            </p:extLst>
+          </p:nvPr>
+        </p:nvGrpSpPr>
+        <p:grpSpPr>
+          <a:xfrm>
+            <a:off x="564643" y="558351"/>
+            <a:ext cx="8005589" cy="4012254"/>
+            <a:chOff x="752858" y="744469"/>
+            <a:chExt cx="10674117" cy="5349671"/>
+          </a:xfrm>
+        </p:grpSpPr>
+        <p:sp>
+          <p:nvSpPr>
+            <p:cNvPr id="50" name="Freeform 6">
+              <a:extLst>
+                <a:ext uri="{FF2B5EF4-FFF2-40B4-BE49-F238E27FC236}">
+                  <a16:creationId xmlns:a16="http://schemas.microsoft.com/office/drawing/2014/main" id="{2CF6E46A-CCCD-4728-B011-E147B23629A3}"/>
+                </a:ext>
+                <a:ext uri="{C183D7F6-B498-43B3-948B-1728B52AA6E4}">
+                  <adec:decorative xmlns:adec="http://schemas.microsoft.com/office/drawing/2017/decorative" val="1"/>
+                </a:ext>
+              </a:extLst>
+            </p:cNvPr>
+            <p:cNvSpPr/>
+            <p:nvPr>
+              <p:extLst>
+                <p:ext uri="{386F3935-93C4-4BCD-93E2-E3B085C9AB24}">
+                  <p16:designElem xmlns:p16="http://schemas.microsoft.com/office/powerpoint/2015/main" val="1"/>
+                </p:ext>
+              </p:extLst>
+            </p:nvPr>
+          </p:nvSpPr>
+          <p:spPr bwMode="auto">
+            <a:xfrm>
+              <a:off x="8151962" y="1685652"/>
+              <a:ext cx="3275013" cy="4408488"/>
+            </a:xfrm>
+            <a:custGeom>
+              <a:avLst/>
+              <a:gdLst/>
+              <a:ahLst/>
+              <a:cxnLst/>
+              <a:rect l="l" t="t" r="r" b="b"/>
+              <a:pathLst>
+                <a:path w="10000" h="10000">
+                  <a:moveTo>
+                    <a:pt x="8761" y="0"/>
+                  </a:moveTo>
+                  <a:lnTo>
+                    <a:pt x="10000" y="0"/>
+                  </a:lnTo>
+                  <a:lnTo>
+                    <a:pt x="10000" y="10000"/>
+                  </a:lnTo>
+                  <a:lnTo>
+                    <a:pt x="0" y="10000"/>
+                  </a:lnTo>
+                  <a:lnTo>
+                    <a:pt x="0" y="9126"/>
+                  </a:lnTo>
+                  <a:lnTo>
+                    <a:pt x="8761" y="9127"/>
+                  </a:lnTo>
+                  <a:lnTo>
+                    <a:pt x="8761" y="0"/>
+                  </a:lnTo>
+                  <a:close/>
+                </a:path>
+              </a:pathLst>
+            </a:custGeom>
+            <a:solidFill>
+              <a:schemeClr val="tx2"/>
+            </a:solidFill>
+            <a:ln w="0">
+              <a:noFill/>
+              <a:prstDash val="solid"/>
+              <a:round/>
+              <a:headEnd/>
+              <a:tailEnd/>
+            </a:ln>
+          </p:spPr>
+        </p:sp>
+        <p:sp>
+          <p:nvSpPr>
+            <p:cNvPr id="51" name="Freeform 6">
+              <a:extLst>
+                <a:ext uri="{FF2B5EF4-FFF2-40B4-BE49-F238E27FC236}">
+                  <a16:creationId xmlns:a16="http://schemas.microsoft.com/office/drawing/2014/main" id="{2E2C684B-30C9-4689-A529-EBF1B8ADB215}"/>
+                </a:ext>
+                <a:ext uri="{C183D7F6-B498-43B3-948B-1728B52AA6E4}">
+                  <adec:decorative xmlns:adec="http://schemas.microsoft.com/office/drawing/2017/decorative" val="1"/>
+                </a:ext>
+              </a:extLst>
+            </p:cNvPr>
+            <p:cNvSpPr/>
+            <p:nvPr>
+              <p:extLst>
+                <p:ext uri="{386F3935-93C4-4BCD-93E2-E3B085C9AB24}">
+                  <p16:designElem xmlns:p16="http://schemas.microsoft.com/office/powerpoint/2015/main" val="1"/>
+                </p:ext>
+              </p:extLst>
+            </p:nvPr>
+          </p:nvSpPr>
+          <p:spPr bwMode="auto">
+            <a:xfrm flipH="1" flipV="1">
+              <a:off x="752858" y="744469"/>
+              <a:ext cx="3275668" cy="4408488"/>
+            </a:xfrm>
+            <a:custGeom>
+              <a:avLst/>
+              <a:gdLst/>
+              <a:ahLst/>
+              <a:cxnLst/>
+              <a:rect l="l" t="t" r="r" b="b"/>
+              <a:pathLst>
+                <a:path w="10002" h="10000">
+                  <a:moveTo>
+                    <a:pt x="8763" y="0"/>
+                  </a:moveTo>
+                  <a:lnTo>
+                    <a:pt x="10002" y="0"/>
+                  </a:lnTo>
+                  <a:lnTo>
+                    <a:pt x="10002" y="10000"/>
+                  </a:lnTo>
+                  <a:lnTo>
+                    <a:pt x="2" y="10000"/>
+                  </a:lnTo>
+                  <a:cubicBezTo>
+                    <a:pt x="-2" y="9698"/>
+                    <a:pt x="4" y="9427"/>
+                    <a:pt x="0" y="9125"/>
+                  </a:cubicBezTo>
+                  <a:lnTo>
+                    <a:pt x="8763" y="9128"/>
+                  </a:lnTo>
+                  <a:lnTo>
+                    <a:pt x="8763" y="0"/>
+                  </a:lnTo>
+                  <a:close/>
+                </a:path>
+              </a:pathLst>
+            </a:custGeom>
+            <a:solidFill>
+              <a:schemeClr val="tx2"/>
+            </a:solidFill>
+            <a:ln w="0">
+              <a:noFill/>
+              <a:prstDash val="solid"/>
+              <a:round/>
+              <a:headEnd/>
+              <a:tailEnd/>
+            </a:ln>
+          </p:spPr>
+        </p:sp>
+      </p:grpSp>
+      <p:sp useBgFill="1">
+        <p:nvSpPr>
+          <p:cNvPr id="62" name="Rectangle 52">
+            <a:extLst>
+              <a:ext uri="{FF2B5EF4-FFF2-40B4-BE49-F238E27FC236}">
+                <a16:creationId xmlns:a16="http://schemas.microsoft.com/office/drawing/2014/main" id="{5ABA7F3F-D56F-4C06-84AC-03FC83B0642E}"/>
+              </a:ext>
+              <a:ext uri="{C183D7F6-B498-43B3-948B-1728B52AA6E4}">
+                <adec:decorative xmlns:adec="http://schemas.microsoft.com/office/drawing/2017/decorative" val="1"/>
+              </a:ext>
+            </a:extLst>
+          </p:cNvPr>
+          <p:cNvSpPr>
+            <a:spLocks noGrp="1" noRot="1" noChangeAspect="1" noMove="1" noResize="1" noEditPoints="1" noAdjustHandles="1" noChangeArrowheads="1" noChangeShapeType="1" noTextEdit="1"/>
+          </p:cNvSpPr>
+          <p:nvPr>
+            <p:extLst>
+              <p:ext uri="{386F3935-93C4-4BCD-93E2-E3B085C9AB24}">
+                <p16:designElem xmlns:p16="http://schemas.microsoft.com/office/powerpoint/2015/main" val="1"/>
+              </p:ext>
+            </p:extLst>
+          </p:nvPr>
+        </p:nvSpPr>
+        <p:spPr bwMode="grayWhite">
+          <a:xfrm>
+            <a:off x="0" y="0"/>
+            <a:ext cx="9144000" cy="5143500"/>
+          </a:xfrm>
+          <a:prstGeom prst="rect">
+            <a:avLst/>
+          </a:prstGeom>
+          <a:ln>
+            <a:noFill/>
+          </a:ln>
+        </p:spPr>
+        <p:style>
+          <a:lnRef idx="2">
+            <a:schemeClr val="accent1">
+              <a:shade val="50000"/>
+            </a:schemeClr>
+          </a:lnRef>
+          <a:fillRef idx="1">
+            <a:schemeClr val="accent1"/>
+          </a:fillRef>
+          <a:effectRef idx="0">
+            <a:schemeClr val="accent1"/>
+          </a:effectRef>
+          <a:fontRef idx="minor">
+            <a:schemeClr val="lt1"/>
+          </a:fontRef>
+        </p:style>
+        <p:txBody>
+          <a:bodyPr rtlCol="0" anchor="ctr"/>
+          <a:lstStyle/>
+          <a:p>
+            <a:pPr algn="ctr"/>
+            <a:endParaRPr lang="en-US"/>
+          </a:p>
+        </p:txBody>
+      </p:sp>
+      <p:grpSp>
+        <p:nvGrpSpPr>
+          <p:cNvPr id="63" name="Group 54">
             <a:extLst>
               <a:ext uri="{FF2B5EF4-FFF2-40B4-BE49-F238E27FC236}">
                 <a16:creationId xmlns:a16="http://schemas.microsoft.com/office/drawing/2014/main" id="{715374B5-D7C8-4AA9-BE65-DB7A0CA9B420}"/>
@@ -5909,7 +7299,7 @@
         </p:grpSpPr>
         <p:sp>
           <p:nvSpPr>
-            <p:cNvPr id="28" name="Freeform 6">
+            <p:cNvPr id="56" name="Freeform 6">
               <a:extLst>
                 <a:ext uri="{FF2B5EF4-FFF2-40B4-BE49-F238E27FC236}">
                   <a16:creationId xmlns:a16="http://schemas.microsoft.com/office/drawing/2014/main" id="{C73A7452-ED0F-4903-A620-8D103E556CA4}"/>
@@ -5980,7 +7370,7 @@
         </p:sp>
         <p:sp>
           <p:nvSpPr>
-            <p:cNvPr id="29" name="Freeform 6">
+            <p:cNvPr id="57" name="Freeform 6">
               <a:extLst>
                 <a:ext uri="{FF2B5EF4-FFF2-40B4-BE49-F238E27FC236}">
                   <a16:creationId xmlns:a16="http://schemas.microsoft.com/office/drawing/2014/main" id="{F6A3F6CE-D581-4C37-8822-4F4A68325EF0}"/>
@@ -6085,7 +7475,6 @@
               <a:rPr lang="en-US" sz="7200" cap="all"/>
               <a:t>JUnit Tests</a:t>
             </a:r>
-            <a:endParaRPr lang="en-US" sz="7200" cap="all" dirty="0"/>
           </a:p>
         </p:txBody>
       </p:sp>
@@ -6102,7 +7491,7 @@
 </p:sld>
 </file>
 
-<file path=ppt/slides/slide3.xml><?xml version="1.0" encoding="utf-8"?>
+<file path=ppt/slides/slide4.xml><?xml version="1.0" encoding="utf-8"?>
 <p:sld xmlns:a="http://schemas.openxmlformats.org/drawingml/2006/main" xmlns:r="http://schemas.openxmlformats.org/officeDocument/2006/relationships" xmlns:p="http://schemas.openxmlformats.org/presentationml/2006/main">
   <p:cSld>
     <p:bg>
@@ -6480,9 +7869,17 @@
 </p:sld>
 </file>
 
-<file path=ppt/slides/slide4.xml><?xml version="1.0" encoding="utf-8"?>
+<file path=ppt/slides/slide5.xml><?xml version="1.0" encoding="utf-8"?>
 <p:sld xmlns:a="http://schemas.openxmlformats.org/drawingml/2006/main" xmlns:r="http://schemas.openxmlformats.org/officeDocument/2006/relationships" xmlns:p="http://schemas.openxmlformats.org/presentationml/2006/main">
   <p:cSld>
+    <p:bg>
+      <p:bgPr>
+        <a:solidFill>
+          <a:schemeClr val="bg2"/>
+        </a:solidFill>
+        <a:effectLst/>
+      </p:bgPr>
+    </p:bg>
     <p:spTree>
       <p:nvGrpSpPr>
         <p:cNvPr id="1" name=""/>
@@ -6497,6 +7894,339 @@
           <a:chExt cx="0" cy="0"/>
         </a:xfrm>
       </p:grpSpPr>
+      <p:grpSp>
+        <p:nvGrpSpPr>
+          <p:cNvPr id="27" name="Group 19">
+            <a:extLst>
+              <a:ext uri="{FF2B5EF4-FFF2-40B4-BE49-F238E27FC236}">
+                <a16:creationId xmlns:a16="http://schemas.microsoft.com/office/drawing/2014/main" id="{9D9D6BF1-DFF2-4526-9D13-BF339D8C4163}"/>
+              </a:ext>
+              <a:ext uri="{C183D7F6-B498-43B3-948B-1728B52AA6E4}">
+                <adec:decorative xmlns:adec="http://schemas.microsoft.com/office/drawing/2017/decorative" val="1"/>
+              </a:ext>
+            </a:extLst>
+          </p:cNvPr>
+          <p:cNvGrpSpPr>
+            <a:grpSpLocks noGrp="1" noUngrp="1" noRot="1" noChangeAspect="1" noMove="1" noResize="1"/>
+          </p:cNvGrpSpPr>
+          <p:nvPr>
+            <p:extLst>
+              <p:ext uri="{386F3935-93C4-4BCD-93E2-E3B085C9AB24}">
+                <p16:designElem xmlns:p16="http://schemas.microsoft.com/office/powerpoint/2015/main" val="1"/>
+              </p:ext>
+            </p:extLst>
+          </p:nvPr>
+        </p:nvGrpSpPr>
+        <p:grpSpPr>
+          <a:xfrm>
+            <a:off x="564643" y="558351"/>
+            <a:ext cx="8005589" cy="4012254"/>
+            <a:chOff x="752858" y="744469"/>
+            <a:chExt cx="10674117" cy="5349671"/>
+          </a:xfrm>
+        </p:grpSpPr>
+        <p:sp>
+          <p:nvSpPr>
+            <p:cNvPr id="21" name="Freeform 6">
+              <a:extLst>
+                <a:ext uri="{FF2B5EF4-FFF2-40B4-BE49-F238E27FC236}">
+                  <a16:creationId xmlns:a16="http://schemas.microsoft.com/office/drawing/2014/main" id="{A54D4DB6-FB18-4CAE-8905-E0053C92569E}"/>
+                </a:ext>
+                <a:ext uri="{C183D7F6-B498-43B3-948B-1728B52AA6E4}">
+                  <adec:decorative xmlns:adec="http://schemas.microsoft.com/office/drawing/2017/decorative" val="1"/>
+                </a:ext>
+              </a:extLst>
+            </p:cNvPr>
+            <p:cNvSpPr/>
+            <p:nvPr>
+              <p:extLst>
+                <p:ext uri="{386F3935-93C4-4BCD-93E2-E3B085C9AB24}">
+                  <p16:designElem xmlns:p16="http://schemas.microsoft.com/office/powerpoint/2015/main" val="1"/>
+                </p:ext>
+              </p:extLst>
+            </p:nvPr>
+          </p:nvSpPr>
+          <p:spPr bwMode="auto">
+            <a:xfrm>
+              <a:off x="8151962" y="1685652"/>
+              <a:ext cx="3275013" cy="4408488"/>
+            </a:xfrm>
+            <a:custGeom>
+              <a:avLst/>
+              <a:gdLst/>
+              <a:ahLst/>
+              <a:cxnLst/>
+              <a:rect l="l" t="t" r="r" b="b"/>
+              <a:pathLst>
+                <a:path w="10000" h="10000">
+                  <a:moveTo>
+                    <a:pt x="8761" y="0"/>
+                  </a:moveTo>
+                  <a:lnTo>
+                    <a:pt x="10000" y="0"/>
+                  </a:lnTo>
+                  <a:lnTo>
+                    <a:pt x="10000" y="10000"/>
+                  </a:lnTo>
+                  <a:lnTo>
+                    <a:pt x="0" y="10000"/>
+                  </a:lnTo>
+                  <a:lnTo>
+                    <a:pt x="0" y="9126"/>
+                  </a:lnTo>
+                  <a:lnTo>
+                    <a:pt x="8761" y="9127"/>
+                  </a:lnTo>
+                  <a:lnTo>
+                    <a:pt x="8761" y="0"/>
+                  </a:lnTo>
+                  <a:close/>
+                </a:path>
+              </a:pathLst>
+            </a:custGeom>
+            <a:solidFill>
+              <a:schemeClr val="tx2"/>
+            </a:solidFill>
+            <a:ln w="0">
+              <a:noFill/>
+              <a:prstDash val="solid"/>
+              <a:round/>
+              <a:headEnd/>
+              <a:tailEnd/>
+            </a:ln>
+          </p:spPr>
+        </p:sp>
+        <p:sp>
+          <p:nvSpPr>
+            <p:cNvPr id="22" name="Freeform 6">
+              <a:extLst>
+                <a:ext uri="{FF2B5EF4-FFF2-40B4-BE49-F238E27FC236}">
+                  <a16:creationId xmlns:a16="http://schemas.microsoft.com/office/drawing/2014/main" id="{1DBD6488-9429-4FFA-8AE8-C4022C39B0F2}"/>
+                </a:ext>
+                <a:ext uri="{C183D7F6-B498-43B3-948B-1728B52AA6E4}">
+                  <adec:decorative xmlns:adec="http://schemas.microsoft.com/office/drawing/2017/decorative" val="1"/>
+                </a:ext>
+              </a:extLst>
+            </p:cNvPr>
+            <p:cNvSpPr/>
+            <p:nvPr>
+              <p:extLst>
+                <p:ext uri="{386F3935-93C4-4BCD-93E2-E3B085C9AB24}">
+                  <p16:designElem xmlns:p16="http://schemas.microsoft.com/office/powerpoint/2015/main" val="1"/>
+                </p:ext>
+              </p:extLst>
+            </p:nvPr>
+          </p:nvSpPr>
+          <p:spPr bwMode="auto">
+            <a:xfrm flipH="1" flipV="1">
+              <a:off x="752858" y="744469"/>
+              <a:ext cx="3275668" cy="4408488"/>
+            </a:xfrm>
+            <a:custGeom>
+              <a:avLst/>
+              <a:gdLst/>
+              <a:ahLst/>
+              <a:cxnLst/>
+              <a:rect l="l" t="t" r="r" b="b"/>
+              <a:pathLst>
+                <a:path w="10002" h="10000">
+                  <a:moveTo>
+                    <a:pt x="8763" y="0"/>
+                  </a:moveTo>
+                  <a:lnTo>
+                    <a:pt x="10002" y="0"/>
+                  </a:lnTo>
+                  <a:lnTo>
+                    <a:pt x="10002" y="10000"/>
+                  </a:lnTo>
+                  <a:lnTo>
+                    <a:pt x="2" y="10000"/>
+                  </a:lnTo>
+                  <a:cubicBezTo>
+                    <a:pt x="-2" y="9698"/>
+                    <a:pt x="4" y="9427"/>
+                    <a:pt x="0" y="9125"/>
+                  </a:cubicBezTo>
+                  <a:lnTo>
+                    <a:pt x="8763" y="9128"/>
+                  </a:lnTo>
+                  <a:lnTo>
+                    <a:pt x="8763" y="0"/>
+                  </a:lnTo>
+                  <a:close/>
+                </a:path>
+              </a:pathLst>
+            </a:custGeom>
+            <a:solidFill>
+              <a:schemeClr val="tx2"/>
+            </a:solidFill>
+            <a:ln w="0">
+              <a:noFill/>
+              <a:prstDash val="solid"/>
+              <a:round/>
+              <a:headEnd/>
+              <a:tailEnd/>
+            </a:ln>
+          </p:spPr>
+        </p:sp>
+      </p:grpSp>
+      <p:sp>
+        <p:nvSpPr>
+          <p:cNvPr id="29" name="Rectangle 23">
+            <a:extLst>
+              <a:ext uri="{FF2B5EF4-FFF2-40B4-BE49-F238E27FC236}">
+                <a16:creationId xmlns:a16="http://schemas.microsoft.com/office/drawing/2014/main" id="{56C94072-1B34-48FB-9A9C-5A9A0FFC857C}"/>
+              </a:ext>
+              <a:ext uri="{C183D7F6-B498-43B3-948B-1728B52AA6E4}">
+                <adec:decorative xmlns:adec="http://schemas.microsoft.com/office/drawing/2017/decorative" val="1"/>
+              </a:ext>
+            </a:extLst>
+          </p:cNvPr>
+          <p:cNvSpPr>
+            <a:spLocks noGrp="1" noRot="1" noChangeAspect="1" noMove="1" noResize="1" noEditPoints="1" noAdjustHandles="1" noChangeArrowheads="1" noChangeShapeType="1" noTextEdit="1"/>
+          </p:cNvSpPr>
+          <p:nvPr>
+            <p:extLst>
+              <p:ext uri="{386F3935-93C4-4BCD-93E2-E3B085C9AB24}">
+                <p16:designElem xmlns:p16="http://schemas.microsoft.com/office/powerpoint/2015/main" val="1"/>
+              </p:ext>
+            </p:extLst>
+          </p:nvPr>
+        </p:nvSpPr>
+        <p:spPr>
+          <a:xfrm>
+            <a:off x="0" y="0"/>
+            <a:ext cx="9144000" cy="5143500"/>
+          </a:xfrm>
+          <a:prstGeom prst="rect">
+            <a:avLst/>
+          </a:prstGeom>
+          <a:solidFill>
+            <a:schemeClr val="bg2"/>
+          </a:solidFill>
+          <a:ln>
+            <a:noFill/>
+          </a:ln>
+        </p:spPr>
+        <p:style>
+          <a:lnRef idx="2">
+            <a:schemeClr val="accent1">
+              <a:shade val="50000"/>
+            </a:schemeClr>
+          </a:lnRef>
+          <a:fillRef idx="1">
+            <a:schemeClr val="accent1"/>
+          </a:fillRef>
+          <a:effectRef idx="0">
+            <a:schemeClr val="accent1"/>
+          </a:effectRef>
+          <a:fontRef idx="minor">
+            <a:schemeClr val="lt1"/>
+          </a:fontRef>
+        </p:style>
+        <p:txBody>
+          <a:bodyPr rtlCol="0" anchor="ctr"/>
+          <a:lstStyle/>
+          <a:p>
+            <a:pPr algn="ctr"/>
+            <a:endParaRPr lang="en-US"/>
+          </a:p>
+        </p:txBody>
+      </p:sp>
+      <p:pic>
+        <p:nvPicPr>
+          <p:cNvPr id="5" name="Picture 4">
+            <a:extLst>
+              <a:ext uri="{FF2B5EF4-FFF2-40B4-BE49-F238E27FC236}">
+                <a16:creationId xmlns:a16="http://schemas.microsoft.com/office/drawing/2014/main" id="{6D354FA5-46BA-49D3-83B7-F08D4FEB9F48}"/>
+              </a:ext>
+            </a:extLst>
+          </p:cNvPr>
+          <p:cNvPicPr>
+            <a:picLocks noChangeAspect="1"/>
+          </p:cNvPicPr>
+          <p:nvPr/>
+        </p:nvPicPr>
+        <p:blipFill rotWithShape="1">
+          <a:blip r:embed="rId2"/>
+          <a:srcRect t="7017" b="8714"/>
+          <a:stretch/>
+        </p:blipFill>
+        <p:spPr>
+          <a:xfrm>
+            <a:off x="20" y="10"/>
+            <a:ext cx="9143980" cy="5143490"/>
+          </a:xfrm>
+          <a:prstGeom prst="rect">
+            <a:avLst/>
+          </a:prstGeom>
+        </p:spPr>
+      </p:pic>
+      <p:sp>
+        <p:nvSpPr>
+          <p:cNvPr id="26" name="Rectangle 25">
+            <a:extLst>
+              <a:ext uri="{FF2B5EF4-FFF2-40B4-BE49-F238E27FC236}">
+                <a16:creationId xmlns:a16="http://schemas.microsoft.com/office/drawing/2014/main" id="{1D5941F3-0256-4E90-BBBC-5A6EDEB8E0AF}"/>
+              </a:ext>
+              <a:ext uri="{C183D7F6-B498-43B3-948B-1728B52AA6E4}">
+                <adec:decorative xmlns:adec="http://schemas.microsoft.com/office/drawing/2017/decorative" val="1"/>
+              </a:ext>
+            </a:extLst>
+          </p:cNvPr>
+          <p:cNvSpPr>
+            <a:spLocks noGrp="1" noRot="1" noChangeAspect="1" noMove="1" noResize="1" noEditPoints="1" noAdjustHandles="1" noChangeArrowheads="1" noChangeShapeType="1" noTextEdit="1"/>
+          </p:cNvSpPr>
+          <p:nvPr>
+            <p:extLst>
+              <p:ext uri="{386F3935-93C4-4BCD-93E2-E3B085C9AB24}">
+                <p16:designElem xmlns:p16="http://schemas.microsoft.com/office/powerpoint/2015/main" val="1"/>
+              </p:ext>
+            </p:extLst>
+          </p:nvPr>
+        </p:nvSpPr>
+        <p:spPr>
+          <a:xfrm>
+            <a:off x="4603503" y="3125066"/>
+            <a:ext cx="4205931" cy="1530049"/>
+          </a:xfrm>
+          <a:prstGeom prst="rect">
+            <a:avLst/>
+          </a:prstGeom>
+          <a:solidFill>
+            <a:srgbClr val="000000">
+              <a:alpha val="80000"/>
+            </a:srgbClr>
+          </a:solidFill>
+          <a:ln>
+            <a:noFill/>
+          </a:ln>
+        </p:spPr>
+        <p:style>
+          <a:lnRef idx="2">
+            <a:schemeClr val="accent1">
+              <a:shade val="50000"/>
+            </a:schemeClr>
+          </a:lnRef>
+          <a:fillRef idx="1">
+            <a:schemeClr val="accent1"/>
+          </a:fillRef>
+          <a:effectRef idx="0">
+            <a:schemeClr val="accent1"/>
+          </a:effectRef>
+          <a:fontRef idx="minor">
+            <a:schemeClr val="lt1"/>
+          </a:fontRef>
+        </p:style>
+        <p:txBody>
+          <a:bodyPr rtlCol="0" anchor="ctr"/>
+          <a:lstStyle/>
+          <a:p>
+            <a:pPr algn="ctr"/>
+            <a:endParaRPr lang="en-US"/>
+          </a:p>
+        </p:txBody>
+      </p:sp>
       <p:sp>
         <p:nvSpPr>
           <p:cNvPr id="2" name="Title 1">
@@ -6513,39 +8243,144 @@
             <p:ph type="title"/>
           </p:nvPr>
         </p:nvSpPr>
-        <p:spPr/>
+        <p:spPr>
+          <a:xfrm>
+            <a:off x="4723507" y="3249756"/>
+            <a:ext cx="3951133" cy="814678"/>
+          </a:xfrm>
+        </p:spPr>
         <p:txBody>
-          <a:bodyPr/>
+          <a:bodyPr vert="horz" lIns="91440" tIns="45720" rIns="91440" bIns="45720" rtlCol="0" anchor="b">
+            <a:normAutofit/>
+          </a:bodyPr>
           <a:lstStyle/>
           <a:p>
-            <a:endParaRPr lang="en-US"/>
+            <a:pPr defTabSz="914400">
+              <a:spcBef>
+                <a:spcPct val="0"/>
+              </a:spcBef>
+            </a:pPr>
+            <a:r>
+              <a:rPr lang="en-US" sz="2500" cap="all">
+                <a:solidFill>
+                  <a:srgbClr val="FFFFFF"/>
+                </a:solidFill>
+              </a:rPr>
+              <a:t>Code Coverage Analysis</a:t>
+            </a:r>
+            <a:endParaRPr lang="en-US" sz="2500" cap="all" dirty="0">
+              <a:solidFill>
+                <a:srgbClr val="FFFFFF"/>
+              </a:solidFill>
+            </a:endParaRPr>
           </a:p>
         </p:txBody>
       </p:sp>
       <p:sp>
         <p:nvSpPr>
-          <p:cNvPr id="3" name="Text Placeholder 2">
+          <p:cNvPr id="28" name="Freeform: Shape 27">
             <a:extLst>
               <a:ext uri="{FF2B5EF4-FFF2-40B4-BE49-F238E27FC236}">
-                <a16:creationId xmlns:a16="http://schemas.microsoft.com/office/drawing/2014/main" id="{5C5BC962-0399-4E57-BBE3-554DEC7574B1}"/>
+                <a16:creationId xmlns:a16="http://schemas.microsoft.com/office/drawing/2014/main" id="{A5019358-4900-4555-99FF-EF6AE90B8E32}"/>
+              </a:ext>
+              <a:ext uri="{C183D7F6-B498-43B3-948B-1728B52AA6E4}">
+                <adec:decorative xmlns:adec="http://schemas.microsoft.com/office/drawing/2017/decorative" val="1"/>
               </a:ext>
             </a:extLst>
           </p:cNvPr>
           <p:cNvSpPr>
-            <a:spLocks noGrp="1"/>
-          </p:cNvSpPr>
-          <p:nvPr>
-            <p:ph type="body" idx="1"/>
-          </p:nvPr>
-        </p:nvSpPr>
-        <p:spPr/>
-        <p:txBody>
-          <a:bodyPr/>
-          <a:lstStyle/>
-          <a:p>
-            <a:endParaRPr lang="en-US"/>
-          </a:p>
-        </p:txBody>
+            <a:spLocks noGrp="1" noRot="1" noChangeAspect="1" noMove="1" noResize="1" noEditPoints="1" noAdjustHandles="1" noChangeArrowheads="1" noChangeShapeType="1" noTextEdit="1"/>
+          </p:cNvSpPr>
+          <p:nvPr>
+            <p:extLst>
+              <p:ext uri="{386F3935-93C4-4BCD-93E2-E3B085C9AB24}">
+                <p16:designElem xmlns:p16="http://schemas.microsoft.com/office/powerpoint/2015/main" val="1"/>
+              </p:ext>
+            </p:extLst>
+          </p:nvPr>
+        </p:nvSpPr>
+        <p:spPr bwMode="auto">
+          <a:xfrm flipH="1" flipV="1">
+            <a:off x="4252609" y="2782687"/>
+            <a:ext cx="1598600" cy="1373177"/>
+          </a:xfrm>
+          <a:custGeom>
+            <a:avLst/>
+            <a:gdLst>
+              <a:gd name="connsiteX0" fmla="*/ 2308583 w 2308583"/>
+              <a:gd name="connsiteY0" fmla="*/ 1983044 h 1983044"/>
+              <a:gd name="connsiteX1" fmla="*/ 462 w 2308583"/>
+              <a:gd name="connsiteY1" fmla="*/ 1983044 h 1983044"/>
+              <a:gd name="connsiteX2" fmla="*/ 0 w 2308583"/>
+              <a:gd name="connsiteY2" fmla="*/ 1711185 h 1983044"/>
+              <a:gd name="connsiteX3" fmla="*/ 2022607 w 2308583"/>
+              <a:gd name="connsiteY3" fmla="*/ 1712117 h 1983044"/>
+              <a:gd name="connsiteX4" fmla="*/ 2022607 w 2308583"/>
+              <a:gd name="connsiteY4" fmla="*/ 0 h 1983044"/>
+              <a:gd name="connsiteX5" fmla="*/ 2308583 w 2308583"/>
+              <a:gd name="connsiteY5" fmla="*/ 0 h 1983044"/>
+            </a:gdLst>
+            <a:ahLst/>
+            <a:cxnLst>
+              <a:cxn ang="0">
+                <a:pos x="connsiteX0" y="connsiteY0"/>
+              </a:cxn>
+              <a:cxn ang="0">
+                <a:pos x="connsiteX1" y="connsiteY1"/>
+              </a:cxn>
+              <a:cxn ang="0">
+                <a:pos x="connsiteX2" y="connsiteY2"/>
+              </a:cxn>
+              <a:cxn ang="0">
+                <a:pos x="connsiteX3" y="connsiteY3"/>
+              </a:cxn>
+              <a:cxn ang="0">
+                <a:pos x="connsiteX4" y="connsiteY4"/>
+              </a:cxn>
+              <a:cxn ang="0">
+                <a:pos x="connsiteX5" y="connsiteY5"/>
+              </a:cxn>
+            </a:cxnLst>
+            <a:rect l="l" t="t" r="r" b="b"/>
+            <a:pathLst>
+              <a:path w="2308583" h="1983044">
+                <a:moveTo>
+                  <a:pt x="2308583" y="1983044"/>
+                </a:moveTo>
+                <a:lnTo>
+                  <a:pt x="462" y="1983044"/>
+                </a:lnTo>
+                <a:cubicBezTo>
+                  <a:pt x="-462" y="1889214"/>
+                  <a:pt x="923" y="1805015"/>
+                  <a:pt x="0" y="1711185"/>
+                </a:cubicBezTo>
+                <a:lnTo>
+                  <a:pt x="2022607" y="1712117"/>
+                </a:lnTo>
+                <a:lnTo>
+                  <a:pt x="2022607" y="0"/>
+                </a:lnTo>
+                <a:lnTo>
+                  <a:pt x="2308583" y="0"/>
+                </a:lnTo>
+                <a:close/>
+              </a:path>
+            </a:pathLst>
+          </a:custGeom>
+          <a:solidFill>
+            <a:srgbClr val="FFFFFF">
+              <a:alpha val="70000"/>
+            </a:srgbClr>
+          </a:solidFill>
+          <a:ln w="0">
+            <a:noFill/>
+            <a:prstDash val="solid"/>
+            <a:round/>
+            <a:headEnd/>
+            <a:tailEnd/>
+          </a:ln>
+        </p:spPr>
       </p:sp>
     </p:spTree>
     <p:extLst>
@@ -6560,9 +8395,17 @@
 </p:sld>
 </file>
 
-<file path=ppt/slides/slide5.xml><?xml version="1.0" encoding="utf-8"?>
+<file path=ppt/slides/slide6.xml><?xml version="1.0" encoding="utf-8"?>
 <p:sld xmlns:a="http://schemas.openxmlformats.org/drawingml/2006/main" xmlns:r="http://schemas.openxmlformats.org/officeDocument/2006/relationships" xmlns:p="http://schemas.openxmlformats.org/presentationml/2006/main">
   <p:cSld>
+    <p:bg>
+      <p:bgPr>
+        <a:solidFill>
+          <a:schemeClr val="bg2"/>
+        </a:solidFill>
+        <a:effectLst/>
+      </p:bgPr>
+    </p:bg>
     <p:spTree>
       <p:nvGrpSpPr>
         <p:cNvPr id="1" name=""/>
@@ -6579,10 +8422,200 @@
       </p:grpSpPr>
       <p:sp>
         <p:nvSpPr>
+          <p:cNvPr id="8" name="Rectangle 7">
+            <a:extLst>
+              <a:ext uri="{FF2B5EF4-FFF2-40B4-BE49-F238E27FC236}">
+                <a16:creationId xmlns:a16="http://schemas.microsoft.com/office/drawing/2014/main" id="{2A97F59D-628C-4053-B41F-489D0045FD5C}"/>
+              </a:ext>
+              <a:ext uri="{C183D7F6-B498-43B3-948B-1728B52AA6E4}">
+                <adec:decorative xmlns:adec="http://schemas.microsoft.com/office/drawing/2017/decorative" val="1"/>
+              </a:ext>
+            </a:extLst>
+          </p:cNvPr>
+          <p:cNvSpPr>
+            <a:spLocks noGrp="1" noRot="1" noChangeAspect="1" noMove="1" noResize="1" noEditPoints="1" noAdjustHandles="1" noChangeArrowheads="1" noChangeShapeType="1" noTextEdit="1"/>
+          </p:cNvSpPr>
+          <p:nvPr>
+            <p:extLst>
+              <p:ext uri="{386F3935-93C4-4BCD-93E2-E3B085C9AB24}">
+                <p16:designElem xmlns:p16="http://schemas.microsoft.com/office/powerpoint/2015/main" val="1"/>
+              </p:ext>
+            </p:extLst>
+          </p:nvPr>
+        </p:nvSpPr>
+        <p:spPr>
+          <a:xfrm>
+            <a:off x="358571" y="282"/>
+            <a:ext cx="171450" cy="5143500"/>
+          </a:xfrm>
+          <a:prstGeom prst="rect">
+            <a:avLst/>
+          </a:prstGeom>
+          <a:solidFill>
+            <a:schemeClr val="tx2"/>
+          </a:solidFill>
+          <a:ln>
+            <a:noFill/>
+          </a:ln>
+        </p:spPr>
+        <p:style>
+          <a:lnRef idx="2">
+            <a:schemeClr val="accent1">
+              <a:shade val="50000"/>
+            </a:schemeClr>
+          </a:lnRef>
+          <a:fillRef idx="1">
+            <a:schemeClr val="accent1"/>
+          </a:fillRef>
+          <a:effectRef idx="0">
+            <a:schemeClr val="accent1"/>
+          </a:effectRef>
+          <a:fontRef idx="minor">
+            <a:schemeClr val="lt1"/>
+          </a:fontRef>
+        </p:style>
+      </p:sp>
+      <p:sp useBgFill="1">
+        <p:nvSpPr>
+          <p:cNvPr id="20" name="Rectangle 9">
+            <a:extLst>
+              <a:ext uri="{FF2B5EF4-FFF2-40B4-BE49-F238E27FC236}">
+                <a16:creationId xmlns:a16="http://schemas.microsoft.com/office/drawing/2014/main" id="{C3638F2F-4688-4030-B1CC-802724443B77}"/>
+              </a:ext>
+              <a:ext uri="{C183D7F6-B498-43B3-948B-1728B52AA6E4}">
+                <adec:decorative xmlns:adec="http://schemas.microsoft.com/office/drawing/2017/decorative" val="1"/>
+              </a:ext>
+            </a:extLst>
+          </p:cNvPr>
+          <p:cNvSpPr>
+            <a:spLocks noGrp="1" noRot="1" noChangeAspect="1" noMove="1" noResize="1" noEditPoints="1" noAdjustHandles="1" noChangeArrowheads="1" noChangeShapeType="1" noTextEdit="1"/>
+          </p:cNvSpPr>
+          <p:nvPr>
+            <p:extLst>
+              <p:ext uri="{386F3935-93C4-4BCD-93E2-E3B085C9AB24}">
+                <p16:designElem xmlns:p16="http://schemas.microsoft.com/office/powerpoint/2015/main" val="1"/>
+              </p:ext>
+            </p:extLst>
+          </p:nvPr>
+        </p:nvSpPr>
+        <p:spPr>
+          <a:xfrm>
+            <a:off x="0" y="0"/>
+            <a:ext cx="9144000" cy="5143500"/>
+          </a:xfrm>
+          <a:prstGeom prst="rect">
+            <a:avLst/>
+          </a:prstGeom>
+          <a:ln>
+            <a:noFill/>
+          </a:ln>
+        </p:spPr>
+        <p:style>
+          <a:lnRef idx="2">
+            <a:schemeClr val="accent1">
+              <a:shade val="50000"/>
+            </a:schemeClr>
+          </a:lnRef>
+          <a:fillRef idx="1001">
+            <a:schemeClr val="lt2"/>
+          </a:fillRef>
+          <a:effectRef idx="0">
+            <a:schemeClr val="accent1"/>
+          </a:effectRef>
+          <a:fontRef idx="minor">
+            <a:schemeClr val="lt1"/>
+          </a:fontRef>
+        </p:style>
+        <p:txBody>
+          <a:bodyPr rtlCol="0" anchor="ctr"/>
+          <a:lstStyle/>
+          <a:p>
+            <a:pPr algn="ctr"/>
+            <a:endParaRPr lang="en-US"/>
+          </a:p>
+        </p:txBody>
+      </p:sp>
+      <p:sp>
+        <p:nvSpPr>
+          <p:cNvPr id="12" name="Freeform 6">
+            <a:extLst>
+              <a:ext uri="{FF2B5EF4-FFF2-40B4-BE49-F238E27FC236}">
+                <a16:creationId xmlns:a16="http://schemas.microsoft.com/office/drawing/2014/main" id="{48C811F0-0ED8-4A7B-BFDE-6433C690ED4F}"/>
+              </a:ext>
+              <a:ext uri="{C183D7F6-B498-43B3-948B-1728B52AA6E4}">
+                <adec:decorative xmlns:adec="http://schemas.microsoft.com/office/drawing/2017/decorative" val="1"/>
+              </a:ext>
+            </a:extLst>
+          </p:cNvPr>
+          <p:cNvSpPr>
+            <a:spLocks noGrp="1" noRot="1" noChangeAspect="1" noMove="1" noResize="1" noEditPoints="1" noAdjustHandles="1" noChangeArrowheads="1" noChangeShapeType="1" noTextEdit="1"/>
+          </p:cNvSpPr>
+          <p:nvPr>
+            <p:extLst>
+              <p:ext uri="{386F3935-93C4-4BCD-93E2-E3B085C9AB24}">
+                <p16:designElem xmlns:p16="http://schemas.microsoft.com/office/powerpoint/2015/main" val="1"/>
+              </p:ext>
+            </p:extLst>
+          </p:nvPr>
+        </p:nvSpPr>
+        <p:spPr bwMode="auto">
+          <a:xfrm rot="5400000" flipH="1">
+            <a:off x="730313" y="227922"/>
+            <a:ext cx="1432577" cy="1928003"/>
+          </a:xfrm>
+          <a:custGeom>
+            <a:avLst/>
+            <a:gdLst/>
+            <a:ahLst/>
+            <a:cxnLst/>
+            <a:rect l="l" t="t" r="r" b="b"/>
+            <a:pathLst>
+              <a:path w="10002" h="10000">
+                <a:moveTo>
+                  <a:pt x="8763" y="0"/>
+                </a:moveTo>
+                <a:lnTo>
+                  <a:pt x="10002" y="0"/>
+                </a:lnTo>
+                <a:lnTo>
+                  <a:pt x="10002" y="10000"/>
+                </a:lnTo>
+                <a:lnTo>
+                  <a:pt x="2" y="10000"/>
+                </a:lnTo>
+                <a:cubicBezTo>
+                  <a:pt x="-2" y="9698"/>
+                  <a:pt x="4" y="9427"/>
+                  <a:pt x="0" y="9125"/>
+                </a:cubicBezTo>
+                <a:lnTo>
+                  <a:pt x="8763" y="9128"/>
+                </a:lnTo>
+                <a:lnTo>
+                  <a:pt x="8763" y="0"/>
+                </a:lnTo>
+                <a:close/>
+              </a:path>
+            </a:pathLst>
+          </a:custGeom>
+          <a:solidFill>
+            <a:schemeClr val="tx2"/>
+          </a:solidFill>
+          <a:ln w="0">
+            <a:noFill/>
+            <a:prstDash val="solid"/>
+            <a:round/>
+            <a:headEnd/>
+            <a:tailEnd/>
+          </a:ln>
+        </p:spPr>
+      </p:sp>
+      <p:sp>
+        <p:nvSpPr>
           <p:cNvPr id="2" name="Title 1">
             <a:extLst>
               <a:ext uri="{FF2B5EF4-FFF2-40B4-BE49-F238E27FC236}">
-                <a16:creationId xmlns:a16="http://schemas.microsoft.com/office/drawing/2014/main" id="{45908563-1308-4D4B-98B1-3CF50891A150}"/>
+                <a16:creationId xmlns:a16="http://schemas.microsoft.com/office/drawing/2014/main" id="{7C4895FF-5A1D-4881-9159-3A9FFDA5A556}"/>
               </a:ext>
             </a:extLst>
           </p:cNvPr>
@@ -6595,32 +8628,977 @@
         </p:nvSpPr>
         <p:spPr>
           <a:xfrm>
-            <a:off x="819150" y="515186"/>
-            <a:ext cx="7505700" cy="668155"/>
-          </a:xfrm>
-        </p:spPr>
+            <a:off x="940323" y="995516"/>
+            <a:ext cx="2669568" cy="3361923"/>
+          </a:xfrm>
+        </p:spPr>
+        <p:txBody>
+          <a:bodyPr vert="horz" lIns="91440" tIns="45720" rIns="91440" bIns="45720" rtlCol="0" anchor="t">
+            <a:normAutofit/>
+          </a:bodyPr>
+          <a:lstStyle/>
+          <a:p>
+            <a:pPr defTabSz="914400">
+              <a:spcBef>
+                <a:spcPct val="0"/>
+              </a:spcBef>
+            </a:pPr>
+            <a:r>
+              <a:rPr lang="en-US" sz="4400"/>
+              <a:t>Code coverage</a:t>
+            </a:r>
+          </a:p>
+        </p:txBody>
+      </p:sp>
+      <p:sp>
+        <p:nvSpPr>
+          <p:cNvPr id="3" name="Text Placeholder 2">
+            <a:extLst>
+              <a:ext uri="{FF2B5EF4-FFF2-40B4-BE49-F238E27FC236}">
+                <a16:creationId xmlns:a16="http://schemas.microsoft.com/office/drawing/2014/main" id="{154673E3-983F-4E50-BE24-F5CF5089E350}"/>
+              </a:ext>
+            </a:extLst>
+          </p:cNvPr>
+          <p:cNvSpPr>
+            <a:spLocks noGrp="1"/>
+          </p:cNvSpPr>
+          <p:nvPr>
+            <p:ph type="body" idx="1"/>
+          </p:nvPr>
+        </p:nvSpPr>
+        <p:spPr>
+          <a:xfrm>
+            <a:off x="4575092" y="995517"/>
+            <a:ext cx="3654508" cy="3361923"/>
+          </a:xfrm>
+        </p:spPr>
+        <p:txBody>
+          <a:bodyPr vert="horz" lIns="91440" tIns="45720" rIns="91440" bIns="45720" rtlCol="0">
+            <a:normAutofit/>
+          </a:bodyPr>
+          <a:lstStyle/>
+          <a:p>
+            <a:pPr indent="-384048" defTabSz="914400">
+              <a:spcAft>
+                <a:spcPts val="200"/>
+              </a:spcAft>
+            </a:pPr>
+            <a:endParaRPr lang="en-US"/>
+          </a:p>
+        </p:txBody>
+      </p:sp>
+      <p:sp>
+        <p:nvSpPr>
+          <p:cNvPr id="21" name="Rectangle 13">
+            <a:extLst>
+              <a:ext uri="{FF2B5EF4-FFF2-40B4-BE49-F238E27FC236}">
+                <a16:creationId xmlns:a16="http://schemas.microsoft.com/office/drawing/2014/main" id="{AAC19CEE-435E-4643-849E-5194A57437C0}"/>
+              </a:ext>
+              <a:ext uri="{C183D7F6-B498-43B3-948B-1728B52AA6E4}">
+                <adec:decorative xmlns:adec="http://schemas.microsoft.com/office/drawing/2017/decorative" val="1"/>
+              </a:ext>
+            </a:extLst>
+          </p:cNvPr>
+          <p:cNvSpPr>
+            <a:spLocks noGrp="1" noRot="1" noChangeAspect="1" noMove="1" noResize="1" noEditPoints="1" noAdjustHandles="1" noChangeArrowheads="1" noChangeShapeType="1" noTextEdit="1"/>
+          </p:cNvSpPr>
+          <p:nvPr>
+            <p:extLst>
+              <p:ext uri="{386F3935-93C4-4BCD-93E2-E3B085C9AB24}">
+                <p16:designElem xmlns:p16="http://schemas.microsoft.com/office/powerpoint/2015/main" val="1"/>
+              </p:ext>
+            </p:extLst>
+          </p:nvPr>
+        </p:nvSpPr>
+        <p:spPr>
+          <a:xfrm>
+            <a:off x="1" y="4840039"/>
+            <a:ext cx="9143999" cy="303461"/>
+          </a:xfrm>
+          <a:prstGeom prst="rect">
+            <a:avLst/>
+          </a:prstGeom>
+          <a:solidFill>
+            <a:schemeClr val="accent1"/>
+          </a:solidFill>
+          <a:ln>
+            <a:noFill/>
+          </a:ln>
+        </p:spPr>
+        <p:style>
+          <a:lnRef idx="2">
+            <a:schemeClr val="accent1">
+              <a:shade val="50000"/>
+            </a:schemeClr>
+          </a:lnRef>
+          <a:fillRef idx="1">
+            <a:schemeClr val="accent1"/>
+          </a:fillRef>
+          <a:effectRef idx="0">
+            <a:schemeClr val="accent1"/>
+          </a:effectRef>
+          <a:fontRef idx="minor">
+            <a:schemeClr val="lt1"/>
+          </a:fontRef>
+        </p:style>
         <p:txBody>
           <a:bodyPr/>
           <a:lstStyle/>
           <a:p>
-            <a:pPr algn="ctr"/>
-            <a:r>
-              <a:rPr lang="en-US" dirty="0">
-                <a:solidFill>
-                  <a:schemeClr val="accent1"/>
-                </a:solidFill>
-              </a:rPr>
-              <a:t>Regression Testing</a:t>
-            </a:r>
+            <a:endParaRPr lang="en-US" dirty="0"/>
           </a:p>
         </p:txBody>
       </p:sp>
+    </p:spTree>
+    <p:extLst>
+      <p:ext uri="{BB962C8B-B14F-4D97-AF65-F5344CB8AC3E}">
+        <p14:creationId xmlns:p14="http://schemas.microsoft.com/office/powerpoint/2010/main" val="1248745150"/>
+      </p:ext>
+    </p:extLst>
+  </p:cSld>
+  <p:clrMapOvr>
+    <a:overrideClrMapping bg1="dk1" tx1="lt1" bg2="dk2" tx2="lt2" accent1="accent1" accent2="accent2" accent3="accent3" accent4="accent4" accent5="accent5" accent6="accent6" hlink="hlink" folHlink="folHlink"/>
+  </p:clrMapOvr>
+</p:sld>
+</file>
+
+<file path=ppt/slides/slide7.xml><?xml version="1.0" encoding="utf-8"?>
+<p:sld xmlns:a="http://schemas.openxmlformats.org/drawingml/2006/main" xmlns:r="http://schemas.openxmlformats.org/officeDocument/2006/relationships" xmlns:p="http://schemas.openxmlformats.org/presentationml/2006/main">
+  <p:cSld>
+    <p:bg>
+      <p:bgPr>
+        <a:solidFill>
+          <a:schemeClr val="bg2"/>
+        </a:solidFill>
+        <a:effectLst/>
+      </p:bgPr>
+    </p:bg>
+    <p:spTree>
+      <p:nvGrpSpPr>
+        <p:cNvPr id="1" name=""/>
+        <p:cNvGrpSpPr/>
+        <p:nvPr/>
+      </p:nvGrpSpPr>
+      <p:grpSpPr>
+        <a:xfrm>
+          <a:off x="0" y="0"/>
+          <a:ext cx="0" cy="0"/>
+          <a:chOff x="0" y="0"/>
+          <a:chExt cx="0" cy="0"/>
+        </a:xfrm>
+      </p:grpSpPr>
       <p:grpSp>
         <p:nvGrpSpPr>
-          <p:cNvPr id="11" name="Group 10">
+          <p:cNvPr id="34" name="Group 33">
             <a:extLst>
               <a:ext uri="{FF2B5EF4-FFF2-40B4-BE49-F238E27FC236}">
-                <a16:creationId xmlns:a16="http://schemas.microsoft.com/office/drawing/2014/main" id="{AE8F9E09-77C3-41E1-B3FC-2440654C4192}"/>
+                <a16:creationId xmlns:a16="http://schemas.microsoft.com/office/drawing/2014/main" id="{624E16E8-84BF-4D4C-A746-2537B1C15979}"/>
+              </a:ext>
+              <a:ext uri="{C183D7F6-B498-43B3-948B-1728B52AA6E4}">
+                <adec:decorative xmlns:adec="http://schemas.microsoft.com/office/drawing/2017/decorative" val="1"/>
+              </a:ext>
+            </a:extLst>
+          </p:cNvPr>
+          <p:cNvGrpSpPr>
+            <a:grpSpLocks noGrp="1" noUngrp="1" noRot="1" noChangeAspect="1" noMove="1" noResize="1"/>
+          </p:cNvGrpSpPr>
+          <p:nvPr>
+            <p:extLst>
+              <p:ext uri="{386F3935-93C4-4BCD-93E2-E3B085C9AB24}">
+                <p16:designElem xmlns:p16="http://schemas.microsoft.com/office/powerpoint/2015/main" val="1"/>
+              </p:ext>
+            </p:extLst>
+          </p:nvPr>
+        </p:nvGrpSpPr>
+        <p:grpSpPr>
+          <a:xfrm>
+            <a:off x="564643" y="558351"/>
+            <a:ext cx="8005589" cy="4012254"/>
+            <a:chOff x="752858" y="744469"/>
+            <a:chExt cx="10674117" cy="5349671"/>
+          </a:xfrm>
+        </p:grpSpPr>
+        <p:sp>
+          <p:nvSpPr>
+            <p:cNvPr id="35" name="Freeform 6">
+              <a:extLst>
+                <a:ext uri="{FF2B5EF4-FFF2-40B4-BE49-F238E27FC236}">
+                  <a16:creationId xmlns:a16="http://schemas.microsoft.com/office/drawing/2014/main" id="{F890A3A2-97E0-41D2-BD93-30D3DFA7324E}"/>
+                </a:ext>
+                <a:ext uri="{C183D7F6-B498-43B3-948B-1728B52AA6E4}">
+                  <adec:decorative xmlns:adec="http://schemas.microsoft.com/office/drawing/2017/decorative" val="1"/>
+                </a:ext>
+              </a:extLst>
+            </p:cNvPr>
+            <p:cNvSpPr/>
+            <p:nvPr>
+              <p:extLst>
+                <p:ext uri="{386F3935-93C4-4BCD-93E2-E3B085C9AB24}">
+                  <p16:designElem xmlns:p16="http://schemas.microsoft.com/office/powerpoint/2015/main" val="1"/>
+                </p:ext>
+              </p:extLst>
+            </p:nvPr>
+          </p:nvSpPr>
+          <p:spPr bwMode="auto">
+            <a:xfrm>
+              <a:off x="8151962" y="1685652"/>
+              <a:ext cx="3275013" cy="4408488"/>
+            </a:xfrm>
+            <a:custGeom>
+              <a:avLst/>
+              <a:gdLst/>
+              <a:ahLst/>
+              <a:cxnLst/>
+              <a:rect l="l" t="t" r="r" b="b"/>
+              <a:pathLst>
+                <a:path w="10000" h="10000">
+                  <a:moveTo>
+                    <a:pt x="8761" y="0"/>
+                  </a:moveTo>
+                  <a:lnTo>
+                    <a:pt x="10000" y="0"/>
+                  </a:lnTo>
+                  <a:lnTo>
+                    <a:pt x="10000" y="10000"/>
+                  </a:lnTo>
+                  <a:lnTo>
+                    <a:pt x="0" y="10000"/>
+                  </a:lnTo>
+                  <a:lnTo>
+                    <a:pt x="0" y="9126"/>
+                  </a:lnTo>
+                  <a:lnTo>
+                    <a:pt x="8761" y="9127"/>
+                  </a:lnTo>
+                  <a:lnTo>
+                    <a:pt x="8761" y="0"/>
+                  </a:lnTo>
+                  <a:close/>
+                </a:path>
+              </a:pathLst>
+            </a:custGeom>
+            <a:solidFill>
+              <a:schemeClr val="tx2"/>
+            </a:solidFill>
+            <a:ln w="0">
+              <a:noFill/>
+              <a:prstDash val="solid"/>
+              <a:round/>
+              <a:headEnd/>
+              <a:tailEnd/>
+            </a:ln>
+          </p:spPr>
+        </p:sp>
+        <p:sp>
+          <p:nvSpPr>
+            <p:cNvPr id="36" name="Freeform 6">
+              <a:extLst>
+                <a:ext uri="{FF2B5EF4-FFF2-40B4-BE49-F238E27FC236}">
+                  <a16:creationId xmlns:a16="http://schemas.microsoft.com/office/drawing/2014/main" id="{718CB90A-6005-4951-84F5-70B5863EF799}"/>
+                </a:ext>
+                <a:ext uri="{C183D7F6-B498-43B3-948B-1728B52AA6E4}">
+                  <adec:decorative xmlns:adec="http://schemas.microsoft.com/office/drawing/2017/decorative" val="1"/>
+                </a:ext>
+              </a:extLst>
+            </p:cNvPr>
+            <p:cNvSpPr/>
+            <p:nvPr>
+              <p:extLst>
+                <p:ext uri="{386F3935-93C4-4BCD-93E2-E3B085C9AB24}">
+                  <p16:designElem xmlns:p16="http://schemas.microsoft.com/office/powerpoint/2015/main" val="1"/>
+                </p:ext>
+              </p:extLst>
+            </p:nvPr>
+          </p:nvSpPr>
+          <p:spPr bwMode="auto">
+            <a:xfrm flipH="1" flipV="1">
+              <a:off x="752858" y="744469"/>
+              <a:ext cx="3275668" cy="4408488"/>
+            </a:xfrm>
+            <a:custGeom>
+              <a:avLst/>
+              <a:gdLst/>
+              <a:ahLst/>
+              <a:cxnLst/>
+              <a:rect l="l" t="t" r="r" b="b"/>
+              <a:pathLst>
+                <a:path w="10002" h="10000">
+                  <a:moveTo>
+                    <a:pt x="8763" y="0"/>
+                  </a:moveTo>
+                  <a:lnTo>
+                    <a:pt x="10002" y="0"/>
+                  </a:lnTo>
+                  <a:lnTo>
+                    <a:pt x="10002" y="10000"/>
+                  </a:lnTo>
+                  <a:lnTo>
+                    <a:pt x="2" y="10000"/>
+                  </a:lnTo>
+                  <a:cubicBezTo>
+                    <a:pt x="-2" y="9698"/>
+                    <a:pt x="4" y="9427"/>
+                    <a:pt x="0" y="9125"/>
+                  </a:cubicBezTo>
+                  <a:lnTo>
+                    <a:pt x="8763" y="9128"/>
+                  </a:lnTo>
+                  <a:lnTo>
+                    <a:pt x="8763" y="0"/>
+                  </a:lnTo>
+                  <a:close/>
+                </a:path>
+              </a:pathLst>
+            </a:custGeom>
+            <a:solidFill>
+              <a:schemeClr val="tx2"/>
+            </a:solidFill>
+            <a:ln w="0">
+              <a:noFill/>
+              <a:prstDash val="solid"/>
+              <a:round/>
+              <a:headEnd/>
+              <a:tailEnd/>
+            </a:ln>
+          </p:spPr>
+        </p:sp>
+      </p:grpSp>
+      <p:sp useBgFill="1">
+        <p:nvSpPr>
+          <p:cNvPr id="38" name="Rectangle 37">
+            <a:extLst>
+              <a:ext uri="{FF2B5EF4-FFF2-40B4-BE49-F238E27FC236}">
+                <a16:creationId xmlns:a16="http://schemas.microsoft.com/office/drawing/2014/main" id="{7BB74091-09FE-44AF-8325-7FE6E175F727}"/>
+              </a:ext>
+              <a:ext uri="{C183D7F6-B498-43B3-948B-1728B52AA6E4}">
+                <adec:decorative xmlns:adec="http://schemas.microsoft.com/office/drawing/2017/decorative" val="1"/>
+              </a:ext>
+            </a:extLst>
+          </p:cNvPr>
+          <p:cNvSpPr>
+            <a:spLocks noGrp="1" noRot="1" noChangeAspect="1" noMove="1" noResize="1" noEditPoints="1" noAdjustHandles="1" noChangeArrowheads="1" noChangeShapeType="1" noTextEdit="1"/>
+          </p:cNvSpPr>
+          <p:nvPr>
+            <p:extLst>
+              <p:ext uri="{386F3935-93C4-4BCD-93E2-E3B085C9AB24}">
+                <p16:designElem xmlns:p16="http://schemas.microsoft.com/office/powerpoint/2015/main" val="1"/>
+              </p:ext>
+            </p:extLst>
+          </p:nvPr>
+        </p:nvSpPr>
+        <p:spPr>
+          <a:xfrm>
+            <a:off x="0" y="0"/>
+            <a:ext cx="9144000" cy="5143500"/>
+          </a:xfrm>
+          <a:prstGeom prst="rect">
+            <a:avLst/>
+          </a:prstGeom>
+          <a:ln>
+            <a:noFill/>
+          </a:ln>
+        </p:spPr>
+        <p:style>
+          <a:lnRef idx="2">
+            <a:schemeClr val="accent1">
+              <a:shade val="50000"/>
+            </a:schemeClr>
+          </a:lnRef>
+          <a:fillRef idx="1">
+            <a:schemeClr val="accent1"/>
+          </a:fillRef>
+          <a:effectRef idx="0">
+            <a:schemeClr val="accent1"/>
+          </a:effectRef>
+          <a:fontRef idx="minor">
+            <a:schemeClr val="lt1"/>
+          </a:fontRef>
+        </p:style>
+        <p:txBody>
+          <a:bodyPr rtlCol="0" anchor="ctr"/>
+          <a:lstStyle/>
+          <a:p>
+            <a:pPr algn="ctr"/>
+            <a:endParaRPr lang="en-US"/>
+          </a:p>
+        </p:txBody>
+      </p:sp>
+      <p:sp>
+        <p:nvSpPr>
+          <p:cNvPr id="2" name="Title 1">
+            <a:extLst>
+              <a:ext uri="{FF2B5EF4-FFF2-40B4-BE49-F238E27FC236}">
+                <a16:creationId xmlns:a16="http://schemas.microsoft.com/office/drawing/2014/main" id="{4324ED02-E30E-4FC9-A8D4-34608B5D0F84}"/>
+              </a:ext>
+            </a:extLst>
+          </p:cNvPr>
+          <p:cNvSpPr>
+            <a:spLocks noGrp="1"/>
+          </p:cNvSpPr>
+          <p:nvPr>
+            <p:ph type="title"/>
+          </p:nvPr>
+        </p:nvSpPr>
+        <p:spPr>
+          <a:xfrm>
+            <a:off x="564643" y="3552720"/>
+            <a:ext cx="8040514" cy="702577"/>
+          </a:xfrm>
+        </p:spPr>
+        <p:txBody>
+          <a:bodyPr vert="horz" lIns="91440" tIns="45720" rIns="91440" bIns="45720" rtlCol="0" anchor="b">
+            <a:normAutofit/>
+          </a:bodyPr>
+          <a:lstStyle/>
+          <a:p>
+            <a:pPr algn="ctr" defTabSz="914400">
+              <a:spcBef>
+                <a:spcPct val="0"/>
+              </a:spcBef>
+            </a:pPr>
+            <a:r>
+              <a:rPr lang="en-US" sz="3600" b="1" dirty="0"/>
+              <a:t>Building the Test Suite and Runner</a:t>
+            </a:r>
+          </a:p>
+        </p:txBody>
+      </p:sp>
+      <p:pic>
+        <p:nvPicPr>
+          <p:cNvPr id="7" name="Picture 6" descr="A picture containing sitting, table&#10;&#10;Description automatically generated">
+            <a:extLst>
+              <a:ext uri="{FF2B5EF4-FFF2-40B4-BE49-F238E27FC236}">
+                <a16:creationId xmlns:a16="http://schemas.microsoft.com/office/drawing/2014/main" id="{A57C01D2-EFF7-4AB1-95E8-A20512B8DD63}"/>
+              </a:ext>
+            </a:extLst>
+          </p:cNvPr>
+          <p:cNvPicPr>
+            <a:picLocks noChangeAspect="1"/>
+          </p:cNvPicPr>
+          <p:nvPr/>
+        </p:nvPicPr>
+        <p:blipFill rotWithShape="1">
+          <a:blip r:embed="rId2"/>
+          <a:srcRect r="26307" b="1"/>
+          <a:stretch/>
+        </p:blipFill>
+        <p:spPr>
+          <a:xfrm>
+            <a:off x="4606292" y="0"/>
+            <a:ext cx="4537690" cy="3140336"/>
+          </a:xfrm>
+          <a:prstGeom prst="rect">
+            <a:avLst/>
+          </a:prstGeom>
+        </p:spPr>
+      </p:pic>
+      <p:pic>
+        <p:nvPicPr>
+          <p:cNvPr id="5" name="Picture 4" descr="A screenshot of a cell phone&#10;&#10;Description automatically generated">
+            <a:extLst>
+              <a:ext uri="{FF2B5EF4-FFF2-40B4-BE49-F238E27FC236}">
+                <a16:creationId xmlns:a16="http://schemas.microsoft.com/office/drawing/2014/main" id="{1086F5F8-C6B1-4442-83E7-71F5C3C355A6}"/>
+              </a:ext>
+            </a:extLst>
+          </p:cNvPr>
+          <p:cNvPicPr>
+            <a:picLocks noChangeAspect="1"/>
+          </p:cNvPicPr>
+          <p:nvPr/>
+        </p:nvPicPr>
+        <p:blipFill rotWithShape="1">
+          <a:blip r:embed="rId3"/>
+          <a:srcRect r="36422" b="1"/>
+          <a:stretch/>
+        </p:blipFill>
+        <p:spPr>
+          <a:xfrm>
+            <a:off x="0" y="0"/>
+            <a:ext cx="4537710" cy="3140336"/>
+          </a:xfrm>
+          <a:prstGeom prst="rect">
+            <a:avLst/>
+          </a:prstGeom>
+        </p:spPr>
+      </p:pic>
+      <p:sp>
+        <p:nvSpPr>
+          <p:cNvPr id="40" name="Freeform: Shape 39">
+            <a:extLst>
+              <a:ext uri="{FF2B5EF4-FFF2-40B4-BE49-F238E27FC236}">
+                <a16:creationId xmlns:a16="http://schemas.microsoft.com/office/drawing/2014/main" id="{0F30CCEB-94C4-4F72-BA5A-9CEA853022DA}"/>
+              </a:ext>
+              <a:ext uri="{C183D7F6-B498-43B3-948B-1728B52AA6E4}">
+                <adec:decorative xmlns:adec="http://schemas.microsoft.com/office/drawing/2017/decorative" val="1"/>
+              </a:ext>
+            </a:extLst>
+          </p:cNvPr>
+          <p:cNvSpPr>
+            <a:spLocks noGrp="1" noRot="1" noChangeAspect="1" noMove="1" noResize="1" noEditPoints="1" noAdjustHandles="1" noChangeArrowheads="1" noChangeShapeType="1" noTextEdit="1"/>
+          </p:cNvSpPr>
+          <p:nvPr>
+            <p:extLst>
+              <p:ext uri="{386F3935-93C4-4BCD-93E2-E3B085C9AB24}">
+                <p16:designElem xmlns:p16="http://schemas.microsoft.com/office/powerpoint/2015/main" val="1"/>
+              </p:ext>
+            </p:extLst>
+          </p:nvPr>
+        </p:nvSpPr>
+        <p:spPr bwMode="auto">
+          <a:xfrm flipH="1" flipV="1">
+            <a:off x="326202" y="3334913"/>
+            <a:ext cx="1467878" cy="827765"/>
+          </a:xfrm>
+          <a:custGeom>
+            <a:avLst/>
+            <a:gdLst>
+              <a:gd name="connsiteX0" fmla="*/ 2017702 w 2017702"/>
+              <a:gd name="connsiteY0" fmla="*/ 1137821 h 1137821"/>
+              <a:gd name="connsiteX1" fmla="*/ 404 w 2017702"/>
+              <a:gd name="connsiteY1" fmla="*/ 1137821 h 1137821"/>
+              <a:gd name="connsiteX2" fmla="*/ 0 w 2017702"/>
+              <a:gd name="connsiteY2" fmla="*/ 900216 h 1137821"/>
+              <a:gd name="connsiteX3" fmla="*/ 1767759 w 2017702"/>
+              <a:gd name="connsiteY3" fmla="*/ 901031 h 1137821"/>
+              <a:gd name="connsiteX4" fmla="*/ 1767759 w 2017702"/>
+              <a:gd name="connsiteY4" fmla="*/ 0 h 1137821"/>
+              <a:gd name="connsiteX5" fmla="*/ 2017702 w 2017702"/>
+              <a:gd name="connsiteY5" fmla="*/ 0 h 1137821"/>
+            </a:gdLst>
+            <a:ahLst/>
+            <a:cxnLst>
+              <a:cxn ang="0">
+                <a:pos x="connsiteX0" y="connsiteY0"/>
+              </a:cxn>
+              <a:cxn ang="0">
+                <a:pos x="connsiteX1" y="connsiteY1"/>
+              </a:cxn>
+              <a:cxn ang="0">
+                <a:pos x="connsiteX2" y="connsiteY2"/>
+              </a:cxn>
+              <a:cxn ang="0">
+                <a:pos x="connsiteX3" y="connsiteY3"/>
+              </a:cxn>
+              <a:cxn ang="0">
+                <a:pos x="connsiteX4" y="connsiteY4"/>
+              </a:cxn>
+              <a:cxn ang="0">
+                <a:pos x="connsiteX5" y="connsiteY5"/>
+              </a:cxn>
+            </a:cxnLst>
+            <a:rect l="l" t="t" r="r" b="b"/>
+            <a:pathLst>
+              <a:path w="2017702" h="1137821">
+                <a:moveTo>
+                  <a:pt x="2017702" y="1137821"/>
+                </a:moveTo>
+                <a:lnTo>
+                  <a:pt x="404" y="1137821"/>
+                </a:lnTo>
+                <a:cubicBezTo>
+                  <a:pt x="-404" y="1055814"/>
+                  <a:pt x="807" y="982224"/>
+                  <a:pt x="0" y="900216"/>
+                </a:cubicBezTo>
+                <a:lnTo>
+                  <a:pt x="1767759" y="901031"/>
+                </a:lnTo>
+                <a:lnTo>
+                  <a:pt x="1767759" y="0"/>
+                </a:lnTo>
+                <a:lnTo>
+                  <a:pt x="2017702" y="0"/>
+                </a:lnTo>
+                <a:close/>
+              </a:path>
+            </a:pathLst>
+          </a:custGeom>
+          <a:solidFill>
+            <a:schemeClr val="tx2">
+              <a:alpha val="80000"/>
+            </a:schemeClr>
+          </a:solidFill>
+          <a:ln w="0">
+            <a:noFill/>
+            <a:prstDash val="solid"/>
+            <a:round/>
+            <a:headEnd/>
+            <a:tailEnd/>
+          </a:ln>
+        </p:spPr>
+      </p:sp>
+      <p:sp>
+        <p:nvSpPr>
+          <p:cNvPr id="42" name="Freeform: Shape 41">
+            <a:extLst>
+              <a:ext uri="{FF2B5EF4-FFF2-40B4-BE49-F238E27FC236}">
+                <a16:creationId xmlns:a16="http://schemas.microsoft.com/office/drawing/2014/main" id="{0DE1A94F-CC8B-4954-97A7-ADD4F300D647}"/>
+              </a:ext>
+              <a:ext uri="{C183D7F6-B498-43B3-948B-1728B52AA6E4}">
+                <adec:decorative xmlns:adec="http://schemas.microsoft.com/office/drawing/2017/decorative" val="1"/>
+              </a:ext>
+            </a:extLst>
+          </p:cNvPr>
+          <p:cNvSpPr>
+            <a:spLocks noGrp="1" noRot="1" noChangeAspect="1" noMove="1" noResize="1" noEditPoints="1" noAdjustHandles="1" noChangeArrowheads="1" noChangeShapeType="1" noTextEdit="1"/>
+          </p:cNvSpPr>
+          <p:nvPr>
+            <p:extLst>
+              <p:ext uri="{386F3935-93C4-4BCD-93E2-E3B085C9AB24}">
+                <p16:designElem xmlns:p16="http://schemas.microsoft.com/office/powerpoint/2015/main" val="1"/>
+              </p:ext>
+            </p:extLst>
+          </p:nvPr>
+        </p:nvSpPr>
+        <p:spPr bwMode="auto">
+          <a:xfrm>
+            <a:off x="7347627" y="3983422"/>
+            <a:ext cx="1531699" cy="910115"/>
+          </a:xfrm>
+          <a:custGeom>
+            <a:avLst/>
+            <a:gdLst>
+              <a:gd name="connsiteX0" fmla="*/ 1844618 w 2105428"/>
+              <a:gd name="connsiteY0" fmla="*/ 0 h 1251016"/>
+              <a:gd name="connsiteX1" fmla="*/ 2105428 w 2105428"/>
+              <a:gd name="connsiteY1" fmla="*/ 0 h 1251016"/>
+              <a:gd name="connsiteX2" fmla="*/ 2105428 w 2105428"/>
+              <a:gd name="connsiteY2" fmla="*/ 1251016 h 1251016"/>
+              <a:gd name="connsiteX3" fmla="*/ 421 w 2105428"/>
+              <a:gd name="connsiteY3" fmla="*/ 1251016 h 1251016"/>
+              <a:gd name="connsiteX4" fmla="*/ 0 w 2105428"/>
+              <a:gd name="connsiteY4" fmla="*/ 1003081 h 1251016"/>
+              <a:gd name="connsiteX5" fmla="*/ 1844618 w 2105428"/>
+              <a:gd name="connsiteY5" fmla="*/ 1003931 h 1251016"/>
+            </a:gdLst>
+            <a:ahLst/>
+            <a:cxnLst>
+              <a:cxn ang="0">
+                <a:pos x="connsiteX0" y="connsiteY0"/>
+              </a:cxn>
+              <a:cxn ang="0">
+                <a:pos x="connsiteX1" y="connsiteY1"/>
+              </a:cxn>
+              <a:cxn ang="0">
+                <a:pos x="connsiteX2" y="connsiteY2"/>
+              </a:cxn>
+              <a:cxn ang="0">
+                <a:pos x="connsiteX3" y="connsiteY3"/>
+              </a:cxn>
+              <a:cxn ang="0">
+                <a:pos x="connsiteX4" y="connsiteY4"/>
+              </a:cxn>
+              <a:cxn ang="0">
+                <a:pos x="connsiteX5" y="connsiteY5"/>
+              </a:cxn>
+            </a:cxnLst>
+            <a:rect l="l" t="t" r="r" b="b"/>
+            <a:pathLst>
+              <a:path w="2105428" h="1251016">
+                <a:moveTo>
+                  <a:pt x="1844618" y="0"/>
+                </a:moveTo>
+                <a:lnTo>
+                  <a:pt x="2105428" y="0"/>
+                </a:lnTo>
+                <a:lnTo>
+                  <a:pt x="2105428" y="1251016"/>
+                </a:lnTo>
+                <a:lnTo>
+                  <a:pt x="421" y="1251016"/>
+                </a:lnTo>
+                <a:cubicBezTo>
+                  <a:pt x="-421" y="1165443"/>
+                  <a:pt x="842" y="1088654"/>
+                  <a:pt x="0" y="1003081"/>
+                </a:cubicBezTo>
+                <a:lnTo>
+                  <a:pt x="1844618" y="1003931"/>
+                </a:lnTo>
+                <a:close/>
+              </a:path>
+            </a:pathLst>
+          </a:custGeom>
+          <a:solidFill>
+            <a:schemeClr val="tx2">
+              <a:alpha val="80000"/>
+            </a:schemeClr>
+          </a:solidFill>
+          <a:ln w="0">
+            <a:noFill/>
+            <a:prstDash val="solid"/>
+            <a:round/>
+            <a:headEnd/>
+            <a:tailEnd/>
+          </a:ln>
+        </p:spPr>
+      </p:sp>
+    </p:spTree>
+    <p:extLst>
+      <p:ext uri="{BB962C8B-B14F-4D97-AF65-F5344CB8AC3E}">
+        <p14:creationId xmlns:p14="http://schemas.microsoft.com/office/powerpoint/2010/main" val="3657059593"/>
+      </p:ext>
+    </p:extLst>
+  </p:cSld>
+  <p:clrMapOvr>
+    <a:masterClrMapping/>
+  </p:clrMapOvr>
+</p:sld>
+</file>
+
+<file path=ppt/slides/slide8.xml><?xml version="1.0" encoding="utf-8"?>
+<p:sld xmlns:a="http://schemas.openxmlformats.org/drawingml/2006/main" xmlns:r="http://schemas.openxmlformats.org/officeDocument/2006/relationships" xmlns:p="http://schemas.openxmlformats.org/presentationml/2006/main">
+  <p:cSld>
+    <p:bg>
+      <p:bgPr>
+        <a:solidFill>
+          <a:schemeClr val="bg2"/>
+        </a:solidFill>
+        <a:effectLst/>
+      </p:bgPr>
+    </p:bg>
+    <p:spTree>
+      <p:nvGrpSpPr>
+        <p:cNvPr id="1" name=""/>
+        <p:cNvGrpSpPr/>
+        <p:nvPr/>
+      </p:nvGrpSpPr>
+      <p:grpSpPr>
+        <a:xfrm>
+          <a:off x="0" y="0"/>
+          <a:ext cx="0" cy="0"/>
+          <a:chOff x="0" y="0"/>
+          <a:chExt cx="0" cy="0"/>
+        </a:xfrm>
+      </p:grpSpPr>
+      <p:sp>
+        <p:nvSpPr>
+          <p:cNvPr id="43" name="Rectangle 42">
+            <a:extLst>
+              <a:ext uri="{FF2B5EF4-FFF2-40B4-BE49-F238E27FC236}">
+                <a16:creationId xmlns:a16="http://schemas.microsoft.com/office/drawing/2014/main" id="{2A97F59D-628C-4053-B41F-489D0045FD5C}"/>
+              </a:ext>
+              <a:ext uri="{C183D7F6-B498-43B3-948B-1728B52AA6E4}">
+                <adec:decorative xmlns:adec="http://schemas.microsoft.com/office/drawing/2017/decorative" val="1"/>
+              </a:ext>
+            </a:extLst>
+          </p:cNvPr>
+          <p:cNvSpPr>
+            <a:spLocks noGrp="1" noRot="1" noChangeAspect="1" noMove="1" noResize="1" noEditPoints="1" noAdjustHandles="1" noChangeArrowheads="1" noChangeShapeType="1" noTextEdit="1"/>
+          </p:cNvSpPr>
+          <p:nvPr>
+            <p:extLst>
+              <p:ext uri="{386F3935-93C4-4BCD-93E2-E3B085C9AB24}">
+                <p16:designElem xmlns:p16="http://schemas.microsoft.com/office/powerpoint/2015/main" val="1"/>
+              </p:ext>
+            </p:extLst>
+          </p:nvPr>
+        </p:nvSpPr>
+        <p:spPr>
+          <a:xfrm>
+            <a:off x="358571" y="282"/>
+            <a:ext cx="171450" cy="5143500"/>
+          </a:xfrm>
+          <a:prstGeom prst="rect">
+            <a:avLst/>
+          </a:prstGeom>
+          <a:solidFill>
+            <a:schemeClr val="tx2"/>
+          </a:solidFill>
+          <a:ln>
+            <a:noFill/>
+          </a:ln>
+        </p:spPr>
+        <p:style>
+          <a:lnRef idx="2">
+            <a:schemeClr val="accent1">
+              <a:shade val="50000"/>
+            </a:schemeClr>
+          </a:lnRef>
+          <a:fillRef idx="1">
+            <a:schemeClr val="accent1"/>
+          </a:fillRef>
+          <a:effectRef idx="0">
+            <a:schemeClr val="accent1"/>
+          </a:effectRef>
+          <a:fontRef idx="minor">
+            <a:schemeClr val="lt1"/>
+          </a:fontRef>
+        </p:style>
+      </p:sp>
+      <p:sp useBgFill="1">
+        <p:nvSpPr>
+          <p:cNvPr id="45" name="Rectangle 44">
+            <a:extLst>
+              <a:ext uri="{FF2B5EF4-FFF2-40B4-BE49-F238E27FC236}">
+                <a16:creationId xmlns:a16="http://schemas.microsoft.com/office/drawing/2014/main" id="{7C159B63-C56D-4E4E-8B07-40A1346DC926}"/>
+              </a:ext>
+              <a:ext uri="{C183D7F6-B498-43B3-948B-1728B52AA6E4}">
+                <adec:decorative xmlns:adec="http://schemas.microsoft.com/office/drawing/2017/decorative" val="1"/>
+              </a:ext>
+            </a:extLst>
+          </p:cNvPr>
+          <p:cNvSpPr>
+            <a:spLocks noGrp="1" noRot="1" noChangeAspect="1" noMove="1" noResize="1" noEditPoints="1" noAdjustHandles="1" noChangeArrowheads="1" noChangeShapeType="1" noTextEdit="1"/>
+          </p:cNvSpPr>
+          <p:nvPr>
+            <p:extLst>
+              <p:ext uri="{386F3935-93C4-4BCD-93E2-E3B085C9AB24}">
+                <p16:designElem xmlns:p16="http://schemas.microsoft.com/office/powerpoint/2015/main" val="1"/>
+              </p:ext>
+            </p:extLst>
+          </p:nvPr>
+        </p:nvSpPr>
+        <p:spPr bwMode="grayWhite">
+          <a:xfrm>
+            <a:off x="0" y="0"/>
+            <a:ext cx="9144000" cy="5143500"/>
+          </a:xfrm>
+          <a:prstGeom prst="rect">
+            <a:avLst/>
+          </a:prstGeom>
+          <a:ln>
+            <a:noFill/>
+          </a:ln>
+        </p:spPr>
+        <p:style>
+          <a:lnRef idx="2">
+            <a:schemeClr val="accent1">
+              <a:shade val="50000"/>
+            </a:schemeClr>
+          </a:lnRef>
+          <a:fillRef idx="1">
+            <a:schemeClr val="accent1"/>
+          </a:fillRef>
+          <a:effectRef idx="0">
+            <a:schemeClr val="accent1"/>
+          </a:effectRef>
+          <a:fontRef idx="minor">
+            <a:schemeClr val="lt1"/>
+          </a:fontRef>
+        </p:style>
+        <p:txBody>
+          <a:bodyPr rtlCol="0" anchor="ctr"/>
+          <a:lstStyle/>
+          <a:p>
+            <a:pPr algn="ctr"/>
+            <a:endParaRPr lang="en-US"/>
+          </a:p>
+        </p:txBody>
+      </p:sp>
+      <p:sp>
+        <p:nvSpPr>
+          <p:cNvPr id="47" name="Rectangle 46">
+            <a:extLst>
+              <a:ext uri="{FF2B5EF4-FFF2-40B4-BE49-F238E27FC236}">
+                <a16:creationId xmlns:a16="http://schemas.microsoft.com/office/drawing/2014/main" id="{27DEF201-077E-444A-A3F0-66E14253572F}"/>
+              </a:ext>
+              <a:ext uri="{C183D7F6-B498-43B3-948B-1728B52AA6E4}">
+                <adec:decorative xmlns:adec="http://schemas.microsoft.com/office/drawing/2017/decorative" val="1"/>
+              </a:ext>
+            </a:extLst>
+          </p:cNvPr>
+          <p:cNvSpPr>
+            <a:spLocks noGrp="1" noRot="1" noChangeAspect="1" noMove="1" noResize="1" noEditPoints="1" noAdjustHandles="1" noChangeArrowheads="1" noChangeShapeType="1" noTextEdit="1"/>
+          </p:cNvSpPr>
+          <p:nvPr>
+            <p:extLst>
+              <p:ext uri="{386F3935-93C4-4BCD-93E2-E3B085C9AB24}">
+                <p16:designElem xmlns:p16="http://schemas.microsoft.com/office/powerpoint/2015/main" val="1"/>
+              </p:ext>
+            </p:extLst>
+          </p:nvPr>
+        </p:nvSpPr>
+        <p:spPr>
+          <a:xfrm>
+            <a:off x="358571" y="282"/>
+            <a:ext cx="171450" cy="5143500"/>
+          </a:xfrm>
+          <a:prstGeom prst="rect">
+            <a:avLst/>
+          </a:prstGeom>
+          <a:solidFill>
+            <a:schemeClr val="tx2"/>
+          </a:solidFill>
+          <a:ln>
+            <a:noFill/>
+          </a:ln>
+        </p:spPr>
+        <p:style>
+          <a:lnRef idx="2">
+            <a:schemeClr val="accent1">
+              <a:shade val="50000"/>
+            </a:schemeClr>
+          </a:lnRef>
+          <a:fillRef idx="1">
+            <a:schemeClr val="accent1"/>
+          </a:fillRef>
+          <a:effectRef idx="0">
+            <a:schemeClr val="accent1"/>
+          </a:effectRef>
+          <a:fontRef idx="minor">
+            <a:schemeClr val="lt1"/>
+          </a:fontRef>
+        </p:style>
+      </p:sp>
+      <p:sp>
+        <p:nvSpPr>
+          <p:cNvPr id="27" name="Rectangle 26">
+            <a:extLst>
+              <a:ext uri="{FF2B5EF4-FFF2-40B4-BE49-F238E27FC236}">
+                <a16:creationId xmlns:a16="http://schemas.microsoft.com/office/drawing/2014/main" id="{C94C9978-8FCB-4252-9F4F-74276060937C}"/>
+              </a:ext>
+            </a:extLst>
+          </p:cNvPr>
+          <p:cNvSpPr/>
+          <p:nvPr/>
+        </p:nvSpPr>
+        <p:spPr>
+          <a:xfrm>
+            <a:off x="107576" y="1298601"/>
+            <a:ext cx="4572000" cy="2896880"/>
+          </a:xfrm>
+          <a:prstGeom prst="rect">
+            <a:avLst/>
+          </a:prstGeom>
+          <a:solidFill>
+            <a:schemeClr val="bg2"/>
+          </a:solidFill>
+          <a:ln>
+            <a:noFill/>
+          </a:ln>
+        </p:spPr>
+        <p:style>
+          <a:lnRef idx="2">
+            <a:schemeClr val="accent1">
+              <a:shade val="50000"/>
+            </a:schemeClr>
+          </a:lnRef>
+          <a:fillRef idx="1">
+            <a:schemeClr val="accent1"/>
+          </a:fillRef>
+          <a:effectRef idx="0">
+            <a:schemeClr val="accent1"/>
+          </a:effectRef>
+          <a:fontRef idx="minor">
+            <a:schemeClr val="lt1"/>
+          </a:fontRef>
+        </p:style>
+        <p:txBody>
+          <a:bodyPr rtlCol="0" anchor="ctr"/>
+          <a:lstStyle/>
+          <a:p>
+            <a:pPr algn="ctr"/>
+            <a:endParaRPr lang="en-US" dirty="0"/>
+          </a:p>
+        </p:txBody>
+      </p:sp>
+      <p:grpSp>
+        <p:nvGrpSpPr>
+          <p:cNvPr id="29" name="Group 28">
+            <a:extLst>
+              <a:ext uri="{FF2B5EF4-FFF2-40B4-BE49-F238E27FC236}">
+                <a16:creationId xmlns:a16="http://schemas.microsoft.com/office/drawing/2014/main" id="{6F613CEE-03E8-4B9A-8046-E5971DCF604D}"/>
               </a:ext>
             </a:extLst>
           </p:cNvPr>
@@ -6629,119 +9607,18 @@
         </p:nvGrpSpPr>
         <p:grpSpPr>
           <a:xfrm>
-            <a:off x="583987" y="1698171"/>
-            <a:ext cx="3888122" cy="2666360"/>
-            <a:chOff x="583987" y="1698171"/>
-            <a:chExt cx="3888122" cy="2666360"/>
+            <a:off x="4697663" y="1275015"/>
+            <a:ext cx="4446337" cy="2970981"/>
+            <a:chOff x="4597772" y="1715870"/>
+            <a:chExt cx="4023713" cy="2648661"/>
           </a:xfrm>
         </p:grpSpPr>
         <p:sp>
           <p:nvSpPr>
-            <p:cNvPr id="4" name="Rectangle 3">
+            <p:cNvPr id="31" name="Rectangle 30">
               <a:extLst>
                 <a:ext uri="{FF2B5EF4-FFF2-40B4-BE49-F238E27FC236}">
-                  <a16:creationId xmlns:a16="http://schemas.microsoft.com/office/drawing/2014/main" id="{0BD72E5A-1396-45A6-84CB-DB134BA3A5D8}"/>
-                </a:ext>
-              </a:extLst>
-            </p:cNvPr>
-            <p:cNvSpPr/>
-            <p:nvPr/>
-          </p:nvSpPr>
-          <p:spPr>
-            <a:xfrm>
-              <a:off x="583987" y="1698171"/>
-              <a:ext cx="3888122" cy="2666360"/>
-            </a:xfrm>
-            <a:prstGeom prst="rect">
-              <a:avLst/>
-            </a:prstGeom>
-            <a:solidFill>
-              <a:schemeClr val="bg2"/>
-            </a:solidFill>
-            <a:ln>
-              <a:noFill/>
-            </a:ln>
-          </p:spPr>
-          <p:style>
-            <a:lnRef idx="2">
-              <a:schemeClr val="accent1">
-                <a:shade val="50000"/>
-              </a:schemeClr>
-            </a:lnRef>
-            <a:fillRef idx="1">
-              <a:schemeClr val="accent1"/>
-            </a:fillRef>
-            <a:effectRef idx="0">
-              <a:schemeClr val="accent1"/>
-            </a:effectRef>
-            <a:fontRef idx="minor">
-              <a:schemeClr val="lt1"/>
-            </a:fontRef>
-          </p:style>
-          <p:txBody>
-            <a:bodyPr rtlCol="0" anchor="ctr"/>
-            <a:lstStyle/>
-            <a:p>
-              <a:pPr algn="ctr"/>
-              <a:endParaRPr lang="en-US" dirty="0"/>
-            </a:p>
-          </p:txBody>
-        </p:sp>
-        <p:pic>
-          <p:nvPicPr>
-            <p:cNvPr id="5" name="Picture 4">
-              <a:extLst>
-                <a:ext uri="{FF2B5EF4-FFF2-40B4-BE49-F238E27FC236}">
-                  <a16:creationId xmlns:a16="http://schemas.microsoft.com/office/drawing/2014/main" id="{305F7159-F0C2-4541-B991-9216413E8E2F}"/>
-                </a:ext>
-              </a:extLst>
-            </p:cNvPr>
-            <p:cNvPicPr/>
-            <p:nvPr/>
-          </p:nvPicPr>
-          <p:blipFill>
-            <a:blip r:embed="rId2"/>
-            <a:stretch>
-              <a:fillRect/>
-            </a:stretch>
-          </p:blipFill>
-          <p:spPr>
-            <a:xfrm>
-              <a:off x="635053" y="1769182"/>
-              <a:ext cx="3778623" cy="2528718"/>
-            </a:xfrm>
-            <a:prstGeom prst="rect">
-              <a:avLst/>
-            </a:prstGeom>
-          </p:spPr>
-        </p:pic>
-      </p:grpSp>
-      <p:grpSp>
-        <p:nvGrpSpPr>
-          <p:cNvPr id="10" name="Group 9">
-            <a:extLst>
-              <a:ext uri="{FF2B5EF4-FFF2-40B4-BE49-F238E27FC236}">
-                <a16:creationId xmlns:a16="http://schemas.microsoft.com/office/drawing/2014/main" id="{29812922-A221-4395-BA0C-0D35E4FBAA5D}"/>
-              </a:ext>
-            </a:extLst>
-          </p:cNvPr>
-          <p:cNvGrpSpPr/>
-          <p:nvPr/>
-        </p:nvGrpSpPr>
-        <p:grpSpPr>
-          <a:xfrm>
-            <a:off x="4597772" y="1675120"/>
-            <a:ext cx="4023713" cy="2666360"/>
-            <a:chOff x="4597772" y="1715870"/>
-            <a:chExt cx="4023713" cy="2648661"/>
-          </a:xfrm>
-        </p:grpSpPr>
-        <p:sp>
-          <p:nvSpPr>
-            <p:cNvPr id="9" name="Rectangle 8">
-              <a:extLst>
-                <a:ext uri="{FF2B5EF4-FFF2-40B4-BE49-F238E27FC236}">
-                  <a16:creationId xmlns:a16="http://schemas.microsoft.com/office/drawing/2014/main" id="{ABDB3C92-1234-49C9-8141-35C31EE87B84}"/>
+                  <a16:creationId xmlns:a16="http://schemas.microsoft.com/office/drawing/2014/main" id="{83E0B837-C1B9-4468-B8F3-8577119C6545}"/>
                 </a:ext>
               </a:extLst>
             </p:cNvPr>
@@ -6790,10 +9667,10 @@
         </p:sp>
         <p:pic>
           <p:nvPicPr>
-            <p:cNvPr id="6" name="Picture 5">
+            <p:cNvPr id="33" name="Picture 32">
               <a:extLst>
                 <a:ext uri="{FF2B5EF4-FFF2-40B4-BE49-F238E27FC236}">
-                  <a16:creationId xmlns:a16="http://schemas.microsoft.com/office/drawing/2014/main" id="{16E1EA88-DD3E-4B3E-BDEE-07455243A5FF}"/>
+                  <a16:creationId xmlns:a16="http://schemas.microsoft.com/office/drawing/2014/main" id="{D3C72212-6E74-4846-BDF7-A8DD52F82E23}"/>
                 </a:ext>
               </a:extLst>
             </p:cNvPr>
@@ -6801,7 +9678,7 @@
             <p:nvPr/>
           </p:nvPicPr>
           <p:blipFill>
-            <a:blip r:embed="rId3"/>
+            <a:blip r:embed="rId2"/>
             <a:stretch>
               <a:fillRect/>
             </a:stretch>
@@ -6817,10 +9694,82 @@
           </p:spPr>
         </p:pic>
       </p:grpSp>
+      <p:sp>
+        <p:nvSpPr>
+          <p:cNvPr id="35" name="Title 1">
+            <a:extLst>
+              <a:ext uri="{FF2B5EF4-FFF2-40B4-BE49-F238E27FC236}">
+                <a16:creationId xmlns:a16="http://schemas.microsoft.com/office/drawing/2014/main" id="{08F81448-FAE7-4777-8C31-B3F4D8A6C46D}"/>
+              </a:ext>
+            </a:extLst>
+          </p:cNvPr>
+          <p:cNvSpPr>
+            <a:spLocks noGrp="1"/>
+          </p:cNvSpPr>
+          <p:nvPr>
+            <p:ph type="title"/>
+          </p:nvPr>
+        </p:nvSpPr>
+        <p:spPr>
+          <a:xfrm>
+            <a:off x="819150" y="515186"/>
+            <a:ext cx="7505700" cy="668155"/>
+          </a:xfrm>
+        </p:spPr>
+        <p:txBody>
+          <a:bodyPr/>
+          <a:lstStyle/>
+          <a:p>
+            <a:pPr algn="ctr" defTabSz="914400">
+              <a:spcBef>
+                <a:spcPct val="0"/>
+              </a:spcBef>
+            </a:pPr>
+            <a:r>
+              <a:rPr lang="en-US" sz="2500" cap="all" dirty="0">
+                <a:solidFill>
+                  <a:schemeClr val="tx1"/>
+                </a:solidFill>
+              </a:rPr>
+              <a:t>Execution of the TEST Suite</a:t>
+            </a:r>
+          </a:p>
+        </p:txBody>
+      </p:sp>
+      <p:pic>
+        <p:nvPicPr>
+          <p:cNvPr id="4" name="Picture 3">
+            <a:extLst>
+              <a:ext uri="{FF2B5EF4-FFF2-40B4-BE49-F238E27FC236}">
+                <a16:creationId xmlns:a16="http://schemas.microsoft.com/office/drawing/2014/main" id="{D1B27A45-C9C7-431C-B19D-805F6F790577}"/>
+              </a:ext>
+            </a:extLst>
+          </p:cNvPr>
+          <p:cNvPicPr>
+            <a:picLocks noChangeAspect="1"/>
+          </p:cNvPicPr>
+          <p:nvPr/>
+        </p:nvPicPr>
+        <p:blipFill>
+          <a:blip r:embed="rId3"/>
+          <a:stretch>
+            <a:fillRect/>
+          </a:stretch>
+        </p:blipFill>
+        <p:spPr>
+          <a:xfrm>
+            <a:off x="275157" y="1366189"/>
+            <a:ext cx="4294210" cy="2829292"/>
+          </a:xfrm>
+          <a:prstGeom prst="rect">
+            <a:avLst/>
+          </a:prstGeom>
+        </p:spPr>
+      </p:pic>
     </p:spTree>
     <p:extLst>
       <p:ext uri="{BB962C8B-B14F-4D97-AF65-F5344CB8AC3E}">
-        <p14:creationId xmlns:p14="http://schemas.microsoft.com/office/powerpoint/2010/main" val="643228591"/>
+        <p14:creationId xmlns:p14="http://schemas.microsoft.com/office/powerpoint/2010/main" val="2628929111"/>
       </p:ext>
     </p:extLst>
   </p:cSld>
@@ -6830,9 +9779,17 @@
 </p:sld>
 </file>
 
-<file path=ppt/slides/slide6.xml><?xml version="1.0" encoding="utf-8"?>
+<file path=ppt/slides/slide9.xml><?xml version="1.0" encoding="utf-8"?>
 <p:sld xmlns:a="http://schemas.openxmlformats.org/drawingml/2006/main" xmlns:r="http://schemas.openxmlformats.org/officeDocument/2006/relationships" xmlns:p="http://schemas.openxmlformats.org/presentationml/2006/main">
   <p:cSld>
+    <p:bg>
+      <p:bgPr>
+        <a:solidFill>
+          <a:schemeClr val="bg2"/>
+        </a:solidFill>
+        <a:effectLst/>
+      </p:bgPr>
+    </p:bg>
     <p:spTree>
       <p:nvGrpSpPr>
         <p:cNvPr id="1" name=""/>
@@ -6849,10 +9806,221 @@
       </p:grpSpPr>
       <p:sp>
         <p:nvSpPr>
+          <p:cNvPr id="25" name="Rectangle 16">
+            <a:extLst>
+              <a:ext uri="{FF2B5EF4-FFF2-40B4-BE49-F238E27FC236}">
+                <a16:creationId xmlns:a16="http://schemas.microsoft.com/office/drawing/2014/main" id="{2A97F59D-628C-4053-B41F-489D0045FD5C}"/>
+              </a:ext>
+              <a:ext uri="{C183D7F6-B498-43B3-948B-1728B52AA6E4}">
+                <adec:decorative xmlns:adec="http://schemas.microsoft.com/office/drawing/2017/decorative" val="1"/>
+              </a:ext>
+            </a:extLst>
+          </p:cNvPr>
+          <p:cNvSpPr>
+            <a:spLocks noGrp="1" noRot="1" noChangeAspect="1" noMove="1" noResize="1" noEditPoints="1" noAdjustHandles="1" noChangeArrowheads="1" noChangeShapeType="1" noTextEdit="1"/>
+          </p:cNvSpPr>
+          <p:nvPr>
+            <p:extLst>
+              <p:ext uri="{386F3935-93C4-4BCD-93E2-E3B085C9AB24}">
+                <p16:designElem xmlns:p16="http://schemas.microsoft.com/office/powerpoint/2015/main" val="1"/>
+              </p:ext>
+            </p:extLst>
+          </p:nvPr>
+        </p:nvSpPr>
+        <p:spPr>
+          <a:xfrm>
+            <a:off x="358571" y="282"/>
+            <a:ext cx="171450" cy="5143500"/>
+          </a:xfrm>
+          <a:prstGeom prst="rect">
+            <a:avLst/>
+          </a:prstGeom>
+          <a:solidFill>
+            <a:schemeClr val="tx2"/>
+          </a:solidFill>
+          <a:ln>
+            <a:noFill/>
+          </a:ln>
+        </p:spPr>
+        <p:style>
+          <a:lnRef idx="2">
+            <a:schemeClr val="accent1">
+              <a:shade val="50000"/>
+            </a:schemeClr>
+          </a:lnRef>
+          <a:fillRef idx="1">
+            <a:schemeClr val="accent1"/>
+          </a:fillRef>
+          <a:effectRef idx="0">
+            <a:schemeClr val="accent1"/>
+          </a:effectRef>
+          <a:fontRef idx="minor">
+            <a:schemeClr val="lt1"/>
+          </a:fontRef>
+        </p:style>
+      </p:sp>
+      <p:sp>
+        <p:nvSpPr>
+          <p:cNvPr id="26" name="Rectangle 18">
+            <a:extLst>
+              <a:ext uri="{FF2B5EF4-FFF2-40B4-BE49-F238E27FC236}">
+                <a16:creationId xmlns:a16="http://schemas.microsoft.com/office/drawing/2014/main" id="{3362DFFC-4DCC-48EE-B781-94D04B95F1E8}"/>
+              </a:ext>
+              <a:ext uri="{C183D7F6-B498-43B3-948B-1728B52AA6E4}">
+                <adec:decorative xmlns:adec="http://schemas.microsoft.com/office/drawing/2017/decorative" val="1"/>
+              </a:ext>
+            </a:extLst>
+          </p:cNvPr>
+          <p:cNvSpPr>
+            <a:spLocks noGrp="1" noRot="1" noChangeAspect="1" noMove="1" noResize="1" noEditPoints="1" noAdjustHandles="1" noChangeArrowheads="1" noChangeShapeType="1" noTextEdit="1"/>
+          </p:cNvSpPr>
+          <p:nvPr>
+            <p:extLst>
+              <p:ext uri="{386F3935-93C4-4BCD-93E2-E3B085C9AB24}">
+                <p16:designElem xmlns:p16="http://schemas.microsoft.com/office/powerpoint/2015/main" val="1"/>
+              </p:ext>
+            </p:extLst>
+          </p:nvPr>
+        </p:nvSpPr>
+        <p:spPr>
+          <a:xfrm>
+            <a:off x="0" y="282"/>
+            <a:ext cx="3977640" cy="5143218"/>
+          </a:xfrm>
+          <a:prstGeom prst="rect">
+            <a:avLst/>
+          </a:prstGeom>
+          <a:solidFill>
+            <a:schemeClr val="tx2"/>
+          </a:solidFill>
+          <a:ln>
+            <a:noFill/>
+          </a:ln>
+        </p:spPr>
+        <p:style>
+          <a:lnRef idx="2">
+            <a:schemeClr val="accent1">
+              <a:shade val="50000"/>
+            </a:schemeClr>
+          </a:lnRef>
+          <a:fillRef idx="1">
+            <a:schemeClr val="accent1"/>
+          </a:fillRef>
+          <a:effectRef idx="0">
+            <a:schemeClr val="accent1"/>
+          </a:effectRef>
+          <a:fontRef idx="minor">
+            <a:schemeClr val="lt1"/>
+          </a:fontRef>
+        </p:style>
+      </p:sp>
+      <p:sp>
+        <p:nvSpPr>
+          <p:cNvPr id="2" name="Title 1">
+            <a:extLst>
+              <a:ext uri="{FF2B5EF4-FFF2-40B4-BE49-F238E27FC236}">
+                <a16:creationId xmlns:a16="http://schemas.microsoft.com/office/drawing/2014/main" id="{D3320A43-688E-4349-B6A1-99AF7F089012}"/>
+              </a:ext>
+            </a:extLst>
+          </p:cNvPr>
+          <p:cNvSpPr>
+            <a:spLocks noGrp="1"/>
+          </p:cNvSpPr>
+          <p:nvPr>
+            <p:ph type="title"/>
+          </p:nvPr>
+        </p:nvSpPr>
+        <p:spPr>
+          <a:xfrm>
+            <a:off x="480060" y="593677"/>
+            <a:ext cx="3014130" cy="3946793"/>
+          </a:xfrm>
+        </p:spPr>
+        <p:txBody>
+          <a:bodyPr vert="horz" lIns="91440" tIns="45720" rIns="91440" bIns="45720" rtlCol="0" anchor="ctr">
+            <a:normAutofit/>
+          </a:bodyPr>
+          <a:lstStyle/>
+          <a:p>
+            <a:pPr algn="r" defTabSz="914400">
+              <a:spcBef>
+                <a:spcPct val="0"/>
+              </a:spcBef>
+            </a:pPr>
+            <a:r>
+              <a:rPr lang="en-US" sz="4100" dirty="0">
+                <a:solidFill>
+                  <a:schemeClr val="bg2"/>
+                </a:solidFill>
+              </a:rPr>
+              <a:t>Code for Stress Testing</a:t>
+            </a:r>
+          </a:p>
+        </p:txBody>
+      </p:sp>
+      <p:sp>
+        <p:nvSpPr>
+          <p:cNvPr id="27" name="Rectangle 20">
+            <a:extLst>
+              <a:ext uri="{FF2B5EF4-FFF2-40B4-BE49-F238E27FC236}">
+                <a16:creationId xmlns:a16="http://schemas.microsoft.com/office/drawing/2014/main" id="{18B8B265-E68C-4B64-9238-781F0102C57B}"/>
+              </a:ext>
+              <a:ext uri="{C183D7F6-B498-43B3-948B-1728B52AA6E4}">
+                <adec:decorative xmlns:adec="http://schemas.microsoft.com/office/drawing/2017/decorative" val="1"/>
+              </a:ext>
+            </a:extLst>
+          </p:cNvPr>
+          <p:cNvSpPr>
+            <a:spLocks noGrp="1" noRot="1" noChangeAspect="1" noMove="1" noResize="1" noEditPoints="1" noAdjustHandles="1" noChangeArrowheads="1" noChangeShapeType="1" noTextEdit="1"/>
+          </p:cNvSpPr>
+          <p:nvPr>
+            <p:extLst>
+              <p:ext uri="{386F3935-93C4-4BCD-93E2-E3B085C9AB24}">
+                <p16:designElem xmlns:p16="http://schemas.microsoft.com/office/powerpoint/2015/main" val="1"/>
+              </p:ext>
+            </p:extLst>
+          </p:nvPr>
+        </p:nvSpPr>
+        <p:spPr>
+          <a:xfrm>
+            <a:off x="3977640" y="282"/>
+            <a:ext cx="171450" cy="5143500"/>
+          </a:xfrm>
+          <a:prstGeom prst="rect">
+            <a:avLst/>
+          </a:prstGeom>
+          <a:solidFill>
+            <a:schemeClr val="accent1">
+              <a:lumMod val="75000"/>
+            </a:schemeClr>
+          </a:solidFill>
+          <a:ln>
+            <a:noFill/>
+          </a:ln>
+        </p:spPr>
+        <p:style>
+          <a:lnRef idx="2">
+            <a:schemeClr val="accent1">
+              <a:shade val="50000"/>
+            </a:schemeClr>
+          </a:lnRef>
+          <a:fillRef idx="1">
+            <a:schemeClr val="accent1"/>
+          </a:fillRef>
+          <a:effectRef idx="0">
+            <a:schemeClr val="accent1"/>
+          </a:effectRef>
+          <a:fontRef idx="minor">
+            <a:schemeClr val="lt1"/>
+          </a:fontRef>
+        </p:style>
+      </p:sp>
+      <p:sp>
+        <p:nvSpPr>
           <p:cNvPr id="3" name="Text Placeholder 2">
             <a:extLst>
               <a:ext uri="{FF2B5EF4-FFF2-40B4-BE49-F238E27FC236}">
-                <a16:creationId xmlns:a16="http://schemas.microsoft.com/office/drawing/2014/main" id="{7DF96B2D-85A1-4180-BCF2-62C506E0E75D}"/>
+                <a16:creationId xmlns:a16="http://schemas.microsoft.com/office/drawing/2014/main" id="{A15F5C3B-A79C-4086-967F-2E9F51146496}"/>
               </a:ext>
             </a:extLst>
           </p:cNvPr>
@@ -6860,31 +10028,34 @@
             <a:spLocks noGrp="1"/>
           </p:cNvSpPr>
           <p:nvPr>
-            <p:ph type="title"/>
-          </p:nvPr>
-        </p:nvSpPr>
-        <p:spPr/>
+            <p:ph type="body" idx="1"/>
+          </p:nvPr>
+        </p:nvSpPr>
+        <p:spPr>
+          <a:xfrm>
+            <a:off x="4632540" y="593677"/>
+            <a:ext cx="3669231" cy="3946793"/>
+          </a:xfrm>
+        </p:spPr>
         <p:txBody>
-          <a:bodyPr wrap="square" anchor="ctr">
+          <a:bodyPr vert="horz" lIns="91440" tIns="45720" rIns="91440" bIns="45720" rtlCol="0" anchor="ctr">
             <a:normAutofit/>
           </a:bodyPr>
           <a:lstStyle/>
           <a:p>
-            <a:r>
-              <a:rPr lang="en-US" dirty="0">
-                <a:solidFill>
-                  <a:schemeClr val="accent1"/>
-                </a:solidFill>
-              </a:rPr>
-              <a:t>Thank You!</a:t>
-            </a:r>
+            <a:pPr indent="-384048" defTabSz="914400">
+              <a:spcAft>
+                <a:spcPts val="200"/>
+              </a:spcAft>
+            </a:pPr>
+            <a:endParaRPr lang="en-US" sz="1400"/>
           </a:p>
         </p:txBody>
       </p:sp>
     </p:spTree>
     <p:extLst>
       <p:ext uri="{BB962C8B-B14F-4D97-AF65-F5344CB8AC3E}">
-        <p14:creationId xmlns:p14="http://schemas.microsoft.com/office/powerpoint/2010/main" val="3810431213"/>
+        <p14:creationId xmlns:p14="http://schemas.microsoft.com/office/powerpoint/2010/main" val="4158562144"/>
       </p:ext>
     </p:extLst>
   </p:cSld>

--- a/Java-TetrisTest-master/documentation/Presentation - Group.pptx
+++ b/Java-TetrisTest-master/documentation/Presentation - Group.pptx
@@ -9041,13 +9041,13 @@
         </p:nvSpPr>
         <p:spPr>
           <a:xfrm>
-            <a:off x="564643" y="3552720"/>
-            <a:ext cx="8040514" cy="702577"/>
+            <a:off x="551743" y="3652247"/>
+            <a:ext cx="8040514" cy="910115"/>
           </a:xfrm>
         </p:spPr>
         <p:txBody>
           <a:bodyPr vert="horz" lIns="91440" tIns="45720" rIns="91440" bIns="45720" rtlCol="0" anchor="b">
-            <a:normAutofit/>
+            <a:normAutofit fontScale="90000"/>
           </a:bodyPr>
           <a:lstStyle/>
           <a:p>
@@ -9058,7 +9058,7 @@
             </a:pPr>
             <a:r>
               <a:rPr lang="en-US" sz="3600" b="1" dirty="0"/>
-              <a:t>Building the Test Suite and Runner</a:t>
+              <a:t>Building the Test Suite and Automating the Test Run</a:t>
             </a:r>
           </a:p>
         </p:txBody>

--- a/Java-TetrisTest-master/documentation/Presentation - Group.pptx
+++ b/Java-TetrisTest-master/documentation/Presentation - Group.pptx
@@ -1027,7 +1027,7 @@
           <a:p>
             <a:fld id="{48A87A34-81AB-432B-8DAE-1953F412C126}" type="datetimeFigureOut">
               <a:rPr lang="en-US" smtClean="0"/>
-              <a:t>5/30/2020</a:t>
+              <a:t>5/31/2020</a:t>
             </a:fld>
             <a:endParaRPr lang="en-US" dirty="0"/>
           </a:p>
@@ -1367,7 +1367,7 @@
           <a:p>
             <a:fld id="{48A87A34-81AB-432B-8DAE-1953F412C126}" type="datetimeFigureOut">
               <a:rPr lang="en-US" smtClean="0"/>
-              <a:t>5/30/2020</a:t>
+              <a:t>5/31/2020</a:t>
             </a:fld>
             <a:endParaRPr lang="en-US" dirty="0"/>
           </a:p>
@@ -1557,7 +1557,7 @@
           <a:p>
             <a:fld id="{48A87A34-81AB-432B-8DAE-1953F412C126}" type="datetimeFigureOut">
               <a:rPr lang="en-US" smtClean="0"/>
-              <a:t>5/30/2020</a:t>
+              <a:t>5/31/2020</a:t>
             </a:fld>
             <a:endParaRPr lang="en-US" dirty="0"/>
           </a:p>
@@ -2421,7 +2421,7 @@
           <a:p>
             <a:fld id="{48A87A34-81AB-432B-8DAE-1953F412C126}" type="datetimeFigureOut">
               <a:rPr lang="en-US" smtClean="0"/>
-              <a:t>5/30/2020</a:t>
+              <a:t>5/31/2020</a:t>
             </a:fld>
             <a:endParaRPr lang="en-US" dirty="0"/>
           </a:p>
@@ -2708,7 +2708,7 @@
           <a:p>
             <a:fld id="{48A87A34-81AB-432B-8DAE-1953F412C126}" type="datetimeFigureOut">
               <a:rPr lang="en-US" smtClean="0"/>
-              <a:t>5/30/2020</a:t>
+              <a:t>5/31/2020</a:t>
             </a:fld>
             <a:endParaRPr lang="en-US" dirty="0"/>
           </a:p>
@@ -3112,7 +3112,7 @@
           <a:p>
             <a:fld id="{48A87A34-81AB-432B-8DAE-1953F412C126}" type="datetimeFigureOut">
               <a:rPr lang="en-US" smtClean="0"/>
-              <a:t>5/30/2020</a:t>
+              <a:t>5/31/2020</a:t>
             </a:fld>
             <a:endParaRPr lang="en-US" dirty="0"/>
           </a:p>
@@ -3599,7 +3599,7 @@
           <a:p>
             <a:fld id="{48A87A34-81AB-432B-8DAE-1953F412C126}" type="datetimeFigureOut">
               <a:rPr lang="en-US" smtClean="0"/>
-              <a:t>5/30/2020</a:t>
+              <a:t>5/31/2020</a:t>
             </a:fld>
             <a:endParaRPr lang="en-US" dirty="0"/>
           </a:p>
@@ -3727,7 +3727,7 @@
           <a:p>
             <a:fld id="{48A87A34-81AB-432B-8DAE-1953F412C126}" type="datetimeFigureOut">
               <a:rPr lang="en-US" smtClean="0"/>
-              <a:t>5/30/2020</a:t>
+              <a:t>5/31/2020</a:t>
             </a:fld>
             <a:endParaRPr lang="en-US" dirty="0"/>
           </a:p>
@@ -3832,7 +3832,7 @@
           <a:p>
             <a:fld id="{48A87A34-81AB-432B-8DAE-1953F412C126}" type="datetimeFigureOut">
               <a:rPr lang="en-US" smtClean="0"/>
-              <a:t>5/30/2020</a:t>
+              <a:t>5/31/2020</a:t>
             </a:fld>
             <a:endParaRPr lang="en-US" dirty="0"/>
           </a:p>
@@ -4187,7 +4187,7 @@
           <a:p>
             <a:fld id="{48A87A34-81AB-432B-8DAE-1953F412C126}" type="datetimeFigureOut">
               <a:rPr lang="en-US" smtClean="0"/>
-              <a:t>5/30/2020</a:t>
+              <a:t>5/31/2020</a:t>
             </a:fld>
             <a:endParaRPr lang="en-US" dirty="0"/>
           </a:p>
@@ -4585,7 +4585,7 @@
           <a:p>
             <a:fld id="{48A87A34-81AB-432B-8DAE-1953F412C126}" type="datetimeFigureOut">
               <a:rPr lang="en-US" smtClean="0"/>
-              <a:t>5/30/2020</a:t>
+              <a:t>5/31/2020</a:t>
             </a:fld>
             <a:endParaRPr lang="en-US" dirty="0"/>
           </a:p>
@@ -4874,7 +4874,7 @@
             <a:fld id="{48A87A34-81AB-432B-8DAE-1953F412C126}" type="datetimeFigureOut">
               <a:rPr lang="en-US" smtClean="0"/>
               <a:pPr/>
-              <a:t>5/30/2020</a:t>
+              <a:t>5/31/2020</a:t>
             </a:fld>
             <a:endParaRPr lang="en-US" dirty="0"/>
           </a:p>
@@ -5966,7 +5966,7 @@
             </a:pPr>
             <a:r>
               <a:rPr lang="en-US" sz="4400" dirty="0"/>
-              <a:t>STRESS TESTING</a:t>
+              <a:t>Stress Testing</a:t>
             </a:r>
           </a:p>
         </p:txBody>
@@ -6378,12 +6378,44 @@
               </a:spcBef>
             </a:pPr>
             <a:r>
-              <a:rPr lang="en-US" sz="3600" cap="all">
+              <a:rPr lang="en-US" sz="3600" cap="all" dirty="0">
                 <a:solidFill>
                   <a:schemeClr val="tx2"/>
                 </a:solidFill>
               </a:rPr>
-              <a:t>Thank You!</a:t>
+              <a:t>T</a:t>
+            </a:r>
+            <a:r>
+              <a:rPr lang="en-US" sz="3600" dirty="0">
+                <a:solidFill>
+                  <a:schemeClr val="tx2"/>
+                </a:solidFill>
+              </a:rPr>
+              <a:t>hank</a:t>
+            </a:r>
+            <a:r>
+              <a:rPr lang="en-US" sz="3600" cap="all" dirty="0">
+                <a:solidFill>
+                  <a:schemeClr val="tx2"/>
+                </a:solidFill>
+              </a:rPr>
+              <a:t> Y</a:t>
+            </a:r>
+            <a:r>
+              <a:rPr lang="en-US" sz="3600" dirty="0">
+                <a:solidFill>
+                  <a:schemeClr val="tx2"/>
+                </a:solidFill>
+              </a:rPr>
+              <a:t>ou</a:t>
+            </a:r>
+            <a:r>
+              <a:rPr lang="en-US" sz="3600" cap="all" dirty="0">
+                <a:solidFill>
+                  <a:schemeClr val="tx2"/>
+                </a:solidFill>
+              </a:rPr>
+              <a:t>!</a:t>
             </a:r>
           </a:p>
         </p:txBody>
@@ -6956,7 +6988,7 @@
           <a:p>
             <a:pPr defTabSz="914400"/>
             <a:r>
-              <a:rPr lang="en-US" sz="5000" cap="all"/>
+              <a:rPr lang="en-US" sz="5000" cap="all" dirty="0"/>
               <a:t>Tetris Game</a:t>
             </a:r>
           </a:p>
@@ -7472,9 +7504,22 @@
           <a:p>
             <a:pPr algn="ctr" defTabSz="914400"/>
             <a:r>
-              <a:rPr lang="en-US" sz="7200" cap="all"/>
-              <a:t>JUnit Tests</a:t>
+              <a:rPr lang="en-US" sz="7200" cap="all" dirty="0"/>
+              <a:t>J</a:t>
             </a:r>
+            <a:r>
+              <a:rPr lang="en-US" sz="7200" dirty="0"/>
+              <a:t>unit</a:t>
+            </a:r>
+            <a:r>
+              <a:rPr lang="en-US" sz="7200" cap="all" dirty="0"/>
+              <a:t> T</a:t>
+            </a:r>
+            <a:r>
+              <a:rPr lang="en-US" sz="7200" dirty="0"/>
+              <a:t>ests</a:t>
+            </a:r>
+            <a:endParaRPr lang="en-US" sz="7200" cap="all" dirty="0"/>
           </a:p>
         </p:txBody>
       </p:sp>
@@ -8255,18 +8300,58 @@
           </a:bodyPr>
           <a:lstStyle/>
           <a:p>
-            <a:pPr defTabSz="914400">
+            <a:pPr algn="ctr" defTabSz="914400">
               <a:spcBef>
                 <a:spcPct val="0"/>
               </a:spcBef>
             </a:pPr>
             <a:r>
-              <a:rPr lang="en-US" sz="2500" cap="all">
+              <a:rPr lang="en-US" sz="2500" cap="all" dirty="0">
                 <a:solidFill>
                   <a:srgbClr val="FFFFFF"/>
                 </a:solidFill>
               </a:rPr>
-              <a:t>Code Coverage Analysis</a:t>
+              <a:t>C</a:t>
+            </a:r>
+            <a:r>
+              <a:rPr lang="en-US" sz="2500" dirty="0">
+                <a:solidFill>
+                  <a:srgbClr val="FFFFFF"/>
+                </a:solidFill>
+              </a:rPr>
+              <a:t>ode</a:t>
+            </a:r>
+            <a:r>
+              <a:rPr lang="en-US" sz="2500" cap="all" dirty="0">
+                <a:solidFill>
+                  <a:srgbClr val="FFFFFF"/>
+                </a:solidFill>
+              </a:rPr>
+              <a:t> C</a:t>
+            </a:r>
+            <a:r>
+              <a:rPr lang="en-US" sz="2500" dirty="0">
+                <a:solidFill>
+                  <a:srgbClr val="FFFFFF"/>
+                </a:solidFill>
+              </a:rPr>
+              <a:t>overage</a:t>
+            </a:r>
+            <a:r>
+              <a:rPr lang="en-US" sz="2500" cap="all" dirty="0">
+                <a:solidFill>
+                  <a:srgbClr val="FFFFFF"/>
+                </a:solidFill>
+              </a:rPr>
+              <a:t> A</a:t>
+            </a:r>
+            <a:r>
+              <a:rPr lang="en-US" sz="2500" dirty="0">
+                <a:solidFill>
+                  <a:srgbClr val="FFFFFF"/>
+                </a:solidFill>
+              </a:rPr>
+              <a:t>nalysis</a:t>
             </a:r>
             <a:endParaRPr lang="en-US" sz="2500" cap="all" dirty="0">
               <a:solidFill>
@@ -9607,7 +9692,7 @@
         </p:nvGrpSpPr>
         <p:grpSpPr>
           <a:xfrm>
-            <a:off x="4697663" y="1275015"/>
+            <a:off x="4559351" y="1236595"/>
             <a:ext cx="4446337" cy="2970981"/>
             <a:chOff x="4597772" y="1715870"/>
             <a:chExt cx="4023713" cy="2648661"/>
@@ -9726,12 +9811,20 @@
               </a:spcBef>
             </a:pPr>
             <a:r>
-              <a:rPr lang="en-US" sz="2500" cap="all" dirty="0">
+              <a:rPr lang="en-US" sz="3200" b="1" dirty="0"/>
+              <a:t>Executing</a:t>
+            </a:r>
+            <a:r>
+              <a:rPr lang="en-US" sz="2500" b="1" cap="all" dirty="0">
                 <a:solidFill>
                   <a:schemeClr val="tx1"/>
                 </a:solidFill>
               </a:rPr>
-              <a:t>Execution of the TEST Suite</a:t>
+              <a:t> </a:t>
+            </a:r>
+            <a:r>
+              <a:rPr lang="en-US" sz="3200" b="1" dirty="0"/>
+              <a:t>the Test Suite</a:t>
             </a:r>
           </a:p>
         </p:txBody>
@@ -9758,7 +9851,7 @@
         </p:blipFill>
         <p:spPr>
           <a:xfrm>
-            <a:off x="275157" y="1366189"/>
+            <a:off x="190633" y="1327769"/>
             <a:ext cx="4294210" cy="2829292"/>
           </a:xfrm>
           <a:prstGeom prst="rect">

--- a/Java-TetrisTest-master/documentation/Presentation - Group.pptx
+++ b/Java-TetrisTest-master/documentation/Presentation - Group.pptx
@@ -9897,21 +9897,21 @@
           <a:chExt cx="0" cy="0"/>
         </a:xfrm>
       </p:grpSpPr>
-      <p:sp>
-        <p:nvSpPr>
-          <p:cNvPr id="25" name="Rectangle 16">
+      <p:grpSp>
+        <p:nvGrpSpPr>
+          <p:cNvPr id="90" name="Group 79">
             <a:extLst>
               <a:ext uri="{FF2B5EF4-FFF2-40B4-BE49-F238E27FC236}">
-                <a16:creationId xmlns:a16="http://schemas.microsoft.com/office/drawing/2014/main" id="{2A97F59D-628C-4053-B41F-489D0045FD5C}"/>
+                <a16:creationId xmlns:a16="http://schemas.microsoft.com/office/drawing/2014/main" id="{9D9D6BF1-DFF2-4526-9D13-BF339D8C4163}"/>
               </a:ext>
               <a:ext uri="{C183D7F6-B498-43B3-948B-1728B52AA6E4}">
                 <adec:decorative xmlns:adec="http://schemas.microsoft.com/office/drawing/2017/decorative" val="1"/>
               </a:ext>
             </a:extLst>
           </p:cNvPr>
-          <p:cNvSpPr>
-            <a:spLocks noGrp="1" noRot="1" noChangeAspect="1" noMove="1" noResize="1" noEditPoints="1" noAdjustHandles="1" noChangeArrowheads="1" noChangeShapeType="1" noTextEdit="1"/>
-          </p:cNvSpPr>
+          <p:cNvGrpSpPr>
+            <a:grpSpLocks noGrp="1" noUngrp="1" noRot="1" noChangeAspect="1" noMove="1" noResize="1"/>
+          </p:cNvGrpSpPr>
           <p:nvPr>
             <p:extLst>
               <p:ext uri="{386F3935-93C4-4BCD-93E2-E3B085C9AB24}">
@@ -9919,94 +9919,160 @@
               </p:ext>
             </p:extLst>
           </p:nvPr>
-        </p:nvSpPr>
-        <p:spPr>
-          <a:xfrm>
-            <a:off x="358571" y="282"/>
-            <a:ext cx="171450" cy="5143500"/>
-          </a:xfrm>
-          <a:prstGeom prst="rect">
-            <a:avLst/>
-          </a:prstGeom>
-          <a:solidFill>
-            <a:schemeClr val="tx2"/>
-          </a:solidFill>
-          <a:ln>
-            <a:noFill/>
-          </a:ln>
-        </p:spPr>
-        <p:style>
-          <a:lnRef idx="2">
-            <a:schemeClr val="accent1">
-              <a:shade val="50000"/>
-            </a:schemeClr>
-          </a:lnRef>
-          <a:fillRef idx="1">
-            <a:schemeClr val="accent1"/>
-          </a:fillRef>
-          <a:effectRef idx="0">
-            <a:schemeClr val="accent1"/>
-          </a:effectRef>
-          <a:fontRef idx="minor">
-            <a:schemeClr val="lt1"/>
-          </a:fontRef>
-        </p:style>
-      </p:sp>
-      <p:sp>
-        <p:nvSpPr>
-          <p:cNvPr id="26" name="Rectangle 18">
-            <a:extLst>
-              <a:ext uri="{FF2B5EF4-FFF2-40B4-BE49-F238E27FC236}">
-                <a16:creationId xmlns:a16="http://schemas.microsoft.com/office/drawing/2014/main" id="{3362DFFC-4DCC-48EE-B781-94D04B95F1E8}"/>
-              </a:ext>
-              <a:ext uri="{C183D7F6-B498-43B3-948B-1728B52AA6E4}">
-                <adec:decorative xmlns:adec="http://schemas.microsoft.com/office/drawing/2017/decorative" val="1"/>
-              </a:ext>
-            </a:extLst>
-          </p:cNvPr>
-          <p:cNvSpPr>
-            <a:spLocks noGrp="1" noRot="1" noChangeAspect="1" noMove="1" noResize="1" noEditPoints="1" noAdjustHandles="1" noChangeArrowheads="1" noChangeShapeType="1" noTextEdit="1"/>
-          </p:cNvSpPr>
-          <p:nvPr>
-            <p:extLst>
-              <p:ext uri="{386F3935-93C4-4BCD-93E2-E3B085C9AB24}">
-                <p16:designElem xmlns:p16="http://schemas.microsoft.com/office/powerpoint/2015/main" val="1"/>
-              </p:ext>
-            </p:extLst>
-          </p:nvPr>
-        </p:nvSpPr>
-        <p:spPr>
-          <a:xfrm>
-            <a:off x="0" y="282"/>
-            <a:ext cx="3977640" cy="5143218"/>
-          </a:xfrm>
-          <a:prstGeom prst="rect">
-            <a:avLst/>
-          </a:prstGeom>
-          <a:solidFill>
-            <a:schemeClr val="tx2"/>
-          </a:solidFill>
-          <a:ln>
-            <a:noFill/>
-          </a:ln>
-        </p:spPr>
-        <p:style>
-          <a:lnRef idx="2">
-            <a:schemeClr val="accent1">
-              <a:shade val="50000"/>
-            </a:schemeClr>
-          </a:lnRef>
-          <a:fillRef idx="1">
-            <a:schemeClr val="accent1"/>
-          </a:fillRef>
-          <a:effectRef idx="0">
-            <a:schemeClr val="accent1"/>
-          </a:effectRef>
-          <a:fontRef idx="minor">
-            <a:schemeClr val="lt1"/>
-          </a:fontRef>
-        </p:style>
-      </p:sp>
+        </p:nvGrpSpPr>
+        <p:grpSpPr>
+          <a:xfrm>
+            <a:off x="564643" y="558351"/>
+            <a:ext cx="8005589" cy="4012254"/>
+            <a:chOff x="752858" y="744469"/>
+            <a:chExt cx="10674117" cy="5349671"/>
+          </a:xfrm>
+        </p:grpSpPr>
+        <p:sp>
+          <p:nvSpPr>
+            <p:cNvPr id="81" name="Freeform 6">
+              <a:extLst>
+                <a:ext uri="{FF2B5EF4-FFF2-40B4-BE49-F238E27FC236}">
+                  <a16:creationId xmlns:a16="http://schemas.microsoft.com/office/drawing/2014/main" id="{A54D4DB6-FB18-4CAE-8905-E0053C92569E}"/>
+                </a:ext>
+                <a:ext uri="{C183D7F6-B498-43B3-948B-1728B52AA6E4}">
+                  <adec:decorative xmlns:adec="http://schemas.microsoft.com/office/drawing/2017/decorative" val="1"/>
+                </a:ext>
+              </a:extLst>
+            </p:cNvPr>
+            <p:cNvSpPr/>
+            <p:nvPr>
+              <p:extLst>
+                <p:ext uri="{386F3935-93C4-4BCD-93E2-E3B085C9AB24}">
+                  <p16:designElem xmlns:p16="http://schemas.microsoft.com/office/powerpoint/2015/main" val="1"/>
+                </p:ext>
+              </p:extLst>
+            </p:nvPr>
+          </p:nvSpPr>
+          <p:spPr bwMode="auto">
+            <a:xfrm>
+              <a:off x="8151962" y="1685652"/>
+              <a:ext cx="3275013" cy="4408488"/>
+            </a:xfrm>
+            <a:custGeom>
+              <a:avLst/>
+              <a:gdLst/>
+              <a:ahLst/>
+              <a:cxnLst/>
+              <a:rect l="l" t="t" r="r" b="b"/>
+              <a:pathLst>
+                <a:path w="10000" h="10000">
+                  <a:moveTo>
+                    <a:pt x="8761" y="0"/>
+                  </a:moveTo>
+                  <a:lnTo>
+                    <a:pt x="10000" y="0"/>
+                  </a:lnTo>
+                  <a:lnTo>
+                    <a:pt x="10000" y="10000"/>
+                  </a:lnTo>
+                  <a:lnTo>
+                    <a:pt x="0" y="10000"/>
+                  </a:lnTo>
+                  <a:lnTo>
+                    <a:pt x="0" y="9126"/>
+                  </a:lnTo>
+                  <a:lnTo>
+                    <a:pt x="8761" y="9127"/>
+                  </a:lnTo>
+                  <a:lnTo>
+                    <a:pt x="8761" y="0"/>
+                  </a:lnTo>
+                  <a:close/>
+                </a:path>
+              </a:pathLst>
+            </a:custGeom>
+            <a:solidFill>
+              <a:schemeClr val="tx2"/>
+            </a:solidFill>
+            <a:ln w="0">
+              <a:noFill/>
+              <a:prstDash val="solid"/>
+              <a:round/>
+              <a:headEnd/>
+              <a:tailEnd/>
+            </a:ln>
+          </p:spPr>
+        </p:sp>
+        <p:sp>
+          <p:nvSpPr>
+            <p:cNvPr id="82" name="Freeform 6">
+              <a:extLst>
+                <a:ext uri="{FF2B5EF4-FFF2-40B4-BE49-F238E27FC236}">
+                  <a16:creationId xmlns:a16="http://schemas.microsoft.com/office/drawing/2014/main" id="{1DBD6488-9429-4FFA-8AE8-C4022C39B0F2}"/>
+                </a:ext>
+                <a:ext uri="{C183D7F6-B498-43B3-948B-1728B52AA6E4}">
+                  <adec:decorative xmlns:adec="http://schemas.microsoft.com/office/drawing/2017/decorative" val="1"/>
+                </a:ext>
+              </a:extLst>
+            </p:cNvPr>
+            <p:cNvSpPr/>
+            <p:nvPr>
+              <p:extLst>
+                <p:ext uri="{386F3935-93C4-4BCD-93E2-E3B085C9AB24}">
+                  <p16:designElem xmlns:p16="http://schemas.microsoft.com/office/powerpoint/2015/main" val="1"/>
+                </p:ext>
+              </p:extLst>
+            </p:nvPr>
+          </p:nvSpPr>
+          <p:spPr bwMode="auto">
+            <a:xfrm flipH="1" flipV="1">
+              <a:off x="752858" y="744469"/>
+              <a:ext cx="3275668" cy="4408488"/>
+            </a:xfrm>
+            <a:custGeom>
+              <a:avLst/>
+              <a:gdLst/>
+              <a:ahLst/>
+              <a:cxnLst/>
+              <a:rect l="l" t="t" r="r" b="b"/>
+              <a:pathLst>
+                <a:path w="10002" h="10000">
+                  <a:moveTo>
+                    <a:pt x="8763" y="0"/>
+                  </a:moveTo>
+                  <a:lnTo>
+                    <a:pt x="10002" y="0"/>
+                  </a:lnTo>
+                  <a:lnTo>
+                    <a:pt x="10002" y="10000"/>
+                  </a:lnTo>
+                  <a:lnTo>
+                    <a:pt x="2" y="10000"/>
+                  </a:lnTo>
+                  <a:cubicBezTo>
+                    <a:pt x="-2" y="9698"/>
+                    <a:pt x="4" y="9427"/>
+                    <a:pt x="0" y="9125"/>
+                  </a:cubicBezTo>
+                  <a:lnTo>
+                    <a:pt x="8763" y="9128"/>
+                  </a:lnTo>
+                  <a:lnTo>
+                    <a:pt x="8763" y="0"/>
+                  </a:lnTo>
+                  <a:close/>
+                </a:path>
+              </a:pathLst>
+            </a:custGeom>
+            <a:solidFill>
+              <a:schemeClr val="tx2"/>
+            </a:solidFill>
+            <a:ln w="0">
+              <a:noFill/>
+              <a:prstDash val="solid"/>
+              <a:round/>
+              <a:headEnd/>
+              <a:tailEnd/>
+            </a:ln>
+          </p:spPr>
+        </p:sp>
+      </p:grpSp>
       <p:sp>
         <p:nvSpPr>
           <p:cNvPr id="2" name="Title 1">
@@ -10025,126 +10091,75 @@
         </p:nvSpPr>
         <p:spPr>
           <a:xfrm>
-            <a:off x="480060" y="593677"/>
-            <a:ext cx="3014130" cy="3946793"/>
+            <a:off x="1155126" y="1623853"/>
+            <a:ext cx="2023964" cy="947897"/>
           </a:xfrm>
         </p:spPr>
         <p:txBody>
-          <a:bodyPr vert="horz" lIns="91440" tIns="45720" rIns="91440" bIns="45720" rtlCol="0" anchor="ctr">
+          <a:bodyPr vert="horz" lIns="91440" tIns="45720" rIns="91440" bIns="45720" rtlCol="0" anchor="b">
             <a:normAutofit/>
           </a:bodyPr>
           <a:lstStyle/>
           <a:p>
-            <a:pPr algn="r" defTabSz="914400">
+            <a:pPr algn="ctr" defTabSz="914400">
               <a:spcBef>
                 <a:spcPct val="0"/>
               </a:spcBef>
             </a:pPr>
             <a:r>
-              <a:rPr lang="en-US" sz="4100" dirty="0">
-                <a:solidFill>
-                  <a:schemeClr val="bg2"/>
-                </a:solidFill>
-              </a:rPr>
-              <a:t>Code for Stress Testing</a:t>
+              <a:rPr lang="en-US" sz="3100" dirty="0"/>
+              <a:t>Stress Testing</a:t>
             </a:r>
           </a:p>
         </p:txBody>
       </p:sp>
-      <p:sp>
-        <p:nvSpPr>
-          <p:cNvPr id="27" name="Rectangle 20">
+      <p:pic>
+        <p:nvPicPr>
+          <p:cNvPr id="5" name="Picture 8">
             <a:extLst>
               <a:ext uri="{FF2B5EF4-FFF2-40B4-BE49-F238E27FC236}">
-                <a16:creationId xmlns:a16="http://schemas.microsoft.com/office/drawing/2014/main" id="{18B8B265-E68C-4B64-9238-781F0102C57B}"/>
-              </a:ext>
-              <a:ext uri="{C183D7F6-B498-43B3-948B-1728B52AA6E4}">
-                <adec:decorative xmlns:adec="http://schemas.microsoft.com/office/drawing/2017/decorative" val="1"/>
+                <a16:creationId xmlns:a16="http://schemas.microsoft.com/office/drawing/2014/main" id="{A8886ECB-A931-4CA9-A514-D43C6E3284CE}"/>
               </a:ext>
             </a:extLst>
           </p:cNvPr>
-          <p:cNvSpPr>
-            <a:spLocks noGrp="1" noRot="1" noChangeAspect="1" noMove="1" noResize="1" noEditPoints="1" noAdjustHandles="1" noChangeArrowheads="1" noChangeShapeType="1" noTextEdit="1"/>
-          </p:cNvSpPr>
-          <p:nvPr>
-            <p:extLst>
-              <p:ext uri="{386F3935-93C4-4BCD-93E2-E3B085C9AB24}">
-                <p16:designElem xmlns:p16="http://schemas.microsoft.com/office/powerpoint/2015/main" val="1"/>
-              </p:ext>
-            </p:extLst>
-          </p:nvPr>
-        </p:nvSpPr>
-        <p:spPr>
-          <a:xfrm>
-            <a:off x="3977640" y="282"/>
-            <a:ext cx="171450" cy="5143500"/>
+          <p:cNvPicPr>
+            <a:picLocks noChangeAspect="1" noChangeArrowheads="1"/>
+          </p:cNvPicPr>
+          <p:nvPr/>
+        </p:nvPicPr>
+        <p:blipFill>
+          <a:blip r:embed="rId2">
+            <a:extLst>
+              <a:ext uri="{28A0092B-C50C-407E-A947-70E740481C1C}">
+                <a14:useLocalDpi xmlns:a14="http://schemas.microsoft.com/office/drawing/2010/main" val="0"/>
+              </a:ext>
+            </a:extLst>
+          </a:blip>
+          <a:srcRect/>
+          <a:stretch>
+            <a:fillRect/>
+          </a:stretch>
+        </p:blipFill>
+        <p:spPr bwMode="auto">
+          <a:xfrm>
+            <a:off x="3642612" y="68263"/>
+            <a:ext cx="5501387" cy="5006975"/>
           </a:xfrm>
           <a:prstGeom prst="rect">
             <a:avLst/>
           </a:prstGeom>
-          <a:solidFill>
-            <a:schemeClr val="accent1">
-              <a:lumMod val="75000"/>
-            </a:schemeClr>
-          </a:solidFill>
-          <a:ln>
-            <a:noFill/>
-          </a:ln>
-        </p:spPr>
-        <p:style>
-          <a:lnRef idx="2">
-            <a:schemeClr val="accent1">
-              <a:shade val="50000"/>
-            </a:schemeClr>
-          </a:lnRef>
-          <a:fillRef idx="1">
-            <a:schemeClr val="accent1"/>
-          </a:fillRef>
-          <a:effectRef idx="0">
-            <a:schemeClr val="accent1"/>
-          </a:effectRef>
-          <a:fontRef idx="minor">
-            <a:schemeClr val="lt1"/>
-          </a:fontRef>
-        </p:style>
-      </p:sp>
-      <p:sp>
-        <p:nvSpPr>
-          <p:cNvPr id="3" name="Text Placeholder 2">
-            <a:extLst>
-              <a:ext uri="{FF2B5EF4-FFF2-40B4-BE49-F238E27FC236}">
-                <a16:creationId xmlns:a16="http://schemas.microsoft.com/office/drawing/2014/main" id="{A15F5C3B-A79C-4086-967F-2E9F51146496}"/>
-              </a:ext>
-            </a:extLst>
-          </p:cNvPr>
-          <p:cNvSpPr>
-            <a:spLocks noGrp="1"/>
-          </p:cNvSpPr>
-          <p:nvPr>
-            <p:ph type="body" idx="1"/>
-          </p:nvPr>
-        </p:nvSpPr>
-        <p:spPr>
-          <a:xfrm>
-            <a:off x="4632540" y="593677"/>
-            <a:ext cx="3669231" cy="3946793"/>
-          </a:xfrm>
-        </p:spPr>
-        <p:txBody>
-          <a:bodyPr vert="horz" lIns="91440" tIns="45720" rIns="91440" bIns="45720" rtlCol="0" anchor="ctr">
-            <a:normAutofit/>
-          </a:bodyPr>
-          <a:lstStyle/>
-          <a:p>
-            <a:pPr indent="-384048" defTabSz="914400">
-              <a:spcAft>
-                <a:spcPts val="200"/>
-              </a:spcAft>
-            </a:pPr>
-            <a:endParaRPr lang="en-US" sz="1400"/>
-          </a:p>
-        </p:txBody>
-      </p:sp>
+          <a:noFill/>
+          <a:extLst>
+            <a:ext uri="{909E8E84-426E-40DD-AFC4-6F175D3DCCD1}">
+              <a14:hiddenFill xmlns:a14="http://schemas.microsoft.com/office/drawing/2010/main">
+                <a:solidFill>
+                  <a:srgbClr val="FFFFFF"/>
+                </a:solidFill>
+              </a14:hiddenFill>
+            </a:ext>
+          </a:extLst>
+        </p:spPr>
+      </p:pic>
     </p:spTree>
     <p:extLst>
       <p:ext uri="{BB962C8B-B14F-4D97-AF65-F5344CB8AC3E}">

--- a/Java-TetrisTest-master/documentation/Presentation - Group.pptx
+++ b/Java-TetrisTest-master/documentation/Presentation - Group.pptx
@@ -1027,7 +1027,7 @@
           <a:p>
             <a:fld id="{48A87A34-81AB-432B-8DAE-1953F412C126}" type="datetimeFigureOut">
               <a:rPr lang="en-US" smtClean="0"/>
-              <a:t>5/31/2020</a:t>
+              <a:t>6/1/2020</a:t>
             </a:fld>
             <a:endParaRPr lang="en-US" dirty="0"/>
           </a:p>
@@ -1367,7 +1367,7 @@
           <a:p>
             <a:fld id="{48A87A34-81AB-432B-8DAE-1953F412C126}" type="datetimeFigureOut">
               <a:rPr lang="en-US" smtClean="0"/>
-              <a:t>5/31/2020</a:t>
+              <a:t>6/1/2020</a:t>
             </a:fld>
             <a:endParaRPr lang="en-US" dirty="0"/>
           </a:p>
@@ -1557,7 +1557,7 @@
           <a:p>
             <a:fld id="{48A87A34-81AB-432B-8DAE-1953F412C126}" type="datetimeFigureOut">
               <a:rPr lang="en-US" smtClean="0"/>
-              <a:t>5/31/2020</a:t>
+              <a:t>6/1/2020</a:t>
             </a:fld>
             <a:endParaRPr lang="en-US" dirty="0"/>
           </a:p>
@@ -2421,7 +2421,7 @@
           <a:p>
             <a:fld id="{48A87A34-81AB-432B-8DAE-1953F412C126}" type="datetimeFigureOut">
               <a:rPr lang="en-US" smtClean="0"/>
-              <a:t>5/31/2020</a:t>
+              <a:t>6/1/2020</a:t>
             </a:fld>
             <a:endParaRPr lang="en-US" dirty="0"/>
           </a:p>
@@ -2708,7 +2708,7 @@
           <a:p>
             <a:fld id="{48A87A34-81AB-432B-8DAE-1953F412C126}" type="datetimeFigureOut">
               <a:rPr lang="en-US" smtClean="0"/>
-              <a:t>5/31/2020</a:t>
+              <a:t>6/1/2020</a:t>
             </a:fld>
             <a:endParaRPr lang="en-US" dirty="0"/>
           </a:p>
@@ -3112,7 +3112,7 @@
           <a:p>
             <a:fld id="{48A87A34-81AB-432B-8DAE-1953F412C126}" type="datetimeFigureOut">
               <a:rPr lang="en-US" smtClean="0"/>
-              <a:t>5/31/2020</a:t>
+              <a:t>6/1/2020</a:t>
             </a:fld>
             <a:endParaRPr lang="en-US" dirty="0"/>
           </a:p>
@@ -3599,7 +3599,7 @@
           <a:p>
             <a:fld id="{48A87A34-81AB-432B-8DAE-1953F412C126}" type="datetimeFigureOut">
               <a:rPr lang="en-US" smtClean="0"/>
-              <a:t>5/31/2020</a:t>
+              <a:t>6/1/2020</a:t>
             </a:fld>
             <a:endParaRPr lang="en-US" dirty="0"/>
           </a:p>
@@ -3727,7 +3727,7 @@
           <a:p>
             <a:fld id="{48A87A34-81AB-432B-8DAE-1953F412C126}" type="datetimeFigureOut">
               <a:rPr lang="en-US" smtClean="0"/>
-              <a:t>5/31/2020</a:t>
+              <a:t>6/1/2020</a:t>
             </a:fld>
             <a:endParaRPr lang="en-US" dirty="0"/>
           </a:p>
@@ -3832,7 +3832,7 @@
           <a:p>
             <a:fld id="{48A87A34-81AB-432B-8DAE-1953F412C126}" type="datetimeFigureOut">
               <a:rPr lang="en-US" smtClean="0"/>
-              <a:t>5/31/2020</a:t>
+              <a:t>6/1/2020</a:t>
             </a:fld>
             <a:endParaRPr lang="en-US" dirty="0"/>
           </a:p>
@@ -4187,7 +4187,7 @@
           <a:p>
             <a:fld id="{48A87A34-81AB-432B-8DAE-1953F412C126}" type="datetimeFigureOut">
               <a:rPr lang="en-US" smtClean="0"/>
-              <a:t>5/31/2020</a:t>
+              <a:t>6/1/2020</a:t>
             </a:fld>
             <a:endParaRPr lang="en-US" dirty="0"/>
           </a:p>
@@ -4585,7 +4585,7 @@
           <a:p>
             <a:fld id="{48A87A34-81AB-432B-8DAE-1953F412C126}" type="datetimeFigureOut">
               <a:rPr lang="en-US" smtClean="0"/>
-              <a:t>5/31/2020</a:t>
+              <a:t>6/1/2020</a:t>
             </a:fld>
             <a:endParaRPr lang="en-US" dirty="0"/>
           </a:p>
@@ -4874,7 +4874,7 @@
             <a:fld id="{48A87A34-81AB-432B-8DAE-1953F412C126}" type="datetimeFigureOut">
               <a:rPr lang="en-US" smtClean="0"/>
               <a:pPr/>
-              <a:t>5/31/2020</a:t>
+              <a:t>6/1/2020</a:t>
             </a:fld>
             <a:endParaRPr lang="en-US" dirty="0"/>
           </a:p>
@@ -7920,7 +7920,7 @@
     <p:bg>
       <p:bgPr>
         <a:solidFill>
-          <a:schemeClr val="bg2"/>
+          <a:schemeClr val="bg1"/>
         </a:solidFill>
         <a:effectLst/>
       </p:bgPr>
@@ -7941,7 +7941,7 @@
       </p:grpSpPr>
       <p:grpSp>
         <p:nvGrpSpPr>
-          <p:cNvPr id="27" name="Group 19">
+          <p:cNvPr id="34" name="Group 33">
             <a:extLst>
               <a:ext uri="{FF2B5EF4-FFF2-40B4-BE49-F238E27FC236}">
                 <a16:creationId xmlns:a16="http://schemas.microsoft.com/office/drawing/2014/main" id="{9D9D6BF1-DFF2-4526-9D13-BF339D8C4163}"/>
@@ -7972,7 +7972,7 @@
         </p:grpSpPr>
         <p:sp>
           <p:nvSpPr>
-            <p:cNvPr id="21" name="Freeform 6">
+            <p:cNvPr id="35" name="Freeform 6">
               <a:extLst>
                 <a:ext uri="{FF2B5EF4-FFF2-40B4-BE49-F238E27FC236}">
                   <a16:creationId xmlns:a16="http://schemas.microsoft.com/office/drawing/2014/main" id="{A54D4DB6-FB18-4CAE-8905-E0053C92569E}"/>
@@ -8043,7 +8043,7 @@
         </p:sp>
         <p:sp>
           <p:nvSpPr>
-            <p:cNvPr id="22" name="Freeform 6">
+            <p:cNvPr id="36" name="Freeform 6">
               <a:extLst>
                 <a:ext uri="{FF2B5EF4-FFF2-40B4-BE49-F238E27FC236}">
                   <a16:creationId xmlns:a16="http://schemas.microsoft.com/office/drawing/2014/main" id="{1DBD6488-9429-4FFA-8AE8-C4022C39B0F2}"/>
@@ -8115,12 +8115,12 @@
           </p:spPr>
         </p:sp>
       </p:grpSp>
-      <p:sp>
-        <p:nvSpPr>
-          <p:cNvPr id="29" name="Rectangle 23">
+      <p:sp useBgFill="1">
+        <p:nvSpPr>
+          <p:cNvPr id="38" name="Rectangle 37">
             <a:extLst>
               <a:ext uri="{FF2B5EF4-FFF2-40B4-BE49-F238E27FC236}">
-                <a16:creationId xmlns:a16="http://schemas.microsoft.com/office/drawing/2014/main" id="{56C94072-1B34-48FB-9A9C-5A9A0FFC857C}"/>
+                <a16:creationId xmlns:a16="http://schemas.microsoft.com/office/drawing/2014/main" id="{B709ADC9-6EAF-4268-9415-1ED5ECFA2218}"/>
               </a:ext>
               <a:ext uri="{C183D7F6-B498-43B3-948B-1728B52AA6E4}">
                 <adec:decorative xmlns:adec="http://schemas.microsoft.com/office/drawing/2017/decorative" val="1"/>
@@ -8146,9 +8146,6 @@
           <a:prstGeom prst="rect">
             <a:avLst/>
           </a:prstGeom>
-          <a:solidFill>
-            <a:schemeClr val="bg2"/>
-          </a:solidFill>
           <a:ln>
             <a:noFill/>
           </a:ln>
@@ -8193,7 +8190,9 @@
           <p:nvPr/>
         </p:nvPicPr>
         <p:blipFill rotWithShape="1">
-          <a:blip r:embed="rId2"/>
+          <a:blip r:embed="rId2">
+            <a:alphaModFix amt="40000"/>
+          </a:blip>
           <a:srcRect t="7017" b="8714"/>
           <a:stretch/>
         </p:blipFill>
@@ -8207,71 +8206,6 @@
           </a:prstGeom>
         </p:spPr>
       </p:pic>
-      <p:sp>
-        <p:nvSpPr>
-          <p:cNvPr id="26" name="Rectangle 25">
-            <a:extLst>
-              <a:ext uri="{FF2B5EF4-FFF2-40B4-BE49-F238E27FC236}">
-                <a16:creationId xmlns:a16="http://schemas.microsoft.com/office/drawing/2014/main" id="{1D5941F3-0256-4E90-BBBC-5A6EDEB8E0AF}"/>
-              </a:ext>
-              <a:ext uri="{C183D7F6-B498-43B3-948B-1728B52AA6E4}">
-                <adec:decorative xmlns:adec="http://schemas.microsoft.com/office/drawing/2017/decorative" val="1"/>
-              </a:ext>
-            </a:extLst>
-          </p:cNvPr>
-          <p:cNvSpPr>
-            <a:spLocks noGrp="1" noRot="1" noChangeAspect="1" noMove="1" noResize="1" noEditPoints="1" noAdjustHandles="1" noChangeArrowheads="1" noChangeShapeType="1" noTextEdit="1"/>
-          </p:cNvSpPr>
-          <p:nvPr>
-            <p:extLst>
-              <p:ext uri="{386F3935-93C4-4BCD-93E2-E3B085C9AB24}">
-                <p16:designElem xmlns:p16="http://schemas.microsoft.com/office/powerpoint/2015/main" val="1"/>
-              </p:ext>
-            </p:extLst>
-          </p:nvPr>
-        </p:nvSpPr>
-        <p:spPr>
-          <a:xfrm>
-            <a:off x="4603503" y="3125066"/>
-            <a:ext cx="4205931" cy="1530049"/>
-          </a:xfrm>
-          <a:prstGeom prst="rect">
-            <a:avLst/>
-          </a:prstGeom>
-          <a:solidFill>
-            <a:srgbClr val="000000">
-              <a:alpha val="80000"/>
-            </a:srgbClr>
-          </a:solidFill>
-          <a:ln>
-            <a:noFill/>
-          </a:ln>
-        </p:spPr>
-        <p:style>
-          <a:lnRef idx="2">
-            <a:schemeClr val="accent1">
-              <a:shade val="50000"/>
-            </a:schemeClr>
-          </a:lnRef>
-          <a:fillRef idx="1">
-            <a:schemeClr val="accent1"/>
-          </a:fillRef>
-          <a:effectRef idx="0">
-            <a:schemeClr val="accent1"/>
-          </a:effectRef>
-          <a:fontRef idx="minor">
-            <a:schemeClr val="lt1"/>
-          </a:fontRef>
-        </p:style>
-        <p:txBody>
-          <a:bodyPr rtlCol="0" anchor="ctr"/>
-          <a:lstStyle/>
-          <a:p>
-            <a:pPr algn="ctr"/>
-            <a:endParaRPr lang="en-US"/>
-          </a:p>
-        </p:txBody>
-      </p:sp>
       <p:sp>
         <p:nvSpPr>
           <p:cNvPr id="2" name="Title 1">
@@ -8290,8 +8224,8 @@
         </p:nvSpPr>
         <p:spPr>
           <a:xfrm>
-            <a:off x="4723507" y="3249756"/>
-            <a:ext cx="3951133" cy="814678"/>
+            <a:off x="1436346" y="1341340"/>
+            <a:ext cx="6270921" cy="1573670"/>
           </a:xfrm>
         </p:spPr>
         <p:txBody>
@@ -8306,167 +8240,59 @@
               </a:spcBef>
             </a:pPr>
             <a:r>
-              <a:rPr lang="en-US" sz="2500" cap="all" dirty="0">
+              <a:rPr lang="en-US" sz="5000" cap="all"/>
+              <a:t>Code Coverage Analysis</a:t>
+            </a:r>
+            <a:endParaRPr lang="en-US" sz="5000" cap="all" dirty="0"/>
+          </a:p>
+        </p:txBody>
+      </p:sp>
+      <p:pic>
+        <p:nvPicPr>
+          <p:cNvPr id="30" name="Picture 2">
+            <a:extLst>
+              <a:ext uri="{FF2B5EF4-FFF2-40B4-BE49-F238E27FC236}">
+                <a16:creationId xmlns:a16="http://schemas.microsoft.com/office/drawing/2014/main" id="{9DBC0E6C-6025-4E83-949A-8C4096E097FC}"/>
+              </a:ext>
+            </a:extLst>
+          </p:cNvPr>
+          <p:cNvPicPr>
+            <a:picLocks noChangeAspect="1" noChangeArrowheads="1"/>
+          </p:cNvPicPr>
+          <p:nvPr/>
+        </p:nvPicPr>
+        <p:blipFill>
+          <a:blip r:embed="rId3">
+            <a:extLst>
+              <a:ext uri="{28A0092B-C50C-407E-A947-70E740481C1C}">
+                <a14:useLocalDpi xmlns:a14="http://schemas.microsoft.com/office/drawing/2010/main" val="0"/>
+              </a:ext>
+            </a:extLst>
+          </a:blip>
+          <a:stretch>
+            <a:fillRect/>
+          </a:stretch>
+        </p:blipFill>
+        <p:spPr bwMode="auto">
+          <a:xfrm>
+            <a:off x="989190" y="2292528"/>
+            <a:ext cx="7212257" cy="2109586"/>
+          </a:xfrm>
+          <a:prstGeom prst="rect">
+            <a:avLst/>
+          </a:prstGeom>
+          <a:noFill/>
+          <a:extLst>
+            <a:ext uri="{909E8E84-426E-40DD-AFC4-6F175D3DCCD1}">
+              <a14:hiddenFill xmlns:a14="http://schemas.microsoft.com/office/drawing/2010/main">
                 <a:solidFill>
                   <a:srgbClr val="FFFFFF"/>
                 </a:solidFill>
-              </a:rPr>
-              <a:t>C</a:t>
-            </a:r>
-            <a:r>
-              <a:rPr lang="en-US" sz="2500" dirty="0">
-                <a:solidFill>
-                  <a:srgbClr val="FFFFFF"/>
-                </a:solidFill>
-              </a:rPr>
-              <a:t>ode</a:t>
-            </a:r>
-            <a:r>
-              <a:rPr lang="en-US" sz="2500" cap="all" dirty="0">
-                <a:solidFill>
-                  <a:srgbClr val="FFFFFF"/>
-                </a:solidFill>
-              </a:rPr>
-              <a:t> C</a:t>
-            </a:r>
-            <a:r>
-              <a:rPr lang="en-US" sz="2500" dirty="0">
-                <a:solidFill>
-                  <a:srgbClr val="FFFFFF"/>
-                </a:solidFill>
-              </a:rPr>
-              <a:t>overage</a:t>
-            </a:r>
-            <a:r>
-              <a:rPr lang="en-US" sz="2500" cap="all" dirty="0">
-                <a:solidFill>
-                  <a:srgbClr val="FFFFFF"/>
-                </a:solidFill>
-              </a:rPr>
-              <a:t> A</a:t>
-            </a:r>
-            <a:r>
-              <a:rPr lang="en-US" sz="2500" dirty="0">
-                <a:solidFill>
-                  <a:srgbClr val="FFFFFF"/>
-                </a:solidFill>
-              </a:rPr>
-              <a:t>nalysis</a:t>
-            </a:r>
-            <a:endParaRPr lang="en-US" sz="2500" cap="all" dirty="0">
-              <a:solidFill>
-                <a:srgbClr val="FFFFFF"/>
-              </a:solidFill>
-            </a:endParaRPr>
-          </a:p>
-        </p:txBody>
-      </p:sp>
-      <p:sp>
-        <p:nvSpPr>
-          <p:cNvPr id="28" name="Freeform: Shape 27">
-            <a:extLst>
-              <a:ext uri="{FF2B5EF4-FFF2-40B4-BE49-F238E27FC236}">
-                <a16:creationId xmlns:a16="http://schemas.microsoft.com/office/drawing/2014/main" id="{A5019358-4900-4555-99FF-EF6AE90B8E32}"/>
-              </a:ext>
-              <a:ext uri="{C183D7F6-B498-43B3-948B-1728B52AA6E4}">
-                <adec:decorative xmlns:adec="http://schemas.microsoft.com/office/drawing/2017/decorative" val="1"/>
-              </a:ext>
-            </a:extLst>
-          </p:cNvPr>
-          <p:cNvSpPr>
-            <a:spLocks noGrp="1" noRot="1" noChangeAspect="1" noMove="1" noResize="1" noEditPoints="1" noAdjustHandles="1" noChangeArrowheads="1" noChangeShapeType="1" noTextEdit="1"/>
-          </p:cNvSpPr>
-          <p:nvPr>
-            <p:extLst>
-              <p:ext uri="{386F3935-93C4-4BCD-93E2-E3B085C9AB24}">
-                <p16:designElem xmlns:p16="http://schemas.microsoft.com/office/powerpoint/2015/main" val="1"/>
-              </p:ext>
-            </p:extLst>
-          </p:nvPr>
-        </p:nvSpPr>
-        <p:spPr bwMode="auto">
-          <a:xfrm flipH="1" flipV="1">
-            <a:off x="4252609" y="2782687"/>
-            <a:ext cx="1598600" cy="1373177"/>
-          </a:xfrm>
-          <a:custGeom>
-            <a:avLst/>
-            <a:gdLst>
-              <a:gd name="connsiteX0" fmla="*/ 2308583 w 2308583"/>
-              <a:gd name="connsiteY0" fmla="*/ 1983044 h 1983044"/>
-              <a:gd name="connsiteX1" fmla="*/ 462 w 2308583"/>
-              <a:gd name="connsiteY1" fmla="*/ 1983044 h 1983044"/>
-              <a:gd name="connsiteX2" fmla="*/ 0 w 2308583"/>
-              <a:gd name="connsiteY2" fmla="*/ 1711185 h 1983044"/>
-              <a:gd name="connsiteX3" fmla="*/ 2022607 w 2308583"/>
-              <a:gd name="connsiteY3" fmla="*/ 1712117 h 1983044"/>
-              <a:gd name="connsiteX4" fmla="*/ 2022607 w 2308583"/>
-              <a:gd name="connsiteY4" fmla="*/ 0 h 1983044"/>
-              <a:gd name="connsiteX5" fmla="*/ 2308583 w 2308583"/>
-              <a:gd name="connsiteY5" fmla="*/ 0 h 1983044"/>
-            </a:gdLst>
-            <a:ahLst/>
-            <a:cxnLst>
-              <a:cxn ang="0">
-                <a:pos x="connsiteX0" y="connsiteY0"/>
-              </a:cxn>
-              <a:cxn ang="0">
-                <a:pos x="connsiteX1" y="connsiteY1"/>
-              </a:cxn>
-              <a:cxn ang="0">
-                <a:pos x="connsiteX2" y="connsiteY2"/>
-              </a:cxn>
-              <a:cxn ang="0">
-                <a:pos x="connsiteX3" y="connsiteY3"/>
-              </a:cxn>
-              <a:cxn ang="0">
-                <a:pos x="connsiteX4" y="connsiteY4"/>
-              </a:cxn>
-              <a:cxn ang="0">
-                <a:pos x="connsiteX5" y="connsiteY5"/>
-              </a:cxn>
-            </a:cxnLst>
-            <a:rect l="l" t="t" r="r" b="b"/>
-            <a:pathLst>
-              <a:path w="2308583" h="1983044">
-                <a:moveTo>
-                  <a:pt x="2308583" y="1983044"/>
-                </a:moveTo>
-                <a:lnTo>
-                  <a:pt x="462" y="1983044"/>
-                </a:lnTo>
-                <a:cubicBezTo>
-                  <a:pt x="-462" y="1889214"/>
-                  <a:pt x="923" y="1805015"/>
-                  <a:pt x="0" y="1711185"/>
-                </a:cubicBezTo>
-                <a:lnTo>
-                  <a:pt x="2022607" y="1712117"/>
-                </a:lnTo>
-                <a:lnTo>
-                  <a:pt x="2022607" y="0"/>
-                </a:lnTo>
-                <a:lnTo>
-                  <a:pt x="2308583" y="0"/>
-                </a:lnTo>
-                <a:close/>
-              </a:path>
-            </a:pathLst>
-          </a:custGeom>
-          <a:solidFill>
-            <a:srgbClr val="FFFFFF">
-              <a:alpha val="70000"/>
-            </a:srgbClr>
-          </a:solidFill>
-          <a:ln w="0">
-            <a:noFill/>
-            <a:prstDash val="solid"/>
-            <a:round/>
-            <a:headEnd/>
-            <a:tailEnd/>
-          </a:ln>
-        </p:spPr>
-      </p:sp>
+              </a14:hiddenFill>
+            </a:ext>
+          </a:extLst>
+        </p:spPr>
+      </p:pic>
     </p:spTree>
     <p:extLst>
       <p:ext uri="{BB962C8B-B14F-4D97-AF65-F5344CB8AC3E}">
@@ -8475,7 +8301,7 @@
     </p:extLst>
   </p:cSld>
   <p:clrMapOvr>
-    <a:masterClrMapping/>
+    <a:overrideClrMapping bg1="dk1" tx1="lt1" bg2="dk2" tx2="lt2" accent1="accent1" accent2="accent2" accent3="accent3" accent4="accent4" accent5="accent5" accent6="accent6" hlink="hlink" folHlink="folHlink"/>
   </p:clrMapOvr>
 </p:sld>
 </file>
@@ -8505,21 +8331,21 @@
           <a:chExt cx="0" cy="0"/>
         </a:xfrm>
       </p:grpSpPr>
-      <p:sp>
-        <p:nvSpPr>
-          <p:cNvPr id="8" name="Rectangle 7">
+      <p:grpSp>
+        <p:nvGrpSpPr>
+          <p:cNvPr id="71" name="Group 70">
             <a:extLst>
               <a:ext uri="{FF2B5EF4-FFF2-40B4-BE49-F238E27FC236}">
-                <a16:creationId xmlns:a16="http://schemas.microsoft.com/office/drawing/2014/main" id="{2A97F59D-628C-4053-B41F-489D0045FD5C}"/>
+                <a16:creationId xmlns:a16="http://schemas.microsoft.com/office/drawing/2014/main" id="{449BC34D-9C23-4D6D-8213-1F471AF85B3F}"/>
               </a:ext>
               <a:ext uri="{C183D7F6-B498-43B3-948B-1728B52AA6E4}">
                 <adec:decorative xmlns:adec="http://schemas.microsoft.com/office/drawing/2017/decorative" val="1"/>
               </a:ext>
             </a:extLst>
           </p:cNvPr>
-          <p:cNvSpPr>
-            <a:spLocks noGrp="1" noRot="1" noChangeAspect="1" noMove="1" noResize="1" noEditPoints="1" noAdjustHandles="1" noChangeArrowheads="1" noChangeShapeType="1" noTextEdit="1"/>
-          </p:cNvSpPr>
+          <p:cNvGrpSpPr>
+            <a:grpSpLocks noGrp="1" noUngrp="1" noRot="1" noChangeAspect="1" noMove="1" noResize="1"/>
+          </p:cNvGrpSpPr>
           <p:nvPr>
             <p:extLst>
               <p:ext uri="{386F3935-93C4-4BCD-93E2-E3B085C9AB24}">
@@ -8527,45 +8353,166 @@
               </p:ext>
             </p:extLst>
           </p:nvPr>
-        </p:nvSpPr>
-        <p:spPr>
-          <a:xfrm>
-            <a:off x="358571" y="282"/>
-            <a:ext cx="171450" cy="5143500"/>
-          </a:xfrm>
-          <a:prstGeom prst="rect">
-            <a:avLst/>
-          </a:prstGeom>
-          <a:solidFill>
-            <a:schemeClr val="tx2"/>
-          </a:solidFill>
-          <a:ln>
-            <a:noFill/>
-          </a:ln>
-        </p:spPr>
-        <p:style>
-          <a:lnRef idx="2">
-            <a:schemeClr val="accent1">
-              <a:shade val="50000"/>
-            </a:schemeClr>
-          </a:lnRef>
-          <a:fillRef idx="1">
-            <a:schemeClr val="accent1"/>
-          </a:fillRef>
-          <a:effectRef idx="0">
-            <a:schemeClr val="accent1"/>
-          </a:effectRef>
-          <a:fontRef idx="minor">
-            <a:schemeClr val="lt1"/>
-          </a:fontRef>
-        </p:style>
-      </p:sp>
+        </p:nvGrpSpPr>
+        <p:grpSpPr>
+          <a:xfrm>
+            <a:off x="564643" y="558351"/>
+            <a:ext cx="8005589" cy="4012254"/>
+            <a:chOff x="752858" y="744469"/>
+            <a:chExt cx="10674117" cy="5349671"/>
+          </a:xfrm>
+        </p:grpSpPr>
+        <p:sp>
+          <p:nvSpPr>
+            <p:cNvPr id="72" name="Freeform 6">
+              <a:extLst>
+                <a:ext uri="{FF2B5EF4-FFF2-40B4-BE49-F238E27FC236}">
+                  <a16:creationId xmlns:a16="http://schemas.microsoft.com/office/drawing/2014/main" id="{FA0F5D6C-5025-4D7E-82DD-C2C6FDA1E759}"/>
+                </a:ext>
+                <a:ext uri="{C183D7F6-B498-43B3-948B-1728B52AA6E4}">
+                  <adec:decorative xmlns:adec="http://schemas.microsoft.com/office/drawing/2017/decorative" val="1"/>
+                </a:ext>
+              </a:extLst>
+            </p:cNvPr>
+            <p:cNvSpPr/>
+            <p:nvPr>
+              <p:extLst>
+                <p:ext uri="{386F3935-93C4-4BCD-93E2-E3B085C9AB24}">
+                  <p16:designElem xmlns:p16="http://schemas.microsoft.com/office/powerpoint/2015/main" val="1"/>
+                </p:ext>
+              </p:extLst>
+            </p:nvPr>
+          </p:nvSpPr>
+          <p:spPr bwMode="auto">
+            <a:xfrm>
+              <a:off x="8151962" y="1685652"/>
+              <a:ext cx="3275013" cy="4408488"/>
+            </a:xfrm>
+            <a:custGeom>
+              <a:avLst/>
+              <a:gdLst/>
+              <a:ahLst/>
+              <a:cxnLst/>
+              <a:rect l="l" t="t" r="r" b="b"/>
+              <a:pathLst>
+                <a:path w="10000" h="10000">
+                  <a:moveTo>
+                    <a:pt x="8761" y="0"/>
+                  </a:moveTo>
+                  <a:lnTo>
+                    <a:pt x="10000" y="0"/>
+                  </a:lnTo>
+                  <a:lnTo>
+                    <a:pt x="10000" y="10000"/>
+                  </a:lnTo>
+                  <a:lnTo>
+                    <a:pt x="0" y="10000"/>
+                  </a:lnTo>
+                  <a:lnTo>
+                    <a:pt x="0" y="9126"/>
+                  </a:lnTo>
+                  <a:lnTo>
+                    <a:pt x="8761" y="9127"/>
+                  </a:lnTo>
+                  <a:lnTo>
+                    <a:pt x="8761" y="0"/>
+                  </a:lnTo>
+                  <a:close/>
+                </a:path>
+              </a:pathLst>
+            </a:custGeom>
+            <a:solidFill>
+              <a:schemeClr val="tx2"/>
+            </a:solidFill>
+            <a:ln w="0">
+              <a:noFill/>
+              <a:prstDash val="solid"/>
+              <a:round/>
+              <a:headEnd/>
+              <a:tailEnd/>
+            </a:ln>
+          </p:spPr>
+        </p:sp>
+        <p:sp>
+          <p:nvSpPr>
+            <p:cNvPr id="73" name="Freeform 6">
+              <a:extLst>
+                <a:ext uri="{FF2B5EF4-FFF2-40B4-BE49-F238E27FC236}">
+                  <a16:creationId xmlns:a16="http://schemas.microsoft.com/office/drawing/2014/main" id="{E2AF2C17-4AB4-4402-B84B-129EF95D161C}"/>
+                </a:ext>
+                <a:ext uri="{C183D7F6-B498-43B3-948B-1728B52AA6E4}">
+                  <adec:decorative xmlns:adec="http://schemas.microsoft.com/office/drawing/2017/decorative" val="1"/>
+                </a:ext>
+              </a:extLst>
+            </p:cNvPr>
+            <p:cNvSpPr/>
+            <p:nvPr>
+              <p:extLst>
+                <p:ext uri="{386F3935-93C4-4BCD-93E2-E3B085C9AB24}">
+                  <p16:designElem xmlns:p16="http://schemas.microsoft.com/office/powerpoint/2015/main" val="1"/>
+                </p:ext>
+              </p:extLst>
+            </p:nvPr>
+          </p:nvSpPr>
+          <p:spPr bwMode="auto">
+            <a:xfrm flipH="1" flipV="1">
+              <a:off x="752858" y="744469"/>
+              <a:ext cx="3275668" cy="4408488"/>
+            </a:xfrm>
+            <a:custGeom>
+              <a:avLst/>
+              <a:gdLst/>
+              <a:ahLst/>
+              <a:cxnLst/>
+              <a:rect l="l" t="t" r="r" b="b"/>
+              <a:pathLst>
+                <a:path w="10002" h="10000">
+                  <a:moveTo>
+                    <a:pt x="8763" y="0"/>
+                  </a:moveTo>
+                  <a:lnTo>
+                    <a:pt x="10002" y="0"/>
+                  </a:lnTo>
+                  <a:lnTo>
+                    <a:pt x="10002" y="10000"/>
+                  </a:lnTo>
+                  <a:lnTo>
+                    <a:pt x="2" y="10000"/>
+                  </a:lnTo>
+                  <a:cubicBezTo>
+                    <a:pt x="-2" y="9698"/>
+                    <a:pt x="4" y="9427"/>
+                    <a:pt x="0" y="9125"/>
+                  </a:cubicBezTo>
+                  <a:lnTo>
+                    <a:pt x="8763" y="9128"/>
+                  </a:lnTo>
+                  <a:lnTo>
+                    <a:pt x="8763" y="0"/>
+                  </a:lnTo>
+                  <a:close/>
+                </a:path>
+              </a:pathLst>
+            </a:custGeom>
+            <a:solidFill>
+              <a:schemeClr val="tx2"/>
+            </a:solidFill>
+            <a:ln w="0">
+              <a:noFill/>
+              <a:prstDash val="solid"/>
+              <a:round/>
+              <a:headEnd/>
+              <a:tailEnd/>
+            </a:ln>
+          </p:spPr>
+        </p:sp>
+      </p:grpSp>
       <p:sp useBgFill="1">
         <p:nvSpPr>
-          <p:cNvPr id="20" name="Rectangle 9">
+          <p:cNvPr id="75" name="Rectangle 74">
             <a:extLst>
               <a:ext uri="{FF2B5EF4-FFF2-40B4-BE49-F238E27FC236}">
-                <a16:creationId xmlns:a16="http://schemas.microsoft.com/office/drawing/2014/main" id="{C3638F2F-4688-4030-B1CC-802724443B77}"/>
+                <a16:creationId xmlns:a16="http://schemas.microsoft.com/office/drawing/2014/main" id="{5D213B41-AC9B-4E61-BEED-FF4C168A8942}"/>
               </a:ext>
               <a:ext uri="{C183D7F6-B498-43B3-948B-1728B52AA6E4}">
                 <adec:decorative xmlns:adec="http://schemas.microsoft.com/office/drawing/2017/decorative" val="1"/>
@@ -8622,10 +8569,50 @@
       </p:sp>
       <p:sp>
         <p:nvSpPr>
-          <p:cNvPr id="12" name="Freeform 6">
+          <p:cNvPr id="2" name="Title 1">
             <a:extLst>
               <a:ext uri="{FF2B5EF4-FFF2-40B4-BE49-F238E27FC236}">
-                <a16:creationId xmlns:a16="http://schemas.microsoft.com/office/drawing/2014/main" id="{48C811F0-0ED8-4A7B-BFDE-6433C690ED4F}"/>
+                <a16:creationId xmlns:a16="http://schemas.microsoft.com/office/drawing/2014/main" id="{7C4895FF-5A1D-4881-9159-3A9FFDA5A556}"/>
+              </a:ext>
+            </a:extLst>
+          </p:cNvPr>
+          <p:cNvSpPr>
+            <a:spLocks noGrp="1"/>
+          </p:cNvSpPr>
+          <p:nvPr>
+            <p:ph type="title"/>
+          </p:nvPr>
+        </p:nvSpPr>
+        <p:spPr>
+          <a:xfrm>
+            <a:off x="494422" y="760291"/>
+            <a:ext cx="8152313" cy="927974"/>
+          </a:xfrm>
+        </p:spPr>
+        <p:txBody>
+          <a:bodyPr vert="horz" lIns="91440" tIns="45720" rIns="91440" bIns="45720" rtlCol="0" anchor="b">
+            <a:normAutofit/>
+          </a:bodyPr>
+          <a:lstStyle/>
+          <a:p>
+            <a:pPr algn="ctr" defTabSz="914400">
+              <a:spcBef>
+                <a:spcPct val="0"/>
+              </a:spcBef>
+            </a:pPr>
+            <a:r>
+              <a:rPr lang="en-US" sz="5000" cap="all"/>
+              <a:t>Code coverage</a:t>
+            </a:r>
+          </a:p>
+        </p:txBody>
+      </p:sp>
+      <p:sp>
+        <p:nvSpPr>
+          <p:cNvPr id="77" name="Freeform 6">
+            <a:extLst>
+              <a:ext uri="{FF2B5EF4-FFF2-40B4-BE49-F238E27FC236}">
+                <a16:creationId xmlns:a16="http://schemas.microsoft.com/office/drawing/2014/main" id="{628FBD9F-3B86-4C98-8F77-383320737739}"/>
               </a:ext>
               <a:ext uri="{C183D7F6-B498-43B3-948B-1728B52AA6E4}">
                 <adec:decorative xmlns:adec="http://schemas.microsoft.com/office/drawing/2017/decorative" val="1"/>
@@ -8644,9 +8631,137 @@
           </p:nvPr>
         </p:nvSpPr>
         <p:spPr bwMode="auto">
+          <a:xfrm rot="5400000" flipV="1">
+            <a:off x="6115638" y="2163173"/>
+            <a:ext cx="2254417" cy="3034665"/>
+          </a:xfrm>
+          <a:custGeom>
+            <a:avLst/>
+            <a:gdLst/>
+            <a:ahLst/>
+            <a:cxnLst/>
+            <a:rect l="l" t="t" r="r" b="b"/>
+            <a:pathLst>
+              <a:path w="10000" h="10000">
+                <a:moveTo>
+                  <a:pt x="8761" y="0"/>
+                </a:moveTo>
+                <a:lnTo>
+                  <a:pt x="10000" y="0"/>
+                </a:lnTo>
+                <a:lnTo>
+                  <a:pt x="10000" y="10000"/>
+                </a:lnTo>
+                <a:lnTo>
+                  <a:pt x="0" y="10000"/>
+                </a:lnTo>
+                <a:lnTo>
+                  <a:pt x="0" y="9126"/>
+                </a:lnTo>
+                <a:lnTo>
+                  <a:pt x="8761" y="9127"/>
+                </a:lnTo>
+                <a:lnTo>
+                  <a:pt x="8761" y="0"/>
+                </a:lnTo>
+                <a:close/>
+              </a:path>
+            </a:pathLst>
+          </a:custGeom>
+          <a:solidFill>
+            <a:schemeClr val="tx2">
+              <a:alpha val="90000"/>
+            </a:schemeClr>
+          </a:solidFill>
+          <a:ln w="0">
+            <a:noFill/>
+            <a:prstDash val="solid"/>
+            <a:round/>
+            <a:headEnd/>
+            <a:tailEnd/>
+          </a:ln>
+        </p:spPr>
+        <p:txBody>
+          <a:bodyPr/>
+          <a:lstStyle/>
+          <a:p>
+            <a:endParaRPr lang="en-US" dirty="0"/>
+          </a:p>
+        </p:txBody>
+      </p:sp>
+      <p:pic>
+        <p:nvPicPr>
+          <p:cNvPr id="2050" name="Picture 2">
+            <a:extLst>
+              <a:ext uri="{FF2B5EF4-FFF2-40B4-BE49-F238E27FC236}">
+                <a16:creationId xmlns:a16="http://schemas.microsoft.com/office/drawing/2014/main" id="{1ADB3866-FC28-4A15-B851-650F5D400A26}"/>
+              </a:ext>
+            </a:extLst>
+          </p:cNvPr>
+          <p:cNvPicPr>
+            <a:picLocks noChangeAspect="1" noChangeArrowheads="1"/>
+          </p:cNvPicPr>
+          <p:nvPr/>
+        </p:nvPicPr>
+        <p:blipFill>
+          <a:blip r:embed="rId2">
+            <a:extLst>
+              <a:ext uri="{28A0092B-C50C-407E-A947-70E740481C1C}">
+                <a14:useLocalDpi xmlns:a14="http://schemas.microsoft.com/office/drawing/2010/main" val="0"/>
+              </a:ext>
+            </a:extLst>
+          </a:blip>
+          <a:stretch>
+            <a:fillRect/>
+          </a:stretch>
+        </p:blipFill>
+        <p:spPr bwMode="auto">
+          <a:xfrm>
+            <a:off x="989190" y="2292528"/>
+            <a:ext cx="7212257" cy="2109586"/>
+          </a:xfrm>
+          <a:prstGeom prst="rect">
+            <a:avLst/>
+          </a:prstGeom>
+          <a:noFill/>
+          <a:extLst>
+            <a:ext uri="{909E8E84-426E-40DD-AFC4-6F175D3DCCD1}">
+              <a14:hiddenFill xmlns:a14="http://schemas.microsoft.com/office/drawing/2010/main">
+                <a:solidFill>
+                  <a:srgbClr val="FFFFFF"/>
+                </a:solidFill>
+              </a14:hiddenFill>
+            </a:ext>
+          </a:extLst>
+        </p:spPr>
+      </p:pic>
+      <p:sp>
+        <p:nvSpPr>
+          <p:cNvPr id="79" name="Freeform 6">
+            <a:extLst>
+              <a:ext uri="{FF2B5EF4-FFF2-40B4-BE49-F238E27FC236}">
+                <a16:creationId xmlns:a16="http://schemas.microsoft.com/office/drawing/2014/main" id="{6283F864-E3D1-457B-865A-DDC32254D987}"/>
+              </a:ext>
+              <a:ext uri="{C183D7F6-B498-43B3-948B-1728B52AA6E4}">
+                <adec:decorative xmlns:adec="http://schemas.microsoft.com/office/drawing/2017/decorative" val="1"/>
+              </a:ext>
+            </a:extLst>
+          </p:cNvPr>
+          <p:cNvSpPr>
+            <a:spLocks noGrp="1" noRot="1" noChangeAspect="1" noMove="1" noResize="1" noEditPoints="1" noAdjustHandles="1" noChangeArrowheads="1" noChangeShapeType="1" noTextEdit="1"/>
+          </p:cNvSpPr>
+          <p:nvPr>
+            <p:extLst>
+              <p:ext uri="{386F3935-93C4-4BCD-93E2-E3B085C9AB24}">
+                <p16:designElem xmlns:p16="http://schemas.microsoft.com/office/powerpoint/2015/main" val="1"/>
+              </p:ext>
+            </p:extLst>
+          </p:nvPr>
+        </p:nvSpPr>
+        <p:spPr bwMode="auto">
           <a:xfrm rot="5400000" flipH="1">
-            <a:off x="730313" y="227922"/>
-            <a:ext cx="1432577" cy="1928003"/>
+            <a:off x="810606" y="1452508"/>
+            <a:ext cx="2254868" cy="3034665"/>
           </a:xfrm>
           <a:custGeom>
             <a:avLst/>
@@ -8684,7 +8799,9 @@
             </a:pathLst>
           </a:custGeom>
           <a:solidFill>
-            <a:schemeClr val="tx2"/>
+            <a:schemeClr val="tx2">
+              <a:alpha val="90000"/>
+            </a:schemeClr>
           </a:solidFill>
           <a:ln w="0">
             <a:noFill/>
@@ -8694,145 +8811,6 @@
             <a:tailEnd/>
           </a:ln>
         </p:spPr>
-      </p:sp>
-      <p:sp>
-        <p:nvSpPr>
-          <p:cNvPr id="2" name="Title 1">
-            <a:extLst>
-              <a:ext uri="{FF2B5EF4-FFF2-40B4-BE49-F238E27FC236}">
-                <a16:creationId xmlns:a16="http://schemas.microsoft.com/office/drawing/2014/main" id="{7C4895FF-5A1D-4881-9159-3A9FFDA5A556}"/>
-              </a:ext>
-            </a:extLst>
-          </p:cNvPr>
-          <p:cNvSpPr>
-            <a:spLocks noGrp="1"/>
-          </p:cNvSpPr>
-          <p:nvPr>
-            <p:ph type="title"/>
-          </p:nvPr>
-        </p:nvSpPr>
-        <p:spPr>
-          <a:xfrm>
-            <a:off x="940323" y="995516"/>
-            <a:ext cx="2669568" cy="3361923"/>
-          </a:xfrm>
-        </p:spPr>
-        <p:txBody>
-          <a:bodyPr vert="horz" lIns="91440" tIns="45720" rIns="91440" bIns="45720" rtlCol="0" anchor="t">
-            <a:normAutofit/>
-          </a:bodyPr>
-          <a:lstStyle/>
-          <a:p>
-            <a:pPr defTabSz="914400">
-              <a:spcBef>
-                <a:spcPct val="0"/>
-              </a:spcBef>
-            </a:pPr>
-            <a:r>
-              <a:rPr lang="en-US" sz="4400"/>
-              <a:t>Code coverage</a:t>
-            </a:r>
-          </a:p>
-        </p:txBody>
-      </p:sp>
-      <p:sp>
-        <p:nvSpPr>
-          <p:cNvPr id="3" name="Text Placeholder 2">
-            <a:extLst>
-              <a:ext uri="{FF2B5EF4-FFF2-40B4-BE49-F238E27FC236}">
-                <a16:creationId xmlns:a16="http://schemas.microsoft.com/office/drawing/2014/main" id="{154673E3-983F-4E50-BE24-F5CF5089E350}"/>
-              </a:ext>
-            </a:extLst>
-          </p:cNvPr>
-          <p:cNvSpPr>
-            <a:spLocks noGrp="1"/>
-          </p:cNvSpPr>
-          <p:nvPr>
-            <p:ph type="body" idx="1"/>
-          </p:nvPr>
-        </p:nvSpPr>
-        <p:spPr>
-          <a:xfrm>
-            <a:off x="4575092" y="995517"/>
-            <a:ext cx="3654508" cy="3361923"/>
-          </a:xfrm>
-        </p:spPr>
-        <p:txBody>
-          <a:bodyPr vert="horz" lIns="91440" tIns="45720" rIns="91440" bIns="45720" rtlCol="0">
-            <a:normAutofit/>
-          </a:bodyPr>
-          <a:lstStyle/>
-          <a:p>
-            <a:pPr indent="-384048" defTabSz="914400">
-              <a:spcAft>
-                <a:spcPts val="200"/>
-              </a:spcAft>
-            </a:pPr>
-            <a:endParaRPr lang="en-US"/>
-          </a:p>
-        </p:txBody>
-      </p:sp>
-      <p:sp>
-        <p:nvSpPr>
-          <p:cNvPr id="21" name="Rectangle 13">
-            <a:extLst>
-              <a:ext uri="{FF2B5EF4-FFF2-40B4-BE49-F238E27FC236}">
-                <a16:creationId xmlns:a16="http://schemas.microsoft.com/office/drawing/2014/main" id="{AAC19CEE-435E-4643-849E-5194A57437C0}"/>
-              </a:ext>
-              <a:ext uri="{C183D7F6-B498-43B3-948B-1728B52AA6E4}">
-                <adec:decorative xmlns:adec="http://schemas.microsoft.com/office/drawing/2017/decorative" val="1"/>
-              </a:ext>
-            </a:extLst>
-          </p:cNvPr>
-          <p:cNvSpPr>
-            <a:spLocks noGrp="1" noRot="1" noChangeAspect="1" noMove="1" noResize="1" noEditPoints="1" noAdjustHandles="1" noChangeArrowheads="1" noChangeShapeType="1" noTextEdit="1"/>
-          </p:cNvSpPr>
-          <p:nvPr>
-            <p:extLst>
-              <p:ext uri="{386F3935-93C4-4BCD-93E2-E3B085C9AB24}">
-                <p16:designElem xmlns:p16="http://schemas.microsoft.com/office/powerpoint/2015/main" val="1"/>
-              </p:ext>
-            </p:extLst>
-          </p:nvPr>
-        </p:nvSpPr>
-        <p:spPr>
-          <a:xfrm>
-            <a:off x="1" y="4840039"/>
-            <a:ext cx="9143999" cy="303461"/>
-          </a:xfrm>
-          <a:prstGeom prst="rect">
-            <a:avLst/>
-          </a:prstGeom>
-          <a:solidFill>
-            <a:schemeClr val="accent1"/>
-          </a:solidFill>
-          <a:ln>
-            <a:noFill/>
-          </a:ln>
-        </p:spPr>
-        <p:style>
-          <a:lnRef idx="2">
-            <a:schemeClr val="accent1">
-              <a:shade val="50000"/>
-            </a:schemeClr>
-          </a:lnRef>
-          <a:fillRef idx="1">
-            <a:schemeClr val="accent1"/>
-          </a:fillRef>
-          <a:effectRef idx="0">
-            <a:schemeClr val="accent1"/>
-          </a:effectRef>
-          <a:fontRef idx="minor">
-            <a:schemeClr val="lt1"/>
-          </a:fontRef>
-        </p:style>
-        <p:txBody>
-          <a:bodyPr/>
-          <a:lstStyle/>
-          <a:p>
-            <a:endParaRPr lang="en-US" dirty="0"/>
-          </a:p>
-        </p:txBody>
       </p:sp>
     </p:spTree>
     <p:extLst>
